--- a/Final Presentation.pptx
+++ b/Final Presentation.pptx
@@ -1,30 +1,30 @@
 
 <file path=ppt/presentation.xml><?xml version="1.0" encoding="utf-8"?>
-<p:presentation xmlns:a="http://schemas.openxmlformats.org/drawingml/2006/main" xmlns:r="http://schemas.openxmlformats.org/officeDocument/2006/relationships" xmlns:mc="http://schemas.openxmlformats.org/markup-compatibility/2006" xmlns:mv="urn:schemas-microsoft-com:mac:vml" xmlns:p="http://schemas.openxmlformats.org/presentationml/2006/main" xmlns:c="http://schemas.openxmlformats.org/drawingml/2006/chart" xmlns:dgm="http://schemas.openxmlformats.org/drawingml/2006/diagram" xmlns:o="urn:schemas-microsoft-com:office:office" xmlns:v="urn:schemas-microsoft-com:vml" xmlns:pvml="urn:schemas-microsoft-com:office:powerpoint" xmlns:com="http://schemas.openxmlformats.org/drawingml/2006/compatibility" xmlns:p14="http://schemas.microsoft.com/office/powerpoint/2010/main" xmlns:p15="http://schemas.microsoft.com/office/powerpoint/2012/main" autoCompressPictures="0" strictFirstAndLastChars="0" saveSubsetFonts="1">
+<p:presentation xmlns:a="http://schemas.openxmlformats.org/drawingml/2006/main" xmlns:r="http://schemas.openxmlformats.org/officeDocument/2006/relationships" xmlns:p="http://schemas.openxmlformats.org/presentationml/2006/main" strictFirstAndLastChars="0" saveSubsetFonts="1" autoCompressPictures="0">
   <p:sldMasterIdLst>
-    <p:sldMasterId id="2147483659" r:id="rId5"/>
+    <p:sldMasterId id="2147483659" r:id="rId1"/>
   </p:sldMasterIdLst>
   <p:notesMasterIdLst>
-    <p:notesMasterId r:id="rId6"/>
+    <p:notesMasterId r:id="rId14"/>
   </p:notesMasterIdLst>
   <p:sldIdLst>
-    <p:sldId id="256" r:id="rId7"/>
-    <p:sldId id="257" r:id="rId8"/>
-    <p:sldId id="258" r:id="rId9"/>
-    <p:sldId id="259" r:id="rId10"/>
-    <p:sldId id="260" r:id="rId11"/>
-    <p:sldId id="261" r:id="rId12"/>
-    <p:sldId id="262" r:id="rId13"/>
-    <p:sldId id="263" r:id="rId14"/>
-    <p:sldId id="264" r:id="rId15"/>
-    <p:sldId id="265" r:id="rId16"/>
-    <p:sldId id="266" r:id="rId17"/>
-    <p:sldId id="267" r:id="rId18"/>
+    <p:sldId id="256" r:id="rId2"/>
+    <p:sldId id="257" r:id="rId3"/>
+    <p:sldId id="258" r:id="rId4"/>
+    <p:sldId id="259" r:id="rId5"/>
+    <p:sldId id="260" r:id="rId6"/>
+    <p:sldId id="261" r:id="rId7"/>
+    <p:sldId id="262" r:id="rId8"/>
+    <p:sldId id="263" r:id="rId9"/>
+    <p:sldId id="264" r:id="rId10"/>
+    <p:sldId id="265" r:id="rId11"/>
+    <p:sldId id="266" r:id="rId12"/>
+    <p:sldId id="267" r:id="rId13"/>
   </p:sldIdLst>
-  <p:sldSz cy="5143500" cx="9144000"/>
+  <p:sldSz cx="9144000" cy="5143500" type="screen16x9"/>
   <p:notesSz cx="6858000" cy="9144000"/>
   <p:defaultTextStyle>
-    <a:defPPr lvl="0" marR="0" rtl="0" algn="l">
+    <a:defPPr marR="0" lvl="0" algn="l" rtl="0">
       <a:lnSpc>
         <a:spcPct val="100000"/>
       </a:lnSpc>
@@ -35,7 +35,7 @@
         <a:spcPts val="0"/>
       </a:spcAft>
     </a:defPPr>
-    <a:lvl1pPr lvl="0" marR="0" rtl="0" algn="l">
+    <a:lvl1pPr marR="0" lvl="0" algn="l" rtl="0">
       <a:lnSpc>
         <a:spcPct val="100000"/>
       </a:lnSpc>
@@ -49,7 +49,7 @@
         <a:srgbClr val="000000"/>
       </a:buClr>
       <a:buFont typeface="Arial"/>
-      <a:defRPr b="0" i="0" sz="1400" u="none" cap="none" strike="noStrike">
+      <a:defRPr sz="1400" b="0" i="0" u="none" strike="noStrike" cap="none">
         <a:solidFill>
           <a:srgbClr val="000000"/>
         </a:solidFill>
@@ -59,7 +59,7 @@
         <a:sym typeface="Arial"/>
       </a:defRPr>
     </a:lvl1pPr>
-    <a:lvl2pPr lvl="1" marR="0" rtl="0" algn="l">
+    <a:lvl2pPr marR="0" lvl="1" algn="l" rtl="0">
       <a:lnSpc>
         <a:spcPct val="100000"/>
       </a:lnSpc>
@@ -73,7 +73,7 @@
         <a:srgbClr val="000000"/>
       </a:buClr>
       <a:buFont typeface="Arial"/>
-      <a:defRPr b="0" i="0" sz="1400" u="none" cap="none" strike="noStrike">
+      <a:defRPr sz="1400" b="0" i="0" u="none" strike="noStrike" cap="none">
         <a:solidFill>
           <a:srgbClr val="000000"/>
         </a:solidFill>
@@ -83,7 +83,7 @@
         <a:sym typeface="Arial"/>
       </a:defRPr>
     </a:lvl2pPr>
-    <a:lvl3pPr lvl="2" marR="0" rtl="0" algn="l">
+    <a:lvl3pPr marR="0" lvl="2" algn="l" rtl="0">
       <a:lnSpc>
         <a:spcPct val="100000"/>
       </a:lnSpc>
@@ -97,7 +97,7 @@
         <a:srgbClr val="000000"/>
       </a:buClr>
       <a:buFont typeface="Arial"/>
-      <a:defRPr b="0" i="0" sz="1400" u="none" cap="none" strike="noStrike">
+      <a:defRPr sz="1400" b="0" i="0" u="none" strike="noStrike" cap="none">
         <a:solidFill>
           <a:srgbClr val="000000"/>
         </a:solidFill>
@@ -107,7 +107,7 @@
         <a:sym typeface="Arial"/>
       </a:defRPr>
     </a:lvl3pPr>
-    <a:lvl4pPr lvl="3" marR="0" rtl="0" algn="l">
+    <a:lvl4pPr marR="0" lvl="3" algn="l" rtl="0">
       <a:lnSpc>
         <a:spcPct val="100000"/>
       </a:lnSpc>
@@ -121,7 +121,7 @@
         <a:srgbClr val="000000"/>
       </a:buClr>
       <a:buFont typeface="Arial"/>
-      <a:defRPr b="0" i="0" sz="1400" u="none" cap="none" strike="noStrike">
+      <a:defRPr sz="1400" b="0" i="0" u="none" strike="noStrike" cap="none">
         <a:solidFill>
           <a:srgbClr val="000000"/>
         </a:solidFill>
@@ -131,7 +131,7 @@
         <a:sym typeface="Arial"/>
       </a:defRPr>
     </a:lvl4pPr>
-    <a:lvl5pPr lvl="4" marR="0" rtl="0" algn="l">
+    <a:lvl5pPr marR="0" lvl="4" algn="l" rtl="0">
       <a:lnSpc>
         <a:spcPct val="100000"/>
       </a:lnSpc>
@@ -145,7 +145,7 @@
         <a:srgbClr val="000000"/>
       </a:buClr>
       <a:buFont typeface="Arial"/>
-      <a:defRPr b="0" i="0" sz="1400" u="none" cap="none" strike="noStrike">
+      <a:defRPr sz="1400" b="0" i="0" u="none" strike="noStrike" cap="none">
         <a:solidFill>
           <a:srgbClr val="000000"/>
         </a:solidFill>
@@ -155,7 +155,7 @@
         <a:sym typeface="Arial"/>
       </a:defRPr>
     </a:lvl5pPr>
-    <a:lvl6pPr lvl="5" marR="0" rtl="0" algn="l">
+    <a:lvl6pPr marR="0" lvl="5" algn="l" rtl="0">
       <a:lnSpc>
         <a:spcPct val="100000"/>
       </a:lnSpc>
@@ -169,7 +169,7 @@
         <a:srgbClr val="000000"/>
       </a:buClr>
       <a:buFont typeface="Arial"/>
-      <a:defRPr b="0" i="0" sz="1400" u="none" cap="none" strike="noStrike">
+      <a:defRPr sz="1400" b="0" i="0" u="none" strike="noStrike" cap="none">
         <a:solidFill>
           <a:srgbClr val="000000"/>
         </a:solidFill>
@@ -179,7 +179,7 @@
         <a:sym typeface="Arial"/>
       </a:defRPr>
     </a:lvl6pPr>
-    <a:lvl7pPr lvl="6" marR="0" rtl="0" algn="l">
+    <a:lvl7pPr marR="0" lvl="6" algn="l" rtl="0">
       <a:lnSpc>
         <a:spcPct val="100000"/>
       </a:lnSpc>
@@ -193,7 +193,7 @@
         <a:srgbClr val="000000"/>
       </a:buClr>
       <a:buFont typeface="Arial"/>
-      <a:defRPr b="0" i="0" sz="1400" u="none" cap="none" strike="noStrike">
+      <a:defRPr sz="1400" b="0" i="0" u="none" strike="noStrike" cap="none">
         <a:solidFill>
           <a:srgbClr val="000000"/>
         </a:solidFill>
@@ -203,7 +203,7 @@
         <a:sym typeface="Arial"/>
       </a:defRPr>
     </a:lvl7pPr>
-    <a:lvl8pPr lvl="7" marR="0" rtl="0" algn="l">
+    <a:lvl8pPr marR="0" lvl="7" algn="l" rtl="0">
       <a:lnSpc>
         <a:spcPct val="100000"/>
       </a:lnSpc>
@@ -217,7 +217,7 @@
         <a:srgbClr val="000000"/>
       </a:buClr>
       <a:buFont typeface="Arial"/>
-      <a:defRPr b="0" i="0" sz="1400" u="none" cap="none" strike="noStrike">
+      <a:defRPr sz="1400" b="0" i="0" u="none" strike="noStrike" cap="none">
         <a:solidFill>
           <a:srgbClr val="000000"/>
         </a:solidFill>
@@ -227,7 +227,7 @@
         <a:sym typeface="Arial"/>
       </a:defRPr>
     </a:lvl8pPr>
-    <a:lvl9pPr lvl="8" marR="0" rtl="0" algn="l">
+    <a:lvl9pPr marR="0" lvl="8" algn="l" rtl="0">
       <a:lnSpc>
         <a:spcPct val="100000"/>
       </a:lnSpc>
@@ -241,7 +241,7 @@
         <a:srgbClr val="000000"/>
       </a:buClr>
       <a:buFont typeface="Arial"/>
-      <a:defRPr b="0" i="0" sz="1400" u="none" cap="none" strike="noStrike">
+      <a:defRPr sz="1400" b="0" i="0" u="none" strike="noStrike" cap="none">
         <a:solidFill>
           <a:srgbClr val="000000"/>
         </a:solidFill>
@@ -254,7 +254,7 @@
   </p:defaultTextStyle>
   <p:extLst>
     <p:ext uri="{EFAFB233-063F-42B5-8137-9DF3F51BA10A}">
-      <p15:sldGuideLst>
+      <p15:sldGuideLst xmlns:p15="http://schemas.microsoft.com/office/powerpoint/2012/main">
         <p15:guide id="1" orient="horz" pos="1620">
           <p15:clr>
             <a:srgbClr val="A4A3A4"/>
@@ -272,11 +272,16 @@
 </file>
 
 <file path=ppt/notesMasters/notesMaster1.xml><?xml version="1.0" encoding="utf-8"?>
-<p:notesMaster xmlns:a="http://schemas.openxmlformats.org/drawingml/2006/main" xmlns:r="http://schemas.openxmlformats.org/officeDocument/2006/relationships" xmlns:mc="http://schemas.openxmlformats.org/markup-compatibility/2006" xmlns:mv="urn:schemas-microsoft-com:mac:vml" xmlns:p="http://schemas.openxmlformats.org/presentationml/2006/main" xmlns:c="http://schemas.openxmlformats.org/drawingml/2006/chart" xmlns:dgm="http://schemas.openxmlformats.org/drawingml/2006/diagram" xmlns:o="urn:schemas-microsoft-com:office:office" xmlns:v="urn:schemas-microsoft-com:vml" xmlns:pvml="urn:schemas-microsoft-com:office:powerpoint" xmlns:com="http://schemas.openxmlformats.org/drawingml/2006/compatibility" xmlns:p14="http://schemas.microsoft.com/office/powerpoint/2010/main" xmlns:p15="http://schemas.microsoft.com/office/powerpoint/2012/main">
+<p:notesMaster xmlns:a="http://schemas.openxmlformats.org/drawingml/2006/main" xmlns:r="http://schemas.openxmlformats.org/officeDocument/2006/relationships" xmlns:p="http://schemas.openxmlformats.org/presentationml/2006/main">
   <p:cSld>
+    <p:bg>
+      <p:bgRef idx="1001">
+        <a:schemeClr val="bg1"/>
+      </p:bgRef>
+    </p:bg>
     <p:spTree>
       <p:nvGrpSpPr>
-        <p:cNvPr id="2" name="Shape 2"/>
+        <p:cNvPr id="1" name="Shape 2"/>
         <p:cNvGrpSpPr/>
         <p:nvPr/>
       </p:nvGrpSpPr>
@@ -291,9 +296,11 @@
       <p:sp>
         <p:nvSpPr>
           <p:cNvPr id="3" name="Google Shape;3;n"/>
-          <p:cNvSpPr/>
+          <p:cNvSpPr>
+            <a:spLocks noGrp="1" noRot="1" noChangeAspect="1"/>
+          </p:cNvSpPr>
           <p:nvPr>
-            <p:ph idx="2" type="sldImg"/>
+            <p:ph type="sldImg" idx="2"/>
           </p:nvPr>
         </p:nvSpPr>
         <p:spPr>
@@ -302,9 +309,13 @@
             <a:ext cx="6096075" cy="3429000"/>
           </a:xfrm>
           <a:custGeom>
-            <a:rect b="b" l="l" r="r" t="t"/>
+            <a:avLst/>
+            <a:gdLst/>
+            <a:ahLst/>
+            <a:cxnLst/>
+            <a:rect l="l" t="t" r="r" b="b"/>
             <a:pathLst>
-              <a:path extrusionOk="0" h="120000" w="120000">
+              <a:path w="120000" h="120000" extrusionOk="0">
                 <a:moveTo>
                   <a:pt x="0" y="0"/>
                 </a:moveTo>
@@ -322,23 +333,25 @@
             </a:pathLst>
           </a:custGeom>
           <a:noFill/>
-          <a:ln cap="flat" cmpd="sng" w="9525">
+          <a:ln w="9525" cap="flat" cmpd="sng">
             <a:solidFill>
               <a:srgbClr val="000000"/>
             </a:solidFill>
             <a:prstDash val="solid"/>
             <a:round/>
-            <a:headEnd len="sm" w="sm" type="none"/>
-            <a:tailEnd len="sm" w="sm" type="none"/>
+            <a:headEnd type="none" w="sm" len="sm"/>
+            <a:tailEnd type="none" w="sm" len="sm"/>
           </a:ln>
         </p:spPr>
       </p:sp>
       <p:sp>
         <p:nvSpPr>
           <p:cNvPr id="4" name="Google Shape;4;n"/>
-          <p:cNvSpPr txBox="1"/>
+          <p:cNvSpPr txBox="1">
+            <a:spLocks noGrp="1"/>
+          </p:cNvSpPr>
           <p:nvPr>
-            <p:ph idx="1" type="body"/>
+            <p:ph type="body" idx="1"/>
           </p:nvPr>
         </p:nvSpPr>
         <p:spPr>
@@ -355,11 +368,11 @@
           </a:ln>
         </p:spPr>
         <p:txBody>
-          <a:bodyPr anchorCtr="0" anchor="t" bIns="91425" lIns="91425" spcFirstLastPara="1" rIns="91425" wrap="square" tIns="91425">
+          <a:bodyPr spcFirstLastPara="1" wrap="square" lIns="91425" tIns="91425" rIns="91425" bIns="91425" anchor="t" anchorCtr="0">
             <a:noAutofit/>
           </a:bodyPr>
           <a:lstStyle>
-            <a:lvl1pPr indent="-298450" lvl="0" marL="457200">
+            <a:lvl1pPr marL="457200" lvl="0" indent="-298450">
               <a:spcBef>
                 <a:spcPts val="0"/>
               </a:spcBef>
@@ -370,7 +383,7 @@
               <a:buChar char="●"/>
               <a:defRPr sz="1100"/>
             </a:lvl1pPr>
-            <a:lvl2pPr indent="-298450" lvl="1" marL="914400">
+            <a:lvl2pPr marL="914400" lvl="1" indent="-298450">
               <a:spcBef>
                 <a:spcPts val="0"/>
               </a:spcBef>
@@ -381,7 +394,7 @@
               <a:buChar char="○"/>
               <a:defRPr sz="1100"/>
             </a:lvl2pPr>
-            <a:lvl3pPr indent="-298450" lvl="2" marL="1371600">
+            <a:lvl3pPr marL="1371600" lvl="2" indent="-298450">
               <a:spcBef>
                 <a:spcPts val="0"/>
               </a:spcBef>
@@ -392,7 +405,7 @@
               <a:buChar char="■"/>
               <a:defRPr sz="1100"/>
             </a:lvl3pPr>
-            <a:lvl4pPr indent="-298450" lvl="3" marL="1828800">
+            <a:lvl4pPr marL="1828800" lvl="3" indent="-298450">
               <a:spcBef>
                 <a:spcPts val="0"/>
               </a:spcBef>
@@ -403,7 +416,7 @@
               <a:buChar char="●"/>
               <a:defRPr sz="1100"/>
             </a:lvl4pPr>
-            <a:lvl5pPr indent="-298450" lvl="4" marL="2286000">
+            <a:lvl5pPr marL="2286000" lvl="4" indent="-298450">
               <a:spcBef>
                 <a:spcPts val="0"/>
               </a:spcBef>
@@ -414,7 +427,7 @@
               <a:buChar char="○"/>
               <a:defRPr sz="1100"/>
             </a:lvl5pPr>
-            <a:lvl6pPr indent="-298450" lvl="5" marL="2743200">
+            <a:lvl6pPr marL="2743200" lvl="5" indent="-298450">
               <a:spcBef>
                 <a:spcPts val="0"/>
               </a:spcBef>
@@ -425,7 +438,7 @@
               <a:buChar char="■"/>
               <a:defRPr sz="1100"/>
             </a:lvl6pPr>
-            <a:lvl7pPr indent="-298450" lvl="6" marL="3200400">
+            <a:lvl7pPr marL="3200400" lvl="6" indent="-298450">
               <a:spcBef>
                 <a:spcPts val="0"/>
               </a:spcBef>
@@ -436,7 +449,7 @@
               <a:buChar char="●"/>
               <a:defRPr sz="1100"/>
             </a:lvl7pPr>
-            <a:lvl8pPr indent="-298450" lvl="7" marL="3657600">
+            <a:lvl8pPr marL="3657600" lvl="7" indent="-298450">
               <a:spcBef>
                 <a:spcPts val="0"/>
               </a:spcBef>
@@ -447,7 +460,7 @@
               <a:buChar char="○"/>
               <a:defRPr sz="1100"/>
             </a:lvl8pPr>
-            <a:lvl9pPr indent="-298450" lvl="8" marL="4114800">
+            <a:lvl9pPr marL="4114800" lvl="8" indent="-298450">
               <a:spcBef>
                 <a:spcPts val="0"/>
               </a:spcBef>
@@ -459,14 +472,16 @@
               <a:defRPr sz="1100"/>
             </a:lvl9pPr>
           </a:lstStyle>
-          <a:p/>
+          <a:p>
+            <a:endParaRPr/>
+          </a:p>
         </p:txBody>
       </p:sp>
     </p:spTree>
   </p:cSld>
-  <p:clrMap accent1="accent1" accent2="accent2" accent3="accent3" accent4="accent4" accent5="accent5" accent6="accent6" bg1="lt1" bg2="dk2" tx1="dk1" tx2="lt2" folHlink="folHlink" hlink="hlink"/>
+  <p:clrMap bg1="lt1" tx1="dk1" bg2="dk2" tx2="lt2" accent1="accent1" accent2="accent2" accent3="accent3" accent4="accent4" accent5="accent5" accent6="accent6" hlink="hlink" folHlink="folHlink"/>
   <p:notesStyle>
-    <a:defPPr lvl="0" marR="0" rtl="0" algn="l">
+    <a:defPPr marR="0" lvl="0" algn="l" rtl="0">
       <a:lnSpc>
         <a:spcPct val="100000"/>
       </a:lnSpc>
@@ -477,7 +492,7 @@
         <a:spcPts val="0"/>
       </a:spcAft>
     </a:defPPr>
-    <a:lvl1pPr lvl="0" marR="0" rtl="0" algn="l">
+    <a:lvl1pPr marR="0" lvl="0" algn="l" rtl="0">
       <a:lnSpc>
         <a:spcPct val="100000"/>
       </a:lnSpc>
@@ -491,7 +506,7 @@
         <a:srgbClr val="000000"/>
       </a:buClr>
       <a:buFont typeface="Arial"/>
-      <a:defRPr b="0" i="0" sz="1400" u="none" cap="none" strike="noStrike">
+      <a:defRPr sz="1400" b="0" i="0" u="none" strike="noStrike" cap="none">
         <a:solidFill>
           <a:srgbClr val="000000"/>
         </a:solidFill>
@@ -501,7 +516,7 @@
         <a:sym typeface="Arial"/>
       </a:defRPr>
     </a:lvl1pPr>
-    <a:lvl2pPr lvl="1" marR="0" rtl="0" algn="l">
+    <a:lvl2pPr marR="0" lvl="1" algn="l" rtl="0">
       <a:lnSpc>
         <a:spcPct val="100000"/>
       </a:lnSpc>
@@ -515,7 +530,7 @@
         <a:srgbClr val="000000"/>
       </a:buClr>
       <a:buFont typeface="Arial"/>
-      <a:defRPr b="0" i="0" sz="1400" u="none" cap="none" strike="noStrike">
+      <a:defRPr sz="1400" b="0" i="0" u="none" strike="noStrike" cap="none">
         <a:solidFill>
           <a:srgbClr val="000000"/>
         </a:solidFill>
@@ -525,7 +540,7 @@
         <a:sym typeface="Arial"/>
       </a:defRPr>
     </a:lvl2pPr>
-    <a:lvl3pPr lvl="2" marR="0" rtl="0" algn="l">
+    <a:lvl3pPr marR="0" lvl="2" algn="l" rtl="0">
       <a:lnSpc>
         <a:spcPct val="100000"/>
       </a:lnSpc>
@@ -539,7 +554,7 @@
         <a:srgbClr val="000000"/>
       </a:buClr>
       <a:buFont typeface="Arial"/>
-      <a:defRPr b="0" i="0" sz="1400" u="none" cap="none" strike="noStrike">
+      <a:defRPr sz="1400" b="0" i="0" u="none" strike="noStrike" cap="none">
         <a:solidFill>
           <a:srgbClr val="000000"/>
         </a:solidFill>
@@ -549,7 +564,7 @@
         <a:sym typeface="Arial"/>
       </a:defRPr>
     </a:lvl3pPr>
-    <a:lvl4pPr lvl="3" marR="0" rtl="0" algn="l">
+    <a:lvl4pPr marR="0" lvl="3" algn="l" rtl="0">
       <a:lnSpc>
         <a:spcPct val="100000"/>
       </a:lnSpc>
@@ -563,7 +578,7 @@
         <a:srgbClr val="000000"/>
       </a:buClr>
       <a:buFont typeface="Arial"/>
-      <a:defRPr b="0" i="0" sz="1400" u="none" cap="none" strike="noStrike">
+      <a:defRPr sz="1400" b="0" i="0" u="none" strike="noStrike" cap="none">
         <a:solidFill>
           <a:srgbClr val="000000"/>
         </a:solidFill>
@@ -573,7 +588,7 @@
         <a:sym typeface="Arial"/>
       </a:defRPr>
     </a:lvl4pPr>
-    <a:lvl5pPr lvl="4" marR="0" rtl="0" algn="l">
+    <a:lvl5pPr marR="0" lvl="4" algn="l" rtl="0">
       <a:lnSpc>
         <a:spcPct val="100000"/>
       </a:lnSpc>
@@ -587,7 +602,7 @@
         <a:srgbClr val="000000"/>
       </a:buClr>
       <a:buFont typeface="Arial"/>
-      <a:defRPr b="0" i="0" sz="1400" u="none" cap="none" strike="noStrike">
+      <a:defRPr sz="1400" b="0" i="0" u="none" strike="noStrike" cap="none">
         <a:solidFill>
           <a:srgbClr val="000000"/>
         </a:solidFill>
@@ -597,7 +612,7 @@
         <a:sym typeface="Arial"/>
       </a:defRPr>
     </a:lvl5pPr>
-    <a:lvl6pPr lvl="5" marR="0" rtl="0" algn="l">
+    <a:lvl6pPr marR="0" lvl="5" algn="l" rtl="0">
       <a:lnSpc>
         <a:spcPct val="100000"/>
       </a:lnSpc>
@@ -611,7 +626,7 @@
         <a:srgbClr val="000000"/>
       </a:buClr>
       <a:buFont typeface="Arial"/>
-      <a:defRPr b="0" i="0" sz="1400" u="none" cap="none" strike="noStrike">
+      <a:defRPr sz="1400" b="0" i="0" u="none" strike="noStrike" cap="none">
         <a:solidFill>
           <a:srgbClr val="000000"/>
         </a:solidFill>
@@ -621,7 +636,7 @@
         <a:sym typeface="Arial"/>
       </a:defRPr>
     </a:lvl6pPr>
-    <a:lvl7pPr lvl="6" marR="0" rtl="0" algn="l">
+    <a:lvl7pPr marR="0" lvl="6" algn="l" rtl="0">
       <a:lnSpc>
         <a:spcPct val="100000"/>
       </a:lnSpc>
@@ -635,7 +650,7 @@
         <a:srgbClr val="000000"/>
       </a:buClr>
       <a:buFont typeface="Arial"/>
-      <a:defRPr b="0" i="0" sz="1400" u="none" cap="none" strike="noStrike">
+      <a:defRPr sz="1400" b="0" i="0" u="none" strike="noStrike" cap="none">
         <a:solidFill>
           <a:srgbClr val="000000"/>
         </a:solidFill>
@@ -645,7 +660,7 @@
         <a:sym typeface="Arial"/>
       </a:defRPr>
     </a:lvl7pPr>
-    <a:lvl8pPr lvl="7" marR="0" rtl="0" algn="l">
+    <a:lvl8pPr marR="0" lvl="7" algn="l" rtl="0">
       <a:lnSpc>
         <a:spcPct val="100000"/>
       </a:lnSpc>
@@ -659,7 +674,7 @@
         <a:srgbClr val="000000"/>
       </a:buClr>
       <a:buFont typeface="Arial"/>
-      <a:defRPr b="0" i="0" sz="1400" u="none" cap="none" strike="noStrike">
+      <a:defRPr sz="1400" b="0" i="0" u="none" strike="noStrike" cap="none">
         <a:solidFill>
           <a:srgbClr val="000000"/>
         </a:solidFill>
@@ -669,7 +684,7 @@
         <a:sym typeface="Arial"/>
       </a:defRPr>
     </a:lvl8pPr>
-    <a:lvl9pPr lvl="8" marR="0" rtl="0" algn="l">
+    <a:lvl9pPr marR="0" lvl="8" algn="l" rtl="0">
       <a:lnSpc>
         <a:spcPct val="100000"/>
       </a:lnSpc>
@@ -683,7 +698,7 @@
         <a:srgbClr val="000000"/>
       </a:buClr>
       <a:buFont typeface="Arial"/>
-      <a:defRPr b="0" i="0" sz="1400" u="none" cap="none" strike="noStrike">
+      <a:defRPr sz="1400" b="0" i="0" u="none" strike="noStrike" cap="none">
         <a:solidFill>
           <a:srgbClr val="000000"/>
         </a:solidFill>
@@ -698,11 +713,11 @@
 </file>
 
 <file path=ppt/notesSlides/notesSlide1.xml><?xml version="1.0" encoding="utf-8"?>
-<p:notes xmlns:a="http://schemas.openxmlformats.org/drawingml/2006/main" xmlns:r="http://schemas.openxmlformats.org/officeDocument/2006/relationships" xmlns:mc="http://schemas.openxmlformats.org/markup-compatibility/2006" xmlns:mv="urn:schemas-microsoft-com:mac:vml" xmlns:p="http://schemas.openxmlformats.org/presentationml/2006/main" xmlns:c="http://schemas.openxmlformats.org/drawingml/2006/chart" xmlns:dgm="http://schemas.openxmlformats.org/drawingml/2006/diagram" xmlns:o="urn:schemas-microsoft-com:office:office" xmlns:v="urn:schemas-microsoft-com:vml" xmlns:pvml="urn:schemas-microsoft-com:office:powerpoint" xmlns:com="http://schemas.openxmlformats.org/drawingml/2006/compatibility" xmlns:p14="http://schemas.microsoft.com/office/powerpoint/2010/main" xmlns:p15="http://schemas.microsoft.com/office/powerpoint/2012/main" showMasterPhAnim="0" showMasterSp="0">
+<p:notes xmlns:a="http://schemas.openxmlformats.org/drawingml/2006/main" xmlns:r="http://schemas.openxmlformats.org/officeDocument/2006/relationships" xmlns:p="http://schemas.openxmlformats.org/presentationml/2006/main" showMasterSp="0" showMasterPhAnim="0">
   <p:cSld>
     <p:spTree>
       <p:nvGrpSpPr>
-        <p:cNvPr id="50" name="Shape 50"/>
+        <p:cNvPr id="1" name="Shape 50"/>
         <p:cNvGrpSpPr/>
         <p:nvPr/>
       </p:nvGrpSpPr>
@@ -717,20 +732,26 @@
       <p:sp>
         <p:nvSpPr>
           <p:cNvPr id="51" name="Google Shape;51;p:notes"/>
-          <p:cNvSpPr/>
+          <p:cNvSpPr>
+            <a:spLocks noGrp="1" noRot="1" noChangeAspect="1"/>
+          </p:cNvSpPr>
           <p:nvPr>
-            <p:ph idx="2" type="sldImg"/>
+            <p:ph type="sldImg" idx="2"/>
           </p:nvPr>
         </p:nvSpPr>
         <p:spPr>
           <a:xfrm>
-            <a:off x="381300" y="685800"/>
-            <a:ext cx="6096075" cy="3429000"/>
+            <a:off x="381000" y="685800"/>
+            <a:ext cx="6096000" cy="3429000"/>
           </a:xfrm>
           <a:custGeom>
-            <a:rect b="b" l="l" r="r" t="t"/>
+            <a:avLst/>
+            <a:gdLst/>
+            <a:ahLst/>
+            <a:cxnLst/>
+            <a:rect l="l" t="t" r="r" b="b"/>
             <a:pathLst>
-              <a:path extrusionOk="0" h="120000" w="120000">
+              <a:path w="120000" h="120000" extrusionOk="0">
                 <a:moveTo>
                   <a:pt x="0" y="0"/>
                 </a:moveTo>
@@ -752,9 +773,11 @@
       <p:sp>
         <p:nvSpPr>
           <p:cNvPr id="52" name="Google Shape;52;p:notes"/>
-          <p:cNvSpPr txBox="1"/>
+          <p:cNvSpPr txBox="1">
+            <a:spLocks noGrp="1"/>
+          </p:cNvSpPr>
           <p:nvPr>
-            <p:ph idx="1" type="body"/>
+            <p:ph type="body" idx="1"/>
           </p:nvPr>
         </p:nvSpPr>
         <p:spPr>
@@ -767,12 +790,12 @@
           </a:prstGeom>
         </p:spPr>
         <p:txBody>
-          <a:bodyPr anchorCtr="0" anchor="t" bIns="91425" lIns="91425" spcFirstLastPara="1" rIns="91425" wrap="square" tIns="91425">
+          <a:bodyPr spcFirstLastPara="1" wrap="square" lIns="91425" tIns="91425" rIns="91425" bIns="91425" anchor="t" anchorCtr="0">
             <a:noAutofit/>
           </a:bodyPr>
           <a:lstStyle/>
           <a:p>
-            <a:pPr indent="0" lvl="0" marL="0" rtl="0" algn="l">
+            <a:pPr marL="0" lvl="0" indent="0" algn="l" rtl="0">
               <a:spcBef>
                 <a:spcPts val="0"/>
               </a:spcBef>
@@ -781,9 +804,6 @@
               </a:spcAft>
               <a:buNone/>
             </a:pPr>
-            <a:r>
-              <a:t/>
-            </a:r>
             <a:endParaRPr/>
           </a:p>
         </p:txBody>
@@ -797,11 +817,11 @@
 </file>
 
 <file path=ppt/notesSlides/notesSlide10.xml><?xml version="1.0" encoding="utf-8"?>
-<p:notes xmlns:a="http://schemas.openxmlformats.org/drawingml/2006/main" xmlns:r="http://schemas.openxmlformats.org/officeDocument/2006/relationships" xmlns:mc="http://schemas.openxmlformats.org/markup-compatibility/2006" xmlns:mv="urn:schemas-microsoft-com:mac:vml" xmlns:p="http://schemas.openxmlformats.org/presentationml/2006/main" xmlns:c="http://schemas.openxmlformats.org/drawingml/2006/chart" xmlns:dgm="http://schemas.openxmlformats.org/drawingml/2006/diagram" xmlns:o="urn:schemas-microsoft-com:office:office" xmlns:v="urn:schemas-microsoft-com:vml" xmlns:pvml="urn:schemas-microsoft-com:office:powerpoint" xmlns:com="http://schemas.openxmlformats.org/drawingml/2006/compatibility" xmlns:p14="http://schemas.microsoft.com/office/powerpoint/2010/main" xmlns:p15="http://schemas.microsoft.com/office/powerpoint/2012/main" showMasterPhAnim="0" showMasterSp="0">
+<p:notes xmlns:a="http://schemas.openxmlformats.org/drawingml/2006/main" xmlns:r="http://schemas.openxmlformats.org/officeDocument/2006/relationships" xmlns:p="http://schemas.openxmlformats.org/presentationml/2006/main" showMasterSp="0" showMasterPhAnim="0">
   <p:cSld>
     <p:spTree>
       <p:nvGrpSpPr>
-        <p:cNvPr id="121" name="Shape 121"/>
+        <p:cNvPr id="1" name="Shape 121"/>
         <p:cNvGrpSpPr/>
         <p:nvPr/>
       </p:nvGrpSpPr>
@@ -816,9 +836,11 @@
       <p:sp>
         <p:nvSpPr>
           <p:cNvPr id="122" name="Google Shape;122;g819056757f_0_41:notes"/>
-          <p:cNvSpPr/>
+          <p:cNvSpPr>
+            <a:spLocks noGrp="1" noRot="1" noChangeAspect="1"/>
+          </p:cNvSpPr>
           <p:nvPr>
-            <p:ph idx="2" type="sldImg"/>
+            <p:ph type="sldImg" idx="2"/>
           </p:nvPr>
         </p:nvSpPr>
         <p:spPr>
@@ -827,9 +849,13 @@
             <a:ext cx="6096000" cy="3429000"/>
           </a:xfrm>
           <a:custGeom>
-            <a:rect b="b" l="l" r="r" t="t"/>
+            <a:avLst/>
+            <a:gdLst/>
+            <a:ahLst/>
+            <a:cxnLst/>
+            <a:rect l="l" t="t" r="r" b="b"/>
             <a:pathLst>
-              <a:path extrusionOk="0" h="120000" w="120000">
+              <a:path w="120000" h="120000" extrusionOk="0">
                 <a:moveTo>
                   <a:pt x="0" y="0"/>
                 </a:moveTo>
@@ -851,9 +877,11 @@
       <p:sp>
         <p:nvSpPr>
           <p:cNvPr id="123" name="Google Shape;123;g819056757f_0_41:notes"/>
-          <p:cNvSpPr txBox="1"/>
+          <p:cNvSpPr txBox="1">
+            <a:spLocks noGrp="1"/>
+          </p:cNvSpPr>
           <p:nvPr>
-            <p:ph idx="1" type="body"/>
+            <p:ph type="body" idx="1"/>
           </p:nvPr>
         </p:nvSpPr>
         <p:spPr>
@@ -866,12 +894,12 @@
           </a:prstGeom>
         </p:spPr>
         <p:txBody>
-          <a:bodyPr anchorCtr="0" anchor="t" bIns="91425" lIns="91425" spcFirstLastPara="1" rIns="91425" wrap="square" tIns="91425">
+          <a:bodyPr spcFirstLastPara="1" wrap="square" lIns="91425" tIns="91425" rIns="91425" bIns="91425" anchor="t" anchorCtr="0">
             <a:noAutofit/>
           </a:bodyPr>
           <a:lstStyle/>
           <a:p>
-            <a:pPr indent="0" lvl="0" marL="0" rtl="0" algn="l">
+            <a:pPr marL="0" lvl="0" indent="0" algn="l" rtl="0">
               <a:spcBef>
                 <a:spcPts val="0"/>
               </a:spcBef>
@@ -880,9 +908,6 @@
               </a:spcAft>
               <a:buNone/>
             </a:pPr>
-            <a:r>
-              <a:t/>
-            </a:r>
             <a:endParaRPr/>
           </a:p>
         </p:txBody>
@@ -896,11 +921,11 @@
 </file>
 
 <file path=ppt/notesSlides/notesSlide11.xml><?xml version="1.0" encoding="utf-8"?>
-<p:notes xmlns:a="http://schemas.openxmlformats.org/drawingml/2006/main" xmlns:r="http://schemas.openxmlformats.org/officeDocument/2006/relationships" xmlns:mc="http://schemas.openxmlformats.org/markup-compatibility/2006" xmlns:mv="urn:schemas-microsoft-com:mac:vml" xmlns:p="http://schemas.openxmlformats.org/presentationml/2006/main" xmlns:c="http://schemas.openxmlformats.org/drawingml/2006/chart" xmlns:dgm="http://schemas.openxmlformats.org/drawingml/2006/diagram" xmlns:o="urn:schemas-microsoft-com:office:office" xmlns:v="urn:schemas-microsoft-com:vml" xmlns:pvml="urn:schemas-microsoft-com:office:powerpoint" xmlns:com="http://schemas.openxmlformats.org/drawingml/2006/compatibility" xmlns:p14="http://schemas.microsoft.com/office/powerpoint/2010/main" xmlns:p15="http://schemas.microsoft.com/office/powerpoint/2012/main" showMasterPhAnim="0" showMasterSp="0">
+<p:notes xmlns:a="http://schemas.openxmlformats.org/drawingml/2006/main" xmlns:r="http://schemas.openxmlformats.org/officeDocument/2006/relationships" xmlns:p="http://schemas.openxmlformats.org/presentationml/2006/main" showMasterSp="0" showMasterPhAnim="0">
   <p:cSld>
     <p:spTree>
       <p:nvGrpSpPr>
-        <p:cNvPr id="127" name="Shape 127"/>
+        <p:cNvPr id="1" name="Shape 127"/>
         <p:cNvGrpSpPr/>
         <p:nvPr/>
       </p:nvGrpSpPr>
@@ -915,9 +940,11 @@
       <p:sp>
         <p:nvSpPr>
           <p:cNvPr id="128" name="Google Shape;128;g819056757f_0_51:notes"/>
-          <p:cNvSpPr/>
+          <p:cNvSpPr>
+            <a:spLocks noGrp="1" noRot="1" noChangeAspect="1"/>
+          </p:cNvSpPr>
           <p:nvPr>
-            <p:ph idx="2" type="sldImg"/>
+            <p:ph type="sldImg" idx="2"/>
           </p:nvPr>
         </p:nvSpPr>
         <p:spPr>
@@ -926,9 +953,13 @@
             <a:ext cx="6096000" cy="3429000"/>
           </a:xfrm>
           <a:custGeom>
-            <a:rect b="b" l="l" r="r" t="t"/>
+            <a:avLst/>
+            <a:gdLst/>
+            <a:ahLst/>
+            <a:cxnLst/>
+            <a:rect l="l" t="t" r="r" b="b"/>
             <a:pathLst>
-              <a:path extrusionOk="0" h="120000" w="120000">
+              <a:path w="120000" h="120000" extrusionOk="0">
                 <a:moveTo>
                   <a:pt x="0" y="0"/>
                 </a:moveTo>
@@ -950,9 +981,11 @@
       <p:sp>
         <p:nvSpPr>
           <p:cNvPr id="129" name="Google Shape;129;g819056757f_0_51:notes"/>
-          <p:cNvSpPr txBox="1"/>
+          <p:cNvSpPr txBox="1">
+            <a:spLocks noGrp="1"/>
+          </p:cNvSpPr>
           <p:nvPr>
-            <p:ph idx="1" type="body"/>
+            <p:ph type="body" idx="1"/>
           </p:nvPr>
         </p:nvSpPr>
         <p:spPr>
@@ -965,12 +998,12 @@
           </a:prstGeom>
         </p:spPr>
         <p:txBody>
-          <a:bodyPr anchorCtr="0" anchor="t" bIns="91425" lIns="91425" spcFirstLastPara="1" rIns="91425" wrap="square" tIns="91425">
+          <a:bodyPr spcFirstLastPara="1" wrap="square" lIns="91425" tIns="91425" rIns="91425" bIns="91425" anchor="t" anchorCtr="0">
             <a:noAutofit/>
           </a:bodyPr>
           <a:lstStyle/>
           <a:p>
-            <a:pPr indent="0" lvl="0" marL="0" rtl="0" algn="l">
+            <a:pPr marL="0" lvl="0" indent="0" algn="l" rtl="0">
               <a:spcBef>
                 <a:spcPts val="0"/>
               </a:spcBef>
@@ -979,9 +1012,6 @@
               </a:spcAft>
               <a:buNone/>
             </a:pPr>
-            <a:r>
-              <a:t/>
-            </a:r>
             <a:endParaRPr/>
           </a:p>
         </p:txBody>
@@ -995,11 +1025,11 @@
 </file>
 
 <file path=ppt/notesSlides/notesSlide12.xml><?xml version="1.0" encoding="utf-8"?>
-<p:notes xmlns:a="http://schemas.openxmlformats.org/drawingml/2006/main" xmlns:r="http://schemas.openxmlformats.org/officeDocument/2006/relationships" xmlns:mc="http://schemas.openxmlformats.org/markup-compatibility/2006" xmlns:mv="urn:schemas-microsoft-com:mac:vml" xmlns:p="http://schemas.openxmlformats.org/presentationml/2006/main" xmlns:c="http://schemas.openxmlformats.org/drawingml/2006/chart" xmlns:dgm="http://schemas.openxmlformats.org/drawingml/2006/diagram" xmlns:o="urn:schemas-microsoft-com:office:office" xmlns:v="urn:schemas-microsoft-com:vml" xmlns:pvml="urn:schemas-microsoft-com:office:powerpoint" xmlns:com="http://schemas.openxmlformats.org/drawingml/2006/compatibility" xmlns:p14="http://schemas.microsoft.com/office/powerpoint/2010/main" xmlns:p15="http://schemas.microsoft.com/office/powerpoint/2012/main" showMasterPhAnim="0" showMasterSp="0">
+<p:notes xmlns:a="http://schemas.openxmlformats.org/drawingml/2006/main" xmlns:r="http://schemas.openxmlformats.org/officeDocument/2006/relationships" xmlns:p="http://schemas.openxmlformats.org/presentationml/2006/main" showMasterSp="0" showMasterPhAnim="0">
   <p:cSld>
     <p:spTree>
       <p:nvGrpSpPr>
-        <p:cNvPr id="133" name="Shape 133"/>
+        <p:cNvPr id="1" name="Shape 133"/>
         <p:cNvGrpSpPr/>
         <p:nvPr/>
       </p:nvGrpSpPr>
@@ -1014,9 +1044,11 @@
       <p:sp>
         <p:nvSpPr>
           <p:cNvPr id="134" name="Google Shape;134;g71a246c1d7_0_1:notes"/>
-          <p:cNvSpPr/>
+          <p:cNvSpPr>
+            <a:spLocks noGrp="1" noRot="1" noChangeAspect="1"/>
+          </p:cNvSpPr>
           <p:nvPr>
-            <p:ph idx="2" type="sldImg"/>
+            <p:ph type="sldImg" idx="2"/>
           </p:nvPr>
         </p:nvSpPr>
         <p:spPr>
@@ -1025,9 +1057,13 @@
             <a:ext cx="6096000" cy="3429000"/>
           </a:xfrm>
           <a:custGeom>
-            <a:rect b="b" l="l" r="r" t="t"/>
+            <a:avLst/>
+            <a:gdLst/>
+            <a:ahLst/>
+            <a:cxnLst/>
+            <a:rect l="l" t="t" r="r" b="b"/>
             <a:pathLst>
-              <a:path extrusionOk="0" h="120000" w="120000">
+              <a:path w="120000" h="120000" extrusionOk="0">
                 <a:moveTo>
                   <a:pt x="0" y="0"/>
                 </a:moveTo>
@@ -1049,9 +1085,11 @@
       <p:sp>
         <p:nvSpPr>
           <p:cNvPr id="135" name="Google Shape;135;g71a246c1d7_0_1:notes"/>
-          <p:cNvSpPr txBox="1"/>
+          <p:cNvSpPr txBox="1">
+            <a:spLocks noGrp="1"/>
+          </p:cNvSpPr>
           <p:nvPr>
-            <p:ph idx="1" type="body"/>
+            <p:ph type="body" idx="1"/>
           </p:nvPr>
         </p:nvSpPr>
         <p:spPr>
@@ -1064,12 +1102,12 @@
           </a:prstGeom>
         </p:spPr>
         <p:txBody>
-          <a:bodyPr anchorCtr="0" anchor="t" bIns="91425" lIns="91425" spcFirstLastPara="1" rIns="91425" wrap="square" tIns="91425">
+          <a:bodyPr spcFirstLastPara="1" wrap="square" lIns="91425" tIns="91425" rIns="91425" bIns="91425" anchor="t" anchorCtr="0">
             <a:noAutofit/>
           </a:bodyPr>
           <a:lstStyle/>
           <a:p>
-            <a:pPr indent="0" lvl="0" marL="0" rtl="0" algn="l">
+            <a:pPr marL="0" lvl="0" indent="0" algn="l" rtl="0">
               <a:spcBef>
                 <a:spcPts val="0"/>
               </a:spcBef>
@@ -1078,9 +1116,6 @@
               </a:spcAft>
               <a:buNone/>
             </a:pPr>
-            <a:r>
-              <a:t/>
-            </a:r>
             <a:endParaRPr/>
           </a:p>
         </p:txBody>
@@ -1094,11 +1129,11 @@
 </file>
 
 <file path=ppt/notesSlides/notesSlide2.xml><?xml version="1.0" encoding="utf-8"?>
-<p:notes xmlns:a="http://schemas.openxmlformats.org/drawingml/2006/main" xmlns:r="http://schemas.openxmlformats.org/officeDocument/2006/relationships" xmlns:mc="http://schemas.openxmlformats.org/markup-compatibility/2006" xmlns:mv="urn:schemas-microsoft-com:mac:vml" xmlns:p="http://schemas.openxmlformats.org/presentationml/2006/main" xmlns:c="http://schemas.openxmlformats.org/drawingml/2006/chart" xmlns:dgm="http://schemas.openxmlformats.org/drawingml/2006/diagram" xmlns:o="urn:schemas-microsoft-com:office:office" xmlns:v="urn:schemas-microsoft-com:vml" xmlns:pvml="urn:schemas-microsoft-com:office:powerpoint" xmlns:com="http://schemas.openxmlformats.org/drawingml/2006/compatibility" xmlns:p14="http://schemas.microsoft.com/office/powerpoint/2010/main" xmlns:p15="http://schemas.microsoft.com/office/powerpoint/2012/main" showMasterPhAnim="0" showMasterSp="0">
+<p:notes xmlns:a="http://schemas.openxmlformats.org/drawingml/2006/main" xmlns:r="http://schemas.openxmlformats.org/officeDocument/2006/relationships" xmlns:p="http://schemas.openxmlformats.org/presentationml/2006/main" showMasterSp="0" showMasterPhAnim="0">
   <p:cSld>
     <p:spTree>
       <p:nvGrpSpPr>
-        <p:cNvPr id="56" name="Shape 56"/>
+        <p:cNvPr id="1" name="Shape 56"/>
         <p:cNvGrpSpPr/>
         <p:nvPr/>
       </p:nvGrpSpPr>
@@ -1113,9 +1148,11 @@
       <p:sp>
         <p:nvSpPr>
           <p:cNvPr id="57" name="Google Shape;57;g7d7af24be6_0_0:notes"/>
-          <p:cNvSpPr/>
+          <p:cNvSpPr>
+            <a:spLocks noGrp="1" noRot="1" noChangeAspect="1"/>
+          </p:cNvSpPr>
           <p:nvPr>
-            <p:ph idx="2" type="sldImg"/>
+            <p:ph type="sldImg" idx="2"/>
           </p:nvPr>
         </p:nvSpPr>
         <p:spPr>
@@ -1124,9 +1161,13 @@
             <a:ext cx="6096000" cy="3429000"/>
           </a:xfrm>
           <a:custGeom>
-            <a:rect b="b" l="l" r="r" t="t"/>
+            <a:avLst/>
+            <a:gdLst/>
+            <a:ahLst/>
+            <a:cxnLst/>
+            <a:rect l="l" t="t" r="r" b="b"/>
             <a:pathLst>
-              <a:path extrusionOk="0" h="120000" w="120000">
+              <a:path w="120000" h="120000" extrusionOk="0">
                 <a:moveTo>
                   <a:pt x="0" y="0"/>
                 </a:moveTo>
@@ -1148,9 +1189,11 @@
       <p:sp>
         <p:nvSpPr>
           <p:cNvPr id="58" name="Google Shape;58;g7d7af24be6_0_0:notes"/>
-          <p:cNvSpPr txBox="1"/>
+          <p:cNvSpPr txBox="1">
+            <a:spLocks noGrp="1"/>
+          </p:cNvSpPr>
           <p:nvPr>
-            <p:ph idx="1" type="body"/>
+            <p:ph type="body" idx="1"/>
           </p:nvPr>
         </p:nvSpPr>
         <p:spPr>
@@ -1163,12 +1206,12 @@
           </a:prstGeom>
         </p:spPr>
         <p:txBody>
-          <a:bodyPr anchorCtr="0" anchor="t" bIns="91425" lIns="91425" spcFirstLastPara="1" rIns="91425" wrap="square" tIns="91425">
+          <a:bodyPr spcFirstLastPara="1" wrap="square" lIns="91425" tIns="91425" rIns="91425" bIns="91425" anchor="t" anchorCtr="0">
             <a:noAutofit/>
           </a:bodyPr>
           <a:lstStyle/>
           <a:p>
-            <a:pPr indent="0" lvl="0" marL="0" rtl="0" algn="l">
+            <a:pPr marL="0" lvl="0" indent="0" algn="l" rtl="0">
               <a:spcBef>
                 <a:spcPts val="0"/>
               </a:spcBef>
@@ -1179,20 +1222,12 @@
             </a:pPr>
             <a:r>
               <a:rPr lang="en"/>
-              <a:t>In </a:t>
-            </a:r>
-            <a:r>
-              <a:rPr lang="en"/>
-              <a:t>benign</a:t>
-            </a:r>
-            <a:r>
-              <a:rPr lang="en"/>
-              <a:t> cases, websites can save your preferences and show better recommendation when you visit next time</a:t>
+              <a:t>In benign cases, websites can save your preferences and show better recommendation when you visit next time</a:t>
             </a:r>
             <a:endParaRPr/>
           </a:p>
           <a:p>
-            <a:pPr indent="0" lvl="0" marL="0" rtl="0" algn="l">
+            <a:pPr marL="0" lvl="0" indent="0" algn="l" rtl="0">
               <a:spcBef>
                 <a:spcPts val="0"/>
               </a:spcBef>
@@ -1208,7 +1243,7 @@
             <a:endParaRPr/>
           </a:p>
           <a:p>
-            <a:pPr indent="0" lvl="0" marL="0" rtl="0" algn="l">
+            <a:pPr marL="0" lvl="0" indent="0" algn="l" rtl="0">
               <a:spcBef>
                 <a:spcPts val="0"/>
               </a:spcBef>
@@ -1217,13 +1252,10 @@
               </a:spcAft>
               <a:buNone/>
             </a:pPr>
-            <a:r>
-              <a:t/>
-            </a:r>
             <a:endParaRPr/>
           </a:p>
           <a:p>
-            <a:pPr indent="0" lvl="0" marL="0" rtl="0" algn="l">
+            <a:pPr marL="0" lvl="0" indent="0" algn="l" rtl="0">
               <a:spcBef>
                 <a:spcPts val="0"/>
               </a:spcBef>
@@ -1249,11 +1281,11 @@
 </file>
 
 <file path=ppt/notesSlides/notesSlide3.xml><?xml version="1.0" encoding="utf-8"?>
-<p:notes xmlns:a="http://schemas.openxmlformats.org/drawingml/2006/main" xmlns:r="http://schemas.openxmlformats.org/officeDocument/2006/relationships" xmlns:mc="http://schemas.openxmlformats.org/markup-compatibility/2006" xmlns:mv="urn:schemas-microsoft-com:mac:vml" xmlns:p="http://schemas.openxmlformats.org/presentationml/2006/main" xmlns:c="http://schemas.openxmlformats.org/drawingml/2006/chart" xmlns:dgm="http://schemas.openxmlformats.org/drawingml/2006/diagram" xmlns:o="urn:schemas-microsoft-com:office:office" xmlns:v="urn:schemas-microsoft-com:vml" xmlns:pvml="urn:schemas-microsoft-com:office:powerpoint" xmlns:com="http://schemas.openxmlformats.org/drawingml/2006/compatibility" xmlns:p14="http://schemas.microsoft.com/office/powerpoint/2010/main" xmlns:p15="http://schemas.microsoft.com/office/powerpoint/2012/main" showMasterPhAnim="0" showMasterSp="0">
+<p:notes xmlns:a="http://schemas.openxmlformats.org/drawingml/2006/main" xmlns:r="http://schemas.openxmlformats.org/officeDocument/2006/relationships" xmlns:p="http://schemas.openxmlformats.org/presentationml/2006/main" showMasterSp="0" showMasterPhAnim="0">
   <p:cSld>
     <p:spTree>
       <p:nvGrpSpPr>
-        <p:cNvPr id="63" name="Shape 63"/>
+        <p:cNvPr id="1" name="Shape 63"/>
         <p:cNvGrpSpPr/>
         <p:nvPr/>
       </p:nvGrpSpPr>
@@ -1268,9 +1300,11 @@
       <p:sp>
         <p:nvSpPr>
           <p:cNvPr id="64" name="Google Shape;64;g7d7af24be6_0_15:notes"/>
-          <p:cNvSpPr/>
+          <p:cNvSpPr>
+            <a:spLocks noGrp="1" noRot="1" noChangeAspect="1"/>
+          </p:cNvSpPr>
           <p:nvPr>
-            <p:ph idx="2" type="sldImg"/>
+            <p:ph type="sldImg" idx="2"/>
           </p:nvPr>
         </p:nvSpPr>
         <p:spPr>
@@ -1279,9 +1313,13 @@
             <a:ext cx="6096000" cy="3429000"/>
           </a:xfrm>
           <a:custGeom>
-            <a:rect b="b" l="l" r="r" t="t"/>
+            <a:avLst/>
+            <a:gdLst/>
+            <a:ahLst/>
+            <a:cxnLst/>
+            <a:rect l="l" t="t" r="r" b="b"/>
             <a:pathLst>
-              <a:path extrusionOk="0" h="120000" w="120000">
+              <a:path w="120000" h="120000" extrusionOk="0">
                 <a:moveTo>
                   <a:pt x="0" y="0"/>
                 </a:moveTo>
@@ -1303,9 +1341,11 @@
       <p:sp>
         <p:nvSpPr>
           <p:cNvPr id="65" name="Google Shape;65;g7d7af24be6_0_15:notes"/>
-          <p:cNvSpPr txBox="1"/>
+          <p:cNvSpPr txBox="1">
+            <a:spLocks noGrp="1"/>
+          </p:cNvSpPr>
           <p:nvPr>
-            <p:ph idx="1" type="body"/>
+            <p:ph type="body" idx="1"/>
           </p:nvPr>
         </p:nvSpPr>
         <p:spPr>
@@ -1318,12 +1358,12 @@
           </a:prstGeom>
         </p:spPr>
         <p:txBody>
-          <a:bodyPr anchorCtr="0" anchor="t" bIns="91425" lIns="91425" spcFirstLastPara="1" rIns="91425" wrap="square" tIns="91425">
+          <a:bodyPr spcFirstLastPara="1" wrap="square" lIns="91425" tIns="91425" rIns="91425" bIns="91425" anchor="t" anchorCtr="0">
             <a:noAutofit/>
           </a:bodyPr>
           <a:lstStyle/>
           <a:p>
-            <a:pPr indent="0" lvl="0" marL="0" rtl="0" algn="l">
+            <a:pPr marL="0" lvl="0" indent="0" algn="l" rtl="0">
               <a:spcBef>
                 <a:spcPts val="0"/>
               </a:spcBef>
@@ -1332,9 +1372,6 @@
               </a:spcAft>
               <a:buNone/>
             </a:pPr>
-            <a:r>
-              <a:t/>
-            </a:r>
             <a:endParaRPr/>
           </a:p>
         </p:txBody>
@@ -1348,11 +1385,11 @@
 </file>
 
 <file path=ppt/notesSlides/notesSlide4.xml><?xml version="1.0" encoding="utf-8"?>
-<p:notes xmlns:a="http://schemas.openxmlformats.org/drawingml/2006/main" xmlns:r="http://schemas.openxmlformats.org/officeDocument/2006/relationships" xmlns:mc="http://schemas.openxmlformats.org/markup-compatibility/2006" xmlns:mv="urn:schemas-microsoft-com:mac:vml" xmlns:p="http://schemas.openxmlformats.org/presentationml/2006/main" xmlns:c="http://schemas.openxmlformats.org/drawingml/2006/chart" xmlns:dgm="http://schemas.openxmlformats.org/drawingml/2006/diagram" xmlns:o="urn:schemas-microsoft-com:office:office" xmlns:v="urn:schemas-microsoft-com:vml" xmlns:pvml="urn:schemas-microsoft-com:office:powerpoint" xmlns:com="http://schemas.openxmlformats.org/drawingml/2006/compatibility" xmlns:p14="http://schemas.microsoft.com/office/powerpoint/2010/main" xmlns:p15="http://schemas.microsoft.com/office/powerpoint/2012/main" showMasterPhAnim="0" showMasterSp="0">
+<p:notes xmlns:a="http://schemas.openxmlformats.org/drawingml/2006/main" xmlns:r="http://schemas.openxmlformats.org/officeDocument/2006/relationships" xmlns:p="http://schemas.openxmlformats.org/presentationml/2006/main" showMasterSp="0" showMasterPhAnim="0">
   <p:cSld>
     <p:spTree>
       <p:nvGrpSpPr>
-        <p:cNvPr id="73" name="Shape 73"/>
+        <p:cNvPr id="1" name="Shape 73"/>
         <p:cNvGrpSpPr/>
         <p:nvPr/>
       </p:nvGrpSpPr>
@@ -1367,9 +1404,11 @@
       <p:sp>
         <p:nvSpPr>
           <p:cNvPr id="74" name="Google Shape;74;g819056757f_0_0:notes"/>
-          <p:cNvSpPr/>
+          <p:cNvSpPr>
+            <a:spLocks noGrp="1" noRot="1" noChangeAspect="1"/>
+          </p:cNvSpPr>
           <p:nvPr>
-            <p:ph idx="2" type="sldImg"/>
+            <p:ph type="sldImg" idx="2"/>
           </p:nvPr>
         </p:nvSpPr>
         <p:spPr>
@@ -1378,9 +1417,13 @@
             <a:ext cx="6096000" cy="3429000"/>
           </a:xfrm>
           <a:custGeom>
-            <a:rect b="b" l="l" r="r" t="t"/>
+            <a:avLst/>
+            <a:gdLst/>
+            <a:ahLst/>
+            <a:cxnLst/>
+            <a:rect l="l" t="t" r="r" b="b"/>
             <a:pathLst>
-              <a:path extrusionOk="0" h="120000" w="120000">
+              <a:path w="120000" h="120000" extrusionOk="0">
                 <a:moveTo>
                   <a:pt x="0" y="0"/>
                 </a:moveTo>
@@ -1402,9 +1445,11 @@
       <p:sp>
         <p:nvSpPr>
           <p:cNvPr id="75" name="Google Shape;75;g819056757f_0_0:notes"/>
-          <p:cNvSpPr txBox="1"/>
+          <p:cNvSpPr txBox="1">
+            <a:spLocks noGrp="1"/>
+          </p:cNvSpPr>
           <p:nvPr>
-            <p:ph idx="1" type="body"/>
+            <p:ph type="body" idx="1"/>
           </p:nvPr>
         </p:nvSpPr>
         <p:spPr>
@@ -1417,12 +1462,12 @@
           </a:prstGeom>
         </p:spPr>
         <p:txBody>
-          <a:bodyPr anchorCtr="0" anchor="t" bIns="91425" lIns="91425" spcFirstLastPara="1" rIns="91425" wrap="square" tIns="91425">
+          <a:bodyPr spcFirstLastPara="1" wrap="square" lIns="91425" tIns="91425" rIns="91425" bIns="91425" anchor="t" anchorCtr="0">
             <a:noAutofit/>
           </a:bodyPr>
           <a:lstStyle/>
           <a:p>
-            <a:pPr indent="0" lvl="0" marL="0" rtl="0" algn="l">
+            <a:pPr marL="0" lvl="0" indent="0" algn="l" rtl="0">
               <a:spcBef>
                 <a:spcPts val="0"/>
               </a:spcBef>
@@ -1448,11 +1493,11 @@
 </file>
 
 <file path=ppt/notesSlides/notesSlide5.xml><?xml version="1.0" encoding="utf-8"?>
-<p:notes xmlns:a="http://schemas.openxmlformats.org/drawingml/2006/main" xmlns:r="http://schemas.openxmlformats.org/officeDocument/2006/relationships" xmlns:mc="http://schemas.openxmlformats.org/markup-compatibility/2006" xmlns:mv="urn:schemas-microsoft-com:mac:vml" xmlns:p="http://schemas.openxmlformats.org/presentationml/2006/main" xmlns:c="http://schemas.openxmlformats.org/drawingml/2006/chart" xmlns:dgm="http://schemas.openxmlformats.org/drawingml/2006/diagram" xmlns:o="urn:schemas-microsoft-com:office:office" xmlns:v="urn:schemas-microsoft-com:vml" xmlns:pvml="urn:schemas-microsoft-com:office:powerpoint" xmlns:com="http://schemas.openxmlformats.org/drawingml/2006/compatibility" xmlns:p14="http://schemas.microsoft.com/office/powerpoint/2010/main" xmlns:p15="http://schemas.microsoft.com/office/powerpoint/2012/main" showMasterPhAnim="0" showMasterSp="0">
+<p:notes xmlns:a="http://schemas.openxmlformats.org/drawingml/2006/main" xmlns:r="http://schemas.openxmlformats.org/officeDocument/2006/relationships" xmlns:p="http://schemas.openxmlformats.org/presentationml/2006/main" showMasterSp="0" showMasterPhAnim="0">
   <p:cSld>
     <p:spTree>
       <p:nvGrpSpPr>
-        <p:cNvPr id="86" name="Shape 86"/>
+        <p:cNvPr id="1" name="Shape 86"/>
         <p:cNvGrpSpPr/>
         <p:nvPr/>
       </p:nvGrpSpPr>
@@ -1467,9 +1512,11 @@
       <p:sp>
         <p:nvSpPr>
           <p:cNvPr id="87" name="Google Shape;87;g819056757f_0_12:notes"/>
-          <p:cNvSpPr/>
+          <p:cNvSpPr>
+            <a:spLocks noGrp="1" noRot="1" noChangeAspect="1"/>
+          </p:cNvSpPr>
           <p:nvPr>
-            <p:ph idx="2" type="sldImg"/>
+            <p:ph type="sldImg" idx="2"/>
           </p:nvPr>
         </p:nvSpPr>
         <p:spPr>
@@ -1478,9 +1525,13 @@
             <a:ext cx="6096000" cy="3429000"/>
           </a:xfrm>
           <a:custGeom>
-            <a:rect b="b" l="l" r="r" t="t"/>
+            <a:avLst/>
+            <a:gdLst/>
+            <a:ahLst/>
+            <a:cxnLst/>
+            <a:rect l="l" t="t" r="r" b="b"/>
             <a:pathLst>
-              <a:path extrusionOk="0" h="120000" w="120000">
+              <a:path w="120000" h="120000" extrusionOk="0">
                 <a:moveTo>
                   <a:pt x="0" y="0"/>
                 </a:moveTo>
@@ -1502,9 +1553,11 @@
       <p:sp>
         <p:nvSpPr>
           <p:cNvPr id="88" name="Google Shape;88;g819056757f_0_12:notes"/>
-          <p:cNvSpPr txBox="1"/>
+          <p:cNvSpPr txBox="1">
+            <a:spLocks noGrp="1"/>
+          </p:cNvSpPr>
           <p:nvPr>
-            <p:ph idx="1" type="body"/>
+            <p:ph type="body" idx="1"/>
           </p:nvPr>
         </p:nvSpPr>
         <p:spPr>
@@ -1517,12 +1570,12 @@
           </a:prstGeom>
         </p:spPr>
         <p:txBody>
-          <a:bodyPr anchorCtr="0" anchor="t" bIns="91425" lIns="91425" spcFirstLastPara="1" rIns="91425" wrap="square" tIns="91425">
+          <a:bodyPr spcFirstLastPara="1" wrap="square" lIns="91425" tIns="91425" rIns="91425" bIns="91425" anchor="t" anchorCtr="0">
             <a:noAutofit/>
           </a:bodyPr>
           <a:lstStyle/>
           <a:p>
-            <a:pPr indent="0" lvl="0" marL="0" rtl="0" algn="l">
+            <a:pPr marL="0" lvl="0" indent="0" algn="l" rtl="0">
               <a:spcBef>
                 <a:spcPts val="0"/>
               </a:spcBef>
@@ -1531,9 +1584,6 @@
               </a:spcAft>
               <a:buNone/>
             </a:pPr>
-            <a:r>
-              <a:t/>
-            </a:r>
             <a:endParaRPr/>
           </a:p>
         </p:txBody>
@@ -1547,11 +1597,11 @@
 </file>
 
 <file path=ppt/notesSlides/notesSlide6.xml><?xml version="1.0" encoding="utf-8"?>
-<p:notes xmlns:a="http://schemas.openxmlformats.org/drawingml/2006/main" xmlns:r="http://schemas.openxmlformats.org/officeDocument/2006/relationships" xmlns:mc="http://schemas.openxmlformats.org/markup-compatibility/2006" xmlns:mv="urn:schemas-microsoft-com:mac:vml" xmlns:p="http://schemas.openxmlformats.org/presentationml/2006/main" xmlns:c="http://schemas.openxmlformats.org/drawingml/2006/chart" xmlns:dgm="http://schemas.openxmlformats.org/drawingml/2006/diagram" xmlns:o="urn:schemas-microsoft-com:office:office" xmlns:v="urn:schemas-microsoft-com:vml" xmlns:pvml="urn:schemas-microsoft-com:office:powerpoint" xmlns:com="http://schemas.openxmlformats.org/drawingml/2006/compatibility" xmlns:p14="http://schemas.microsoft.com/office/powerpoint/2010/main" xmlns:p15="http://schemas.microsoft.com/office/powerpoint/2012/main" showMasterPhAnim="0" showMasterSp="0">
+<p:notes xmlns:a="http://schemas.openxmlformats.org/drawingml/2006/main" xmlns:r="http://schemas.openxmlformats.org/officeDocument/2006/relationships" xmlns:p="http://schemas.openxmlformats.org/presentationml/2006/main" showMasterSp="0" showMasterPhAnim="0">
   <p:cSld>
     <p:spTree>
       <p:nvGrpSpPr>
-        <p:cNvPr id="93" name="Shape 93"/>
+        <p:cNvPr id="1" name="Shape 93"/>
         <p:cNvGrpSpPr/>
         <p:nvPr/>
       </p:nvGrpSpPr>
@@ -1566,9 +1616,11 @@
       <p:sp>
         <p:nvSpPr>
           <p:cNvPr id="94" name="Google Shape;94;g819f2a5be5_0_8:notes"/>
-          <p:cNvSpPr/>
+          <p:cNvSpPr>
+            <a:spLocks noGrp="1" noRot="1" noChangeAspect="1"/>
+          </p:cNvSpPr>
           <p:nvPr>
-            <p:ph idx="2" type="sldImg"/>
+            <p:ph type="sldImg" idx="2"/>
           </p:nvPr>
         </p:nvSpPr>
         <p:spPr>
@@ -1577,9 +1629,13 @@
             <a:ext cx="6096000" cy="3429000"/>
           </a:xfrm>
           <a:custGeom>
-            <a:rect b="b" l="l" r="r" t="t"/>
+            <a:avLst/>
+            <a:gdLst/>
+            <a:ahLst/>
+            <a:cxnLst/>
+            <a:rect l="l" t="t" r="r" b="b"/>
             <a:pathLst>
-              <a:path extrusionOk="0" h="120000" w="120000">
+              <a:path w="120000" h="120000" extrusionOk="0">
                 <a:moveTo>
                   <a:pt x="0" y="0"/>
                 </a:moveTo>
@@ -1601,9 +1657,11 @@
       <p:sp>
         <p:nvSpPr>
           <p:cNvPr id="95" name="Google Shape;95;g819f2a5be5_0_8:notes"/>
-          <p:cNvSpPr txBox="1"/>
+          <p:cNvSpPr txBox="1">
+            <a:spLocks noGrp="1"/>
+          </p:cNvSpPr>
           <p:nvPr>
-            <p:ph idx="1" type="body"/>
+            <p:ph type="body" idx="1"/>
           </p:nvPr>
         </p:nvSpPr>
         <p:spPr>
@@ -1616,12 +1674,12 @@
           </a:prstGeom>
         </p:spPr>
         <p:txBody>
-          <a:bodyPr anchorCtr="0" anchor="t" bIns="91425" lIns="91425" spcFirstLastPara="1" rIns="91425" wrap="square" tIns="91425">
+          <a:bodyPr spcFirstLastPara="1" wrap="square" lIns="91425" tIns="91425" rIns="91425" bIns="91425" anchor="t" anchorCtr="0">
             <a:noAutofit/>
           </a:bodyPr>
           <a:lstStyle/>
           <a:p>
-            <a:pPr indent="0" lvl="0" marL="0" rtl="0" algn="l">
+            <a:pPr marL="0" lvl="0" indent="0" algn="l" rtl="0">
               <a:spcBef>
                 <a:spcPts val="0"/>
               </a:spcBef>
@@ -1630,9 +1688,6 @@
               </a:spcAft>
               <a:buNone/>
             </a:pPr>
-            <a:r>
-              <a:t/>
-            </a:r>
             <a:endParaRPr/>
           </a:p>
         </p:txBody>
@@ -1646,11 +1701,11 @@
 </file>
 
 <file path=ppt/notesSlides/notesSlide7.xml><?xml version="1.0" encoding="utf-8"?>
-<p:notes xmlns:a="http://schemas.openxmlformats.org/drawingml/2006/main" xmlns:r="http://schemas.openxmlformats.org/officeDocument/2006/relationships" xmlns:mc="http://schemas.openxmlformats.org/markup-compatibility/2006" xmlns:mv="urn:schemas-microsoft-com:mac:vml" xmlns:p="http://schemas.openxmlformats.org/presentationml/2006/main" xmlns:c="http://schemas.openxmlformats.org/drawingml/2006/chart" xmlns:dgm="http://schemas.openxmlformats.org/drawingml/2006/diagram" xmlns:o="urn:schemas-microsoft-com:office:office" xmlns:v="urn:schemas-microsoft-com:vml" xmlns:pvml="urn:schemas-microsoft-com:office:powerpoint" xmlns:com="http://schemas.openxmlformats.org/drawingml/2006/compatibility" xmlns:p14="http://schemas.microsoft.com/office/powerpoint/2010/main" xmlns:p15="http://schemas.microsoft.com/office/powerpoint/2012/main" showMasterPhAnim="0" showMasterSp="0">
+<p:notes xmlns:a="http://schemas.openxmlformats.org/drawingml/2006/main" xmlns:r="http://schemas.openxmlformats.org/officeDocument/2006/relationships" xmlns:p="http://schemas.openxmlformats.org/presentationml/2006/main" showMasterSp="0" showMasterPhAnim="0">
   <p:cSld>
     <p:spTree>
       <p:nvGrpSpPr>
-        <p:cNvPr id="99" name="Shape 99"/>
+        <p:cNvPr id="1" name="Shape 99"/>
         <p:cNvGrpSpPr/>
         <p:nvPr/>
       </p:nvGrpSpPr>
@@ -1665,9 +1720,11 @@
       <p:sp>
         <p:nvSpPr>
           <p:cNvPr id="100" name="Google Shape;100;g819056757f_0_24:notes"/>
-          <p:cNvSpPr/>
+          <p:cNvSpPr>
+            <a:spLocks noGrp="1" noRot="1" noChangeAspect="1"/>
+          </p:cNvSpPr>
           <p:nvPr>
-            <p:ph idx="2" type="sldImg"/>
+            <p:ph type="sldImg" idx="2"/>
           </p:nvPr>
         </p:nvSpPr>
         <p:spPr>
@@ -1676,9 +1733,13 @@
             <a:ext cx="6096000" cy="3429000"/>
           </a:xfrm>
           <a:custGeom>
-            <a:rect b="b" l="l" r="r" t="t"/>
+            <a:avLst/>
+            <a:gdLst/>
+            <a:ahLst/>
+            <a:cxnLst/>
+            <a:rect l="l" t="t" r="r" b="b"/>
             <a:pathLst>
-              <a:path extrusionOk="0" h="120000" w="120000">
+              <a:path w="120000" h="120000" extrusionOk="0">
                 <a:moveTo>
                   <a:pt x="0" y="0"/>
                 </a:moveTo>
@@ -1700,9 +1761,11 @@
       <p:sp>
         <p:nvSpPr>
           <p:cNvPr id="101" name="Google Shape;101;g819056757f_0_24:notes"/>
-          <p:cNvSpPr txBox="1"/>
+          <p:cNvSpPr txBox="1">
+            <a:spLocks noGrp="1"/>
+          </p:cNvSpPr>
           <p:nvPr>
-            <p:ph idx="1" type="body"/>
+            <p:ph type="body" idx="1"/>
           </p:nvPr>
         </p:nvSpPr>
         <p:spPr>
@@ -1715,12 +1778,12 @@
           </a:prstGeom>
         </p:spPr>
         <p:txBody>
-          <a:bodyPr anchorCtr="0" anchor="t" bIns="91425" lIns="91425" spcFirstLastPara="1" rIns="91425" wrap="square" tIns="91425">
+          <a:bodyPr spcFirstLastPara="1" wrap="square" lIns="91425" tIns="91425" rIns="91425" bIns="91425" anchor="t" anchorCtr="0">
             <a:noAutofit/>
           </a:bodyPr>
           <a:lstStyle/>
           <a:p>
-            <a:pPr indent="0" lvl="0" marL="0" rtl="0" algn="l">
+            <a:pPr marL="0" lvl="0" indent="0" algn="l" rtl="0">
               <a:spcBef>
                 <a:spcPts val="0"/>
               </a:spcBef>
@@ -1746,11 +1809,11 @@
 </file>
 
 <file path=ppt/notesSlides/notesSlide8.xml><?xml version="1.0" encoding="utf-8"?>
-<p:notes xmlns:a="http://schemas.openxmlformats.org/drawingml/2006/main" xmlns:r="http://schemas.openxmlformats.org/officeDocument/2006/relationships" xmlns:mc="http://schemas.openxmlformats.org/markup-compatibility/2006" xmlns:mv="urn:schemas-microsoft-com:mac:vml" xmlns:p="http://schemas.openxmlformats.org/presentationml/2006/main" xmlns:c="http://schemas.openxmlformats.org/drawingml/2006/chart" xmlns:dgm="http://schemas.openxmlformats.org/drawingml/2006/diagram" xmlns:o="urn:schemas-microsoft-com:office:office" xmlns:v="urn:schemas-microsoft-com:vml" xmlns:pvml="urn:schemas-microsoft-com:office:powerpoint" xmlns:com="http://schemas.openxmlformats.org/drawingml/2006/compatibility" xmlns:p14="http://schemas.microsoft.com/office/powerpoint/2010/main" xmlns:p15="http://schemas.microsoft.com/office/powerpoint/2012/main" showMasterPhAnim="0" showMasterSp="0">
+<p:notes xmlns:a="http://schemas.openxmlformats.org/drawingml/2006/main" xmlns:r="http://schemas.openxmlformats.org/officeDocument/2006/relationships" xmlns:p="http://schemas.openxmlformats.org/presentationml/2006/main" showMasterSp="0" showMasterPhAnim="0">
   <p:cSld>
     <p:spTree>
       <p:nvGrpSpPr>
-        <p:cNvPr id="107" name="Shape 107"/>
+        <p:cNvPr id="1" name="Shape 107"/>
         <p:cNvGrpSpPr/>
         <p:nvPr/>
       </p:nvGrpSpPr>
@@ -1765,9 +1828,11 @@
       <p:sp>
         <p:nvSpPr>
           <p:cNvPr id="108" name="Google Shape;108;g719c8301f9_1_4:notes"/>
-          <p:cNvSpPr/>
+          <p:cNvSpPr>
+            <a:spLocks noGrp="1" noRot="1" noChangeAspect="1"/>
+          </p:cNvSpPr>
           <p:nvPr>
-            <p:ph idx="2" type="sldImg"/>
+            <p:ph type="sldImg" idx="2"/>
           </p:nvPr>
         </p:nvSpPr>
         <p:spPr>
@@ -1776,9 +1841,13 @@
             <a:ext cx="6096000" cy="3429000"/>
           </a:xfrm>
           <a:custGeom>
-            <a:rect b="b" l="l" r="r" t="t"/>
+            <a:avLst/>
+            <a:gdLst/>
+            <a:ahLst/>
+            <a:cxnLst/>
+            <a:rect l="l" t="t" r="r" b="b"/>
             <a:pathLst>
-              <a:path extrusionOk="0" h="120000" w="120000">
+              <a:path w="120000" h="120000" extrusionOk="0">
                 <a:moveTo>
                   <a:pt x="0" y="0"/>
                 </a:moveTo>
@@ -1800,9 +1869,11 @@
       <p:sp>
         <p:nvSpPr>
           <p:cNvPr id="109" name="Google Shape;109;g719c8301f9_1_4:notes"/>
-          <p:cNvSpPr txBox="1"/>
+          <p:cNvSpPr txBox="1">
+            <a:spLocks noGrp="1"/>
+          </p:cNvSpPr>
           <p:nvPr>
-            <p:ph idx="1" type="body"/>
+            <p:ph type="body" idx="1"/>
           </p:nvPr>
         </p:nvSpPr>
         <p:spPr>
@@ -1815,12 +1886,12 @@
           </a:prstGeom>
         </p:spPr>
         <p:txBody>
-          <a:bodyPr anchorCtr="0" anchor="t" bIns="91425" lIns="91425" spcFirstLastPara="1" rIns="91425" wrap="square" tIns="91425">
+          <a:bodyPr spcFirstLastPara="1" wrap="square" lIns="91425" tIns="91425" rIns="91425" bIns="91425" anchor="t" anchorCtr="0">
             <a:noAutofit/>
           </a:bodyPr>
           <a:lstStyle/>
           <a:p>
-            <a:pPr indent="0" lvl="0" marL="0" rtl="0" algn="l">
+            <a:pPr marL="0" lvl="0" indent="0" algn="l" rtl="0">
               <a:spcBef>
                 <a:spcPts val="0"/>
               </a:spcBef>
@@ -1829,9 +1900,6 @@
               </a:spcAft>
               <a:buNone/>
             </a:pPr>
-            <a:r>
-              <a:t/>
-            </a:r>
             <a:endParaRPr/>
           </a:p>
         </p:txBody>
@@ -1845,11 +1913,11 @@
 </file>
 
 <file path=ppt/notesSlides/notesSlide9.xml><?xml version="1.0" encoding="utf-8"?>
-<p:notes xmlns:a="http://schemas.openxmlformats.org/drawingml/2006/main" xmlns:r="http://schemas.openxmlformats.org/officeDocument/2006/relationships" xmlns:mc="http://schemas.openxmlformats.org/markup-compatibility/2006" xmlns:mv="urn:schemas-microsoft-com:mac:vml" xmlns:p="http://schemas.openxmlformats.org/presentationml/2006/main" xmlns:c="http://schemas.openxmlformats.org/drawingml/2006/chart" xmlns:dgm="http://schemas.openxmlformats.org/drawingml/2006/diagram" xmlns:o="urn:schemas-microsoft-com:office:office" xmlns:v="urn:schemas-microsoft-com:vml" xmlns:pvml="urn:schemas-microsoft-com:office:powerpoint" xmlns:com="http://schemas.openxmlformats.org/drawingml/2006/compatibility" xmlns:p14="http://schemas.microsoft.com/office/powerpoint/2010/main" xmlns:p15="http://schemas.microsoft.com/office/powerpoint/2012/main" showMasterPhAnim="0" showMasterSp="0">
+<p:notes xmlns:a="http://schemas.openxmlformats.org/drawingml/2006/main" xmlns:r="http://schemas.openxmlformats.org/officeDocument/2006/relationships" xmlns:p="http://schemas.openxmlformats.org/presentationml/2006/main" showMasterSp="0" showMasterPhAnim="0">
   <p:cSld>
     <p:spTree>
       <p:nvGrpSpPr>
-        <p:cNvPr id="115" name="Shape 115"/>
+        <p:cNvPr id="1" name="Shape 115"/>
         <p:cNvGrpSpPr/>
         <p:nvPr/>
       </p:nvGrpSpPr>
@@ -1864,9 +1932,11 @@
       <p:sp>
         <p:nvSpPr>
           <p:cNvPr id="116" name="Google Shape;116;g719c8301f9_1_13:notes"/>
-          <p:cNvSpPr/>
+          <p:cNvSpPr>
+            <a:spLocks noGrp="1" noRot="1" noChangeAspect="1"/>
+          </p:cNvSpPr>
           <p:nvPr>
-            <p:ph idx="2" type="sldImg"/>
+            <p:ph type="sldImg" idx="2"/>
           </p:nvPr>
         </p:nvSpPr>
         <p:spPr>
@@ -1875,9 +1945,13 @@
             <a:ext cx="6096000" cy="3429000"/>
           </a:xfrm>
           <a:custGeom>
-            <a:rect b="b" l="l" r="r" t="t"/>
+            <a:avLst/>
+            <a:gdLst/>
+            <a:ahLst/>
+            <a:cxnLst/>
+            <a:rect l="l" t="t" r="r" b="b"/>
             <a:pathLst>
-              <a:path extrusionOk="0" h="120000" w="120000">
+              <a:path w="120000" h="120000" extrusionOk="0">
                 <a:moveTo>
                   <a:pt x="0" y="0"/>
                 </a:moveTo>
@@ -1899,9 +1973,11 @@
       <p:sp>
         <p:nvSpPr>
           <p:cNvPr id="117" name="Google Shape;117;g719c8301f9_1_13:notes"/>
-          <p:cNvSpPr txBox="1"/>
+          <p:cNvSpPr txBox="1">
+            <a:spLocks noGrp="1"/>
+          </p:cNvSpPr>
           <p:nvPr>
-            <p:ph idx="1" type="body"/>
+            <p:ph type="body" idx="1"/>
           </p:nvPr>
         </p:nvSpPr>
         <p:spPr>
@@ -1914,12 +1990,12 @@
           </a:prstGeom>
         </p:spPr>
         <p:txBody>
-          <a:bodyPr anchorCtr="0" anchor="t" bIns="91425" lIns="91425" spcFirstLastPara="1" rIns="91425" wrap="square" tIns="91425">
+          <a:bodyPr spcFirstLastPara="1" wrap="square" lIns="91425" tIns="91425" rIns="91425" bIns="91425" anchor="t" anchorCtr="0">
             <a:noAutofit/>
           </a:bodyPr>
           <a:lstStyle/>
           <a:p>
-            <a:pPr indent="0" lvl="0" marL="0" rtl="0" algn="l">
+            <a:pPr marL="0" lvl="0" indent="0" algn="l" rtl="0">
               <a:spcBef>
                 <a:spcPts val="0"/>
               </a:spcBef>
@@ -1928,9 +2004,6 @@
               </a:spcAft>
               <a:buNone/>
             </a:pPr>
-            <a:r>
-              <a:t/>
-            </a:r>
             <a:endParaRPr/>
           </a:p>
         </p:txBody>
@@ -1944,11 +2017,11 @@
 </file>
 
 <file path=ppt/slideLayouts/slideLayout1.xml><?xml version="1.0" encoding="utf-8"?>
-<p:sldLayout xmlns:a="http://schemas.openxmlformats.org/drawingml/2006/main" xmlns:r="http://schemas.openxmlformats.org/officeDocument/2006/relationships" xmlns:mc="http://schemas.openxmlformats.org/markup-compatibility/2006" xmlns:mv="urn:schemas-microsoft-com:mac:vml" xmlns:p="http://schemas.openxmlformats.org/presentationml/2006/main" xmlns:c="http://schemas.openxmlformats.org/drawingml/2006/chart" xmlns:dgm="http://schemas.openxmlformats.org/drawingml/2006/diagram" xmlns:o="urn:schemas-microsoft-com:office:office" xmlns:v="urn:schemas-microsoft-com:vml" xmlns:pvml="urn:schemas-microsoft-com:office:powerpoint" xmlns:com="http://schemas.openxmlformats.org/drawingml/2006/compatibility" xmlns:p14="http://schemas.microsoft.com/office/powerpoint/2010/main" xmlns:p15="http://schemas.microsoft.com/office/powerpoint/2012/main" matchingName="Title slide" type="title">
+<p:sldLayout xmlns:a="http://schemas.openxmlformats.org/drawingml/2006/main" xmlns:r="http://schemas.openxmlformats.org/officeDocument/2006/relationships" xmlns:p="http://schemas.openxmlformats.org/presentationml/2006/main" matchingName="Title slide" type="title">
   <p:cSld name="TITLE">
     <p:spTree>
       <p:nvGrpSpPr>
-        <p:cNvPr id="9" name="Shape 9"/>
+        <p:cNvPr id="1" name="Shape 9"/>
         <p:cNvGrpSpPr/>
         <p:nvPr/>
       </p:nvGrpSpPr>
@@ -1963,7 +2036,9 @@
       <p:sp>
         <p:nvSpPr>
           <p:cNvPr id="10" name="Google Shape;10;p2"/>
-          <p:cNvSpPr txBox="1"/>
+          <p:cNvSpPr txBox="1">
+            <a:spLocks noGrp="1"/>
+          </p:cNvSpPr>
           <p:nvPr>
             <p:ph type="ctrTitle"/>
           </p:nvPr>
@@ -1978,7 +2053,7 @@
           </a:prstGeom>
         </p:spPr>
         <p:txBody>
-          <a:bodyPr anchorCtr="0" anchor="b" bIns="91425" lIns="91425" spcFirstLastPara="1" rIns="91425" wrap="square" tIns="91425">
+          <a:bodyPr spcFirstLastPara="1" wrap="square" lIns="91425" tIns="91425" rIns="91425" bIns="91425" anchor="b" anchorCtr="0">
             <a:noAutofit/>
           </a:bodyPr>
           <a:lstStyle>
@@ -2082,15 +2157,19 @@
               <a:defRPr sz="5200"/>
             </a:lvl9pPr>
           </a:lstStyle>
-          <a:p/>
+          <a:p>
+            <a:endParaRPr/>
+          </a:p>
         </p:txBody>
       </p:sp>
       <p:sp>
         <p:nvSpPr>
           <p:cNvPr id="11" name="Google Shape;11;p2"/>
-          <p:cNvSpPr txBox="1"/>
+          <p:cNvSpPr txBox="1">
+            <a:spLocks noGrp="1"/>
+          </p:cNvSpPr>
           <p:nvPr>
-            <p:ph idx="1" type="subTitle"/>
+            <p:ph type="subTitle" idx="1"/>
           </p:nvPr>
         </p:nvSpPr>
         <p:spPr>
@@ -2103,7 +2182,7 @@
           </a:prstGeom>
         </p:spPr>
         <p:txBody>
-          <a:bodyPr anchorCtr="0" anchor="t" bIns="91425" lIns="91425" spcFirstLastPara="1" rIns="91425" wrap="square" tIns="91425">
+          <a:bodyPr spcFirstLastPara="1" wrap="square" lIns="91425" tIns="91425" rIns="91425" bIns="91425" anchor="t" anchorCtr="0">
             <a:noAutofit/>
           </a:bodyPr>
           <a:lstStyle>
@@ -2234,15 +2313,19 @@
               <a:defRPr sz="2800"/>
             </a:lvl9pPr>
           </a:lstStyle>
-          <a:p/>
+          <a:p>
+            <a:endParaRPr/>
+          </a:p>
         </p:txBody>
       </p:sp>
       <p:sp>
         <p:nvSpPr>
           <p:cNvPr id="12" name="Google Shape;12;p2"/>
-          <p:cNvSpPr txBox="1"/>
+          <p:cNvSpPr txBox="1">
+            <a:spLocks noGrp="1"/>
+          </p:cNvSpPr>
           <p:nvPr>
-            <p:ph idx="12" type="sldNum"/>
+            <p:ph type="sldNum" idx="12"/>
           </p:nvPr>
         </p:nvSpPr>
         <p:spPr>
@@ -2255,7 +2338,7 @@
           </a:prstGeom>
         </p:spPr>
         <p:txBody>
-          <a:bodyPr anchorCtr="0" anchor="ctr" bIns="91425" lIns="91425" spcFirstLastPara="1" rIns="91425" wrap="square" tIns="91425">
+          <a:bodyPr spcFirstLastPara="1" wrap="square" lIns="91425" tIns="91425" rIns="91425" bIns="91425" anchor="ctr" anchorCtr="0">
             <a:noAutofit/>
           </a:bodyPr>
           <a:lstStyle>
@@ -2297,7 +2380,7 @@
             </a:lvl9pPr>
           </a:lstStyle>
           <a:p>
-            <a:pPr indent="0" lvl="0" marL="0" rtl="0" algn="r">
+            <a:pPr marL="0" lvl="0" indent="0" algn="r" rtl="0">
               <a:spcBef>
                 <a:spcPts val="0"/>
               </a:spcBef>
@@ -2323,11 +2406,11 @@
 </file>
 
 <file path=ppt/slideLayouts/slideLayout10.xml><?xml version="1.0" encoding="utf-8"?>
-<p:sldLayout xmlns:a="http://schemas.openxmlformats.org/drawingml/2006/main" xmlns:r="http://schemas.openxmlformats.org/officeDocument/2006/relationships" xmlns:mc="http://schemas.openxmlformats.org/markup-compatibility/2006" xmlns:mv="urn:schemas-microsoft-com:mac:vml" xmlns:p="http://schemas.openxmlformats.org/presentationml/2006/main" xmlns:c="http://schemas.openxmlformats.org/drawingml/2006/chart" xmlns:dgm="http://schemas.openxmlformats.org/drawingml/2006/diagram" xmlns:o="urn:schemas-microsoft-com:office:office" xmlns:v="urn:schemas-microsoft-com:vml" xmlns:pvml="urn:schemas-microsoft-com:office:powerpoint" xmlns:com="http://schemas.openxmlformats.org/drawingml/2006/compatibility" xmlns:p14="http://schemas.microsoft.com/office/powerpoint/2010/main" xmlns:p15="http://schemas.microsoft.com/office/powerpoint/2012/main" matchingName="Big number">
+<p:sldLayout xmlns:a="http://schemas.openxmlformats.org/drawingml/2006/main" xmlns:r="http://schemas.openxmlformats.org/officeDocument/2006/relationships" xmlns:p="http://schemas.openxmlformats.org/presentationml/2006/main" matchingName="Big number">
   <p:cSld name="BIG_NUMBER">
     <p:spTree>
       <p:nvGrpSpPr>
-        <p:cNvPr id="44" name="Shape 44"/>
+        <p:cNvPr id="1" name="Shape 44"/>
         <p:cNvGrpSpPr/>
         <p:nvPr/>
       </p:nvGrpSpPr>
@@ -2342,9 +2425,11 @@
       <p:sp>
         <p:nvSpPr>
           <p:cNvPr id="45" name="Google Shape;45;p11"/>
-          <p:cNvSpPr txBox="1"/>
+          <p:cNvSpPr txBox="1">
+            <a:spLocks noGrp="1"/>
+          </p:cNvSpPr>
           <p:nvPr>
-            <p:ph hasCustomPrompt="1" type="title"/>
+            <p:ph type="title" hasCustomPrompt="1"/>
           </p:nvPr>
         </p:nvSpPr>
         <p:spPr>
@@ -2357,7 +2442,7 @@
           </a:prstGeom>
         </p:spPr>
         <p:txBody>
-          <a:bodyPr anchorCtr="0" anchor="b" bIns="91425" lIns="91425" spcFirstLastPara="1" rIns="91425" wrap="square" tIns="91425">
+          <a:bodyPr spcFirstLastPara="1" wrap="square" lIns="91425" tIns="91425" rIns="91425" bIns="91425" anchor="b" anchorCtr="0">
             <a:noAutofit/>
           </a:bodyPr>
           <a:lstStyle>
@@ -2471,9 +2556,11 @@
       <p:sp>
         <p:nvSpPr>
           <p:cNvPr id="46" name="Google Shape;46;p11"/>
-          <p:cNvSpPr txBox="1"/>
+          <p:cNvSpPr txBox="1">
+            <a:spLocks noGrp="1"/>
+          </p:cNvSpPr>
           <p:nvPr>
-            <p:ph idx="1" type="body"/>
+            <p:ph type="body" idx="1"/>
           </p:nvPr>
         </p:nvSpPr>
         <p:spPr>
@@ -2486,11 +2573,11 @@
           </a:prstGeom>
         </p:spPr>
         <p:txBody>
-          <a:bodyPr anchorCtr="0" anchor="t" bIns="91425" lIns="91425" spcFirstLastPara="1" rIns="91425" wrap="square" tIns="91425">
+          <a:bodyPr spcFirstLastPara="1" wrap="square" lIns="91425" tIns="91425" rIns="91425" bIns="91425" anchor="t" anchorCtr="0">
             <a:noAutofit/>
           </a:bodyPr>
           <a:lstStyle>
-            <a:lvl1pPr indent="-342900" lvl="0" marL="457200" algn="ctr">
+            <a:lvl1pPr marL="457200" lvl="0" indent="-342900" algn="ctr">
               <a:spcBef>
                 <a:spcPts val="0"/>
               </a:spcBef>
@@ -2501,7 +2588,7 @@
               <a:buChar char="●"/>
               <a:defRPr/>
             </a:lvl1pPr>
-            <a:lvl2pPr indent="-317500" lvl="1" marL="914400" algn="ctr">
+            <a:lvl2pPr marL="914400" lvl="1" indent="-317500" algn="ctr">
               <a:spcBef>
                 <a:spcPts val="1600"/>
               </a:spcBef>
@@ -2512,7 +2599,7 @@
               <a:buChar char="○"/>
               <a:defRPr/>
             </a:lvl2pPr>
-            <a:lvl3pPr indent="-317500" lvl="2" marL="1371600" algn="ctr">
+            <a:lvl3pPr marL="1371600" lvl="2" indent="-317500" algn="ctr">
               <a:spcBef>
                 <a:spcPts val="1600"/>
               </a:spcBef>
@@ -2523,7 +2610,7 @@
               <a:buChar char="■"/>
               <a:defRPr/>
             </a:lvl3pPr>
-            <a:lvl4pPr indent="-317500" lvl="3" marL="1828800" algn="ctr">
+            <a:lvl4pPr marL="1828800" lvl="3" indent="-317500" algn="ctr">
               <a:spcBef>
                 <a:spcPts val="1600"/>
               </a:spcBef>
@@ -2534,7 +2621,7 @@
               <a:buChar char="●"/>
               <a:defRPr/>
             </a:lvl4pPr>
-            <a:lvl5pPr indent="-317500" lvl="4" marL="2286000" algn="ctr">
+            <a:lvl5pPr marL="2286000" lvl="4" indent="-317500" algn="ctr">
               <a:spcBef>
                 <a:spcPts val="1600"/>
               </a:spcBef>
@@ -2545,7 +2632,7 @@
               <a:buChar char="○"/>
               <a:defRPr/>
             </a:lvl5pPr>
-            <a:lvl6pPr indent="-317500" lvl="5" marL="2743200" algn="ctr">
+            <a:lvl6pPr marL="2743200" lvl="5" indent="-317500" algn="ctr">
               <a:spcBef>
                 <a:spcPts val="1600"/>
               </a:spcBef>
@@ -2556,7 +2643,7 @@
               <a:buChar char="■"/>
               <a:defRPr/>
             </a:lvl6pPr>
-            <a:lvl7pPr indent="-317500" lvl="6" marL="3200400" algn="ctr">
+            <a:lvl7pPr marL="3200400" lvl="6" indent="-317500" algn="ctr">
               <a:spcBef>
                 <a:spcPts val="1600"/>
               </a:spcBef>
@@ -2567,7 +2654,7 @@
               <a:buChar char="●"/>
               <a:defRPr/>
             </a:lvl7pPr>
-            <a:lvl8pPr indent="-317500" lvl="7" marL="3657600" algn="ctr">
+            <a:lvl8pPr marL="3657600" lvl="7" indent="-317500" algn="ctr">
               <a:spcBef>
                 <a:spcPts val="1600"/>
               </a:spcBef>
@@ -2578,7 +2665,7 @@
               <a:buChar char="○"/>
               <a:defRPr/>
             </a:lvl8pPr>
-            <a:lvl9pPr indent="-317500" lvl="8" marL="4114800" algn="ctr">
+            <a:lvl9pPr marL="4114800" lvl="8" indent="-317500" algn="ctr">
               <a:spcBef>
                 <a:spcPts val="1600"/>
               </a:spcBef>
@@ -2590,15 +2677,19 @@
               <a:defRPr/>
             </a:lvl9pPr>
           </a:lstStyle>
-          <a:p/>
+          <a:p>
+            <a:endParaRPr/>
+          </a:p>
         </p:txBody>
       </p:sp>
       <p:sp>
         <p:nvSpPr>
           <p:cNvPr id="47" name="Google Shape;47;p11"/>
-          <p:cNvSpPr txBox="1"/>
+          <p:cNvSpPr txBox="1">
+            <a:spLocks noGrp="1"/>
+          </p:cNvSpPr>
           <p:nvPr>
-            <p:ph idx="12" type="sldNum"/>
+            <p:ph type="sldNum" idx="12"/>
           </p:nvPr>
         </p:nvSpPr>
         <p:spPr>
@@ -2611,7 +2702,7 @@
           </a:prstGeom>
         </p:spPr>
         <p:txBody>
-          <a:bodyPr anchorCtr="0" anchor="ctr" bIns="91425" lIns="91425" spcFirstLastPara="1" rIns="91425" wrap="square" tIns="91425">
+          <a:bodyPr spcFirstLastPara="1" wrap="square" lIns="91425" tIns="91425" rIns="91425" bIns="91425" anchor="ctr" anchorCtr="0">
             <a:noAutofit/>
           </a:bodyPr>
           <a:lstStyle>
@@ -2653,7 +2744,7 @@
             </a:lvl9pPr>
           </a:lstStyle>
           <a:p>
-            <a:pPr indent="0" lvl="0" marL="0" rtl="0" algn="r">
+            <a:pPr marL="0" lvl="0" indent="0" algn="r" rtl="0">
               <a:spcBef>
                 <a:spcPts val="0"/>
               </a:spcBef>
@@ -2679,11 +2770,11 @@
 </file>
 
 <file path=ppt/slideLayouts/slideLayout11.xml><?xml version="1.0" encoding="utf-8"?>
-<p:sldLayout xmlns:a="http://schemas.openxmlformats.org/drawingml/2006/main" xmlns:r="http://schemas.openxmlformats.org/officeDocument/2006/relationships" xmlns:mc="http://schemas.openxmlformats.org/markup-compatibility/2006" xmlns:mv="urn:schemas-microsoft-com:mac:vml" xmlns:p="http://schemas.openxmlformats.org/presentationml/2006/main" xmlns:c="http://schemas.openxmlformats.org/drawingml/2006/chart" xmlns:dgm="http://schemas.openxmlformats.org/drawingml/2006/diagram" xmlns:o="urn:schemas-microsoft-com:office:office" xmlns:v="urn:schemas-microsoft-com:vml" xmlns:pvml="urn:schemas-microsoft-com:office:powerpoint" xmlns:com="http://schemas.openxmlformats.org/drawingml/2006/compatibility" xmlns:p14="http://schemas.microsoft.com/office/powerpoint/2010/main" xmlns:p15="http://schemas.microsoft.com/office/powerpoint/2012/main" matchingName="Blank" type="blank">
+<p:sldLayout xmlns:a="http://schemas.openxmlformats.org/drawingml/2006/main" xmlns:r="http://schemas.openxmlformats.org/officeDocument/2006/relationships" xmlns:p="http://schemas.openxmlformats.org/presentationml/2006/main" matchingName="Blank" type="blank">
   <p:cSld name="BLANK">
     <p:spTree>
       <p:nvGrpSpPr>
-        <p:cNvPr id="48" name="Shape 48"/>
+        <p:cNvPr id="1" name="Shape 48"/>
         <p:cNvGrpSpPr/>
         <p:nvPr/>
       </p:nvGrpSpPr>
@@ -2698,9 +2789,11 @@
       <p:sp>
         <p:nvSpPr>
           <p:cNvPr id="49" name="Google Shape;49;p12"/>
-          <p:cNvSpPr txBox="1"/>
+          <p:cNvSpPr txBox="1">
+            <a:spLocks noGrp="1"/>
+          </p:cNvSpPr>
           <p:nvPr>
-            <p:ph idx="12" type="sldNum"/>
+            <p:ph type="sldNum" idx="12"/>
           </p:nvPr>
         </p:nvSpPr>
         <p:spPr>
@@ -2713,7 +2806,7 @@
           </a:prstGeom>
         </p:spPr>
         <p:txBody>
-          <a:bodyPr anchorCtr="0" anchor="ctr" bIns="91425" lIns="91425" spcFirstLastPara="1" rIns="91425" wrap="square" tIns="91425">
+          <a:bodyPr spcFirstLastPara="1" wrap="square" lIns="91425" tIns="91425" rIns="91425" bIns="91425" anchor="ctr" anchorCtr="0">
             <a:noAutofit/>
           </a:bodyPr>
           <a:lstStyle>
@@ -2755,7 +2848,7 @@
             </a:lvl9pPr>
           </a:lstStyle>
           <a:p>
-            <a:pPr indent="0" lvl="0" marL="0" rtl="0" algn="r">
+            <a:pPr marL="0" lvl="0" indent="0" algn="r" rtl="0">
               <a:spcBef>
                 <a:spcPts val="0"/>
               </a:spcBef>
@@ -2781,11 +2874,11 @@
 </file>
 
 <file path=ppt/slideLayouts/slideLayout2.xml><?xml version="1.0" encoding="utf-8"?>
-<p:sldLayout xmlns:a="http://schemas.openxmlformats.org/drawingml/2006/main" xmlns:r="http://schemas.openxmlformats.org/officeDocument/2006/relationships" xmlns:mc="http://schemas.openxmlformats.org/markup-compatibility/2006" xmlns:mv="urn:schemas-microsoft-com:mac:vml" xmlns:p="http://schemas.openxmlformats.org/presentationml/2006/main" xmlns:c="http://schemas.openxmlformats.org/drawingml/2006/chart" xmlns:dgm="http://schemas.openxmlformats.org/drawingml/2006/diagram" xmlns:o="urn:schemas-microsoft-com:office:office" xmlns:v="urn:schemas-microsoft-com:vml" xmlns:pvml="urn:schemas-microsoft-com:office:powerpoint" xmlns:com="http://schemas.openxmlformats.org/drawingml/2006/compatibility" xmlns:p14="http://schemas.microsoft.com/office/powerpoint/2010/main" xmlns:p15="http://schemas.microsoft.com/office/powerpoint/2012/main" matchingName="Section header" type="secHead">
+<p:sldLayout xmlns:a="http://schemas.openxmlformats.org/drawingml/2006/main" xmlns:r="http://schemas.openxmlformats.org/officeDocument/2006/relationships" xmlns:p="http://schemas.openxmlformats.org/presentationml/2006/main" matchingName="Section header" type="secHead">
   <p:cSld name="SECTION_HEADER">
     <p:spTree>
       <p:nvGrpSpPr>
-        <p:cNvPr id="13" name="Shape 13"/>
+        <p:cNvPr id="1" name="Shape 13"/>
         <p:cNvGrpSpPr/>
         <p:nvPr/>
       </p:nvGrpSpPr>
@@ -2800,7 +2893,9 @@
       <p:sp>
         <p:nvSpPr>
           <p:cNvPr id="14" name="Google Shape;14;p3"/>
-          <p:cNvSpPr txBox="1"/>
+          <p:cNvSpPr txBox="1">
+            <a:spLocks noGrp="1"/>
+          </p:cNvSpPr>
           <p:nvPr>
             <p:ph type="title"/>
           </p:nvPr>
@@ -2815,7 +2910,7 @@
           </a:prstGeom>
         </p:spPr>
         <p:txBody>
-          <a:bodyPr anchorCtr="0" anchor="ctr" bIns="91425" lIns="91425" spcFirstLastPara="1" rIns="91425" wrap="square" tIns="91425">
+          <a:bodyPr spcFirstLastPara="1" wrap="square" lIns="91425" tIns="91425" rIns="91425" bIns="91425" anchor="ctr" anchorCtr="0">
             <a:noAutofit/>
           </a:bodyPr>
           <a:lstStyle>
@@ -2919,15 +3014,19 @@
               <a:defRPr sz="3600"/>
             </a:lvl9pPr>
           </a:lstStyle>
-          <a:p/>
+          <a:p>
+            <a:endParaRPr/>
+          </a:p>
         </p:txBody>
       </p:sp>
       <p:sp>
         <p:nvSpPr>
           <p:cNvPr id="15" name="Google Shape;15;p3"/>
-          <p:cNvSpPr txBox="1"/>
+          <p:cNvSpPr txBox="1">
+            <a:spLocks noGrp="1"/>
+          </p:cNvSpPr>
           <p:nvPr>
-            <p:ph idx="12" type="sldNum"/>
+            <p:ph type="sldNum" idx="12"/>
           </p:nvPr>
         </p:nvSpPr>
         <p:spPr>
@@ -2940,7 +3039,7 @@
           </a:prstGeom>
         </p:spPr>
         <p:txBody>
-          <a:bodyPr anchorCtr="0" anchor="ctr" bIns="91425" lIns="91425" spcFirstLastPara="1" rIns="91425" wrap="square" tIns="91425">
+          <a:bodyPr spcFirstLastPara="1" wrap="square" lIns="91425" tIns="91425" rIns="91425" bIns="91425" anchor="ctr" anchorCtr="0">
             <a:noAutofit/>
           </a:bodyPr>
           <a:lstStyle>
@@ -2982,7 +3081,7 @@
             </a:lvl9pPr>
           </a:lstStyle>
           <a:p>
-            <a:pPr indent="0" lvl="0" marL="0" rtl="0" algn="r">
+            <a:pPr marL="0" lvl="0" indent="0" algn="r" rtl="0">
               <a:spcBef>
                 <a:spcPts val="0"/>
               </a:spcBef>
@@ -3008,11 +3107,11 @@
 </file>
 
 <file path=ppt/slideLayouts/slideLayout3.xml><?xml version="1.0" encoding="utf-8"?>
-<p:sldLayout xmlns:a="http://schemas.openxmlformats.org/drawingml/2006/main" xmlns:r="http://schemas.openxmlformats.org/officeDocument/2006/relationships" xmlns:mc="http://schemas.openxmlformats.org/markup-compatibility/2006" xmlns:mv="urn:schemas-microsoft-com:mac:vml" xmlns:p="http://schemas.openxmlformats.org/presentationml/2006/main" xmlns:c="http://schemas.openxmlformats.org/drawingml/2006/chart" xmlns:dgm="http://schemas.openxmlformats.org/drawingml/2006/diagram" xmlns:o="urn:schemas-microsoft-com:office:office" xmlns:v="urn:schemas-microsoft-com:vml" xmlns:pvml="urn:schemas-microsoft-com:office:powerpoint" xmlns:com="http://schemas.openxmlformats.org/drawingml/2006/compatibility" xmlns:p14="http://schemas.microsoft.com/office/powerpoint/2010/main" xmlns:p15="http://schemas.microsoft.com/office/powerpoint/2012/main" matchingName="Title and body" type="tx">
+<p:sldLayout xmlns:a="http://schemas.openxmlformats.org/drawingml/2006/main" xmlns:r="http://schemas.openxmlformats.org/officeDocument/2006/relationships" xmlns:p="http://schemas.openxmlformats.org/presentationml/2006/main" matchingName="Title and body" type="tx">
   <p:cSld name="TITLE_AND_BODY">
     <p:spTree>
       <p:nvGrpSpPr>
-        <p:cNvPr id="16" name="Shape 16"/>
+        <p:cNvPr id="1" name="Shape 16"/>
         <p:cNvGrpSpPr/>
         <p:nvPr/>
       </p:nvGrpSpPr>
@@ -3027,7 +3126,9 @@
       <p:sp>
         <p:nvSpPr>
           <p:cNvPr id="17" name="Google Shape;17;p4"/>
-          <p:cNvSpPr txBox="1"/>
+          <p:cNvSpPr txBox="1">
+            <a:spLocks noGrp="1"/>
+          </p:cNvSpPr>
           <p:nvPr>
             <p:ph type="title"/>
           </p:nvPr>
@@ -3042,7 +3143,7 @@
           </a:prstGeom>
         </p:spPr>
         <p:txBody>
-          <a:bodyPr anchorCtr="0" anchor="t" bIns="91425" lIns="91425" spcFirstLastPara="1" rIns="91425" wrap="square" tIns="91425">
+          <a:bodyPr spcFirstLastPara="1" wrap="square" lIns="91425" tIns="91425" rIns="91425" bIns="91425" anchor="t" anchorCtr="0">
             <a:noAutofit/>
           </a:bodyPr>
           <a:lstStyle>
@@ -3146,15 +3247,19 @@
               <a:defRPr/>
             </a:lvl9pPr>
           </a:lstStyle>
-          <a:p/>
+          <a:p>
+            <a:endParaRPr/>
+          </a:p>
         </p:txBody>
       </p:sp>
       <p:sp>
         <p:nvSpPr>
           <p:cNvPr id="18" name="Google Shape;18;p4"/>
-          <p:cNvSpPr txBox="1"/>
+          <p:cNvSpPr txBox="1">
+            <a:spLocks noGrp="1"/>
+          </p:cNvSpPr>
           <p:nvPr>
-            <p:ph idx="1" type="body"/>
+            <p:ph type="body" idx="1"/>
           </p:nvPr>
         </p:nvSpPr>
         <p:spPr>
@@ -3167,11 +3272,11 @@
           </a:prstGeom>
         </p:spPr>
         <p:txBody>
-          <a:bodyPr anchorCtr="0" anchor="t" bIns="91425" lIns="91425" spcFirstLastPara="1" rIns="91425" wrap="square" tIns="91425">
+          <a:bodyPr spcFirstLastPara="1" wrap="square" lIns="91425" tIns="91425" rIns="91425" bIns="91425" anchor="t" anchorCtr="0">
             <a:noAutofit/>
           </a:bodyPr>
           <a:lstStyle>
-            <a:lvl1pPr indent="-342900" lvl="0" marL="457200">
+            <a:lvl1pPr marL="457200" lvl="0" indent="-342900">
               <a:spcBef>
                 <a:spcPts val="0"/>
               </a:spcBef>
@@ -3182,7 +3287,7 @@
               <a:buChar char="●"/>
               <a:defRPr/>
             </a:lvl1pPr>
-            <a:lvl2pPr indent="-317500" lvl="1" marL="914400">
+            <a:lvl2pPr marL="914400" lvl="1" indent="-317500">
               <a:spcBef>
                 <a:spcPts val="1600"/>
               </a:spcBef>
@@ -3193,7 +3298,7 @@
               <a:buChar char="○"/>
               <a:defRPr/>
             </a:lvl2pPr>
-            <a:lvl3pPr indent="-317500" lvl="2" marL="1371600">
+            <a:lvl3pPr marL="1371600" lvl="2" indent="-317500">
               <a:spcBef>
                 <a:spcPts val="1600"/>
               </a:spcBef>
@@ -3204,7 +3309,7 @@
               <a:buChar char="■"/>
               <a:defRPr/>
             </a:lvl3pPr>
-            <a:lvl4pPr indent="-317500" lvl="3" marL="1828800">
+            <a:lvl4pPr marL="1828800" lvl="3" indent="-317500">
               <a:spcBef>
                 <a:spcPts val="1600"/>
               </a:spcBef>
@@ -3215,7 +3320,7 @@
               <a:buChar char="●"/>
               <a:defRPr/>
             </a:lvl4pPr>
-            <a:lvl5pPr indent="-317500" lvl="4" marL="2286000">
+            <a:lvl5pPr marL="2286000" lvl="4" indent="-317500">
               <a:spcBef>
                 <a:spcPts val="1600"/>
               </a:spcBef>
@@ -3226,7 +3331,7 @@
               <a:buChar char="○"/>
               <a:defRPr/>
             </a:lvl5pPr>
-            <a:lvl6pPr indent="-317500" lvl="5" marL="2743200">
+            <a:lvl6pPr marL="2743200" lvl="5" indent="-317500">
               <a:spcBef>
                 <a:spcPts val="1600"/>
               </a:spcBef>
@@ -3237,7 +3342,7 @@
               <a:buChar char="■"/>
               <a:defRPr/>
             </a:lvl6pPr>
-            <a:lvl7pPr indent="-317500" lvl="6" marL="3200400">
+            <a:lvl7pPr marL="3200400" lvl="6" indent="-317500">
               <a:spcBef>
                 <a:spcPts val="1600"/>
               </a:spcBef>
@@ -3248,7 +3353,7 @@
               <a:buChar char="●"/>
               <a:defRPr/>
             </a:lvl7pPr>
-            <a:lvl8pPr indent="-317500" lvl="7" marL="3657600">
+            <a:lvl8pPr marL="3657600" lvl="7" indent="-317500">
               <a:spcBef>
                 <a:spcPts val="1600"/>
               </a:spcBef>
@@ -3259,7 +3364,7 @@
               <a:buChar char="○"/>
               <a:defRPr/>
             </a:lvl8pPr>
-            <a:lvl9pPr indent="-317500" lvl="8" marL="4114800">
+            <a:lvl9pPr marL="4114800" lvl="8" indent="-317500">
               <a:spcBef>
                 <a:spcPts val="1600"/>
               </a:spcBef>
@@ -3271,15 +3376,19 @@
               <a:defRPr/>
             </a:lvl9pPr>
           </a:lstStyle>
-          <a:p/>
+          <a:p>
+            <a:endParaRPr/>
+          </a:p>
         </p:txBody>
       </p:sp>
       <p:sp>
         <p:nvSpPr>
           <p:cNvPr id="19" name="Google Shape;19;p4"/>
-          <p:cNvSpPr txBox="1"/>
+          <p:cNvSpPr txBox="1">
+            <a:spLocks noGrp="1"/>
+          </p:cNvSpPr>
           <p:nvPr>
-            <p:ph idx="12" type="sldNum"/>
+            <p:ph type="sldNum" idx="12"/>
           </p:nvPr>
         </p:nvSpPr>
         <p:spPr>
@@ -3292,7 +3401,7 @@
           </a:prstGeom>
         </p:spPr>
         <p:txBody>
-          <a:bodyPr anchorCtr="0" anchor="ctr" bIns="91425" lIns="91425" spcFirstLastPara="1" rIns="91425" wrap="square" tIns="91425">
+          <a:bodyPr spcFirstLastPara="1" wrap="square" lIns="91425" tIns="91425" rIns="91425" bIns="91425" anchor="ctr" anchorCtr="0">
             <a:noAutofit/>
           </a:bodyPr>
           <a:lstStyle>
@@ -3334,7 +3443,7 @@
             </a:lvl9pPr>
           </a:lstStyle>
           <a:p>
-            <a:pPr indent="0" lvl="0" marL="0" rtl="0" algn="r">
+            <a:pPr marL="0" lvl="0" indent="0" algn="r" rtl="0">
               <a:spcBef>
                 <a:spcPts val="0"/>
               </a:spcBef>
@@ -3360,11 +3469,11 @@
 </file>
 
 <file path=ppt/slideLayouts/slideLayout4.xml><?xml version="1.0" encoding="utf-8"?>
-<p:sldLayout xmlns:a="http://schemas.openxmlformats.org/drawingml/2006/main" xmlns:r="http://schemas.openxmlformats.org/officeDocument/2006/relationships" xmlns:mc="http://schemas.openxmlformats.org/markup-compatibility/2006" xmlns:mv="urn:schemas-microsoft-com:mac:vml" xmlns:p="http://schemas.openxmlformats.org/presentationml/2006/main" xmlns:c="http://schemas.openxmlformats.org/drawingml/2006/chart" xmlns:dgm="http://schemas.openxmlformats.org/drawingml/2006/diagram" xmlns:o="urn:schemas-microsoft-com:office:office" xmlns:v="urn:schemas-microsoft-com:vml" xmlns:pvml="urn:schemas-microsoft-com:office:powerpoint" xmlns:com="http://schemas.openxmlformats.org/drawingml/2006/compatibility" xmlns:p14="http://schemas.microsoft.com/office/powerpoint/2010/main" xmlns:p15="http://schemas.microsoft.com/office/powerpoint/2012/main" matchingName="Title and two columns" type="twoColTx">
+<p:sldLayout xmlns:a="http://schemas.openxmlformats.org/drawingml/2006/main" xmlns:r="http://schemas.openxmlformats.org/officeDocument/2006/relationships" xmlns:p="http://schemas.openxmlformats.org/presentationml/2006/main" matchingName="Title and two columns" type="twoColTx">
   <p:cSld name="TITLE_AND_TWO_COLUMNS">
     <p:spTree>
       <p:nvGrpSpPr>
-        <p:cNvPr id="20" name="Shape 20"/>
+        <p:cNvPr id="1" name="Shape 20"/>
         <p:cNvGrpSpPr/>
         <p:nvPr/>
       </p:nvGrpSpPr>
@@ -3379,7 +3488,9 @@
       <p:sp>
         <p:nvSpPr>
           <p:cNvPr id="21" name="Google Shape;21;p5"/>
-          <p:cNvSpPr txBox="1"/>
+          <p:cNvSpPr txBox="1">
+            <a:spLocks noGrp="1"/>
+          </p:cNvSpPr>
           <p:nvPr>
             <p:ph type="title"/>
           </p:nvPr>
@@ -3394,7 +3505,7 @@
           </a:prstGeom>
         </p:spPr>
         <p:txBody>
-          <a:bodyPr anchorCtr="0" anchor="t" bIns="91425" lIns="91425" spcFirstLastPara="1" rIns="91425" wrap="square" tIns="91425">
+          <a:bodyPr spcFirstLastPara="1" wrap="square" lIns="91425" tIns="91425" rIns="91425" bIns="91425" anchor="t" anchorCtr="0">
             <a:noAutofit/>
           </a:bodyPr>
           <a:lstStyle>
@@ -3498,15 +3609,19 @@
               <a:defRPr/>
             </a:lvl9pPr>
           </a:lstStyle>
-          <a:p/>
+          <a:p>
+            <a:endParaRPr/>
+          </a:p>
         </p:txBody>
       </p:sp>
       <p:sp>
         <p:nvSpPr>
           <p:cNvPr id="22" name="Google Shape;22;p5"/>
-          <p:cNvSpPr txBox="1"/>
+          <p:cNvSpPr txBox="1">
+            <a:spLocks noGrp="1"/>
+          </p:cNvSpPr>
           <p:nvPr>
-            <p:ph idx="1" type="body"/>
+            <p:ph type="body" idx="1"/>
           </p:nvPr>
         </p:nvSpPr>
         <p:spPr>
@@ -3519,11 +3634,11 @@
           </a:prstGeom>
         </p:spPr>
         <p:txBody>
-          <a:bodyPr anchorCtr="0" anchor="t" bIns="91425" lIns="91425" spcFirstLastPara="1" rIns="91425" wrap="square" tIns="91425">
+          <a:bodyPr spcFirstLastPara="1" wrap="square" lIns="91425" tIns="91425" rIns="91425" bIns="91425" anchor="t" anchorCtr="0">
             <a:noAutofit/>
           </a:bodyPr>
           <a:lstStyle>
-            <a:lvl1pPr indent="-317500" lvl="0" marL="457200">
+            <a:lvl1pPr marL="457200" lvl="0" indent="-317500">
               <a:spcBef>
                 <a:spcPts val="0"/>
               </a:spcBef>
@@ -3534,7 +3649,7 @@
               <a:buChar char="●"/>
               <a:defRPr sz="1400"/>
             </a:lvl1pPr>
-            <a:lvl2pPr indent="-304800" lvl="1" marL="914400">
+            <a:lvl2pPr marL="914400" lvl="1" indent="-304800">
               <a:spcBef>
                 <a:spcPts val="1600"/>
               </a:spcBef>
@@ -3545,7 +3660,7 @@
               <a:buChar char="○"/>
               <a:defRPr sz="1200"/>
             </a:lvl2pPr>
-            <a:lvl3pPr indent="-304800" lvl="2" marL="1371600">
+            <a:lvl3pPr marL="1371600" lvl="2" indent="-304800">
               <a:spcBef>
                 <a:spcPts val="1600"/>
               </a:spcBef>
@@ -3556,7 +3671,7 @@
               <a:buChar char="■"/>
               <a:defRPr sz="1200"/>
             </a:lvl3pPr>
-            <a:lvl4pPr indent="-304800" lvl="3" marL="1828800">
+            <a:lvl4pPr marL="1828800" lvl="3" indent="-304800">
               <a:spcBef>
                 <a:spcPts val="1600"/>
               </a:spcBef>
@@ -3567,7 +3682,7 @@
               <a:buChar char="●"/>
               <a:defRPr sz="1200"/>
             </a:lvl4pPr>
-            <a:lvl5pPr indent="-304800" lvl="4" marL="2286000">
+            <a:lvl5pPr marL="2286000" lvl="4" indent="-304800">
               <a:spcBef>
                 <a:spcPts val="1600"/>
               </a:spcBef>
@@ -3578,7 +3693,7 @@
               <a:buChar char="○"/>
               <a:defRPr sz="1200"/>
             </a:lvl5pPr>
-            <a:lvl6pPr indent="-304800" lvl="5" marL="2743200">
+            <a:lvl6pPr marL="2743200" lvl="5" indent="-304800">
               <a:spcBef>
                 <a:spcPts val="1600"/>
               </a:spcBef>
@@ -3589,7 +3704,7 @@
               <a:buChar char="■"/>
               <a:defRPr sz="1200"/>
             </a:lvl6pPr>
-            <a:lvl7pPr indent="-304800" lvl="6" marL="3200400">
+            <a:lvl7pPr marL="3200400" lvl="6" indent="-304800">
               <a:spcBef>
                 <a:spcPts val="1600"/>
               </a:spcBef>
@@ -3600,7 +3715,7 @@
               <a:buChar char="●"/>
               <a:defRPr sz="1200"/>
             </a:lvl7pPr>
-            <a:lvl8pPr indent="-304800" lvl="7" marL="3657600">
+            <a:lvl8pPr marL="3657600" lvl="7" indent="-304800">
               <a:spcBef>
                 <a:spcPts val="1600"/>
               </a:spcBef>
@@ -3611,7 +3726,7 @@
               <a:buChar char="○"/>
               <a:defRPr sz="1200"/>
             </a:lvl8pPr>
-            <a:lvl9pPr indent="-304800" lvl="8" marL="4114800">
+            <a:lvl9pPr marL="4114800" lvl="8" indent="-304800">
               <a:spcBef>
                 <a:spcPts val="1600"/>
               </a:spcBef>
@@ -3623,15 +3738,19 @@
               <a:defRPr sz="1200"/>
             </a:lvl9pPr>
           </a:lstStyle>
-          <a:p/>
+          <a:p>
+            <a:endParaRPr/>
+          </a:p>
         </p:txBody>
       </p:sp>
       <p:sp>
         <p:nvSpPr>
           <p:cNvPr id="23" name="Google Shape;23;p5"/>
-          <p:cNvSpPr txBox="1"/>
+          <p:cNvSpPr txBox="1">
+            <a:spLocks noGrp="1"/>
+          </p:cNvSpPr>
           <p:nvPr>
-            <p:ph idx="2" type="body"/>
+            <p:ph type="body" idx="2"/>
           </p:nvPr>
         </p:nvSpPr>
         <p:spPr>
@@ -3644,11 +3763,11 @@
           </a:prstGeom>
         </p:spPr>
         <p:txBody>
-          <a:bodyPr anchorCtr="0" anchor="t" bIns="91425" lIns="91425" spcFirstLastPara="1" rIns="91425" wrap="square" tIns="91425">
+          <a:bodyPr spcFirstLastPara="1" wrap="square" lIns="91425" tIns="91425" rIns="91425" bIns="91425" anchor="t" anchorCtr="0">
             <a:noAutofit/>
           </a:bodyPr>
           <a:lstStyle>
-            <a:lvl1pPr indent="-317500" lvl="0" marL="457200">
+            <a:lvl1pPr marL="457200" lvl="0" indent="-317500">
               <a:spcBef>
                 <a:spcPts val="0"/>
               </a:spcBef>
@@ -3659,7 +3778,7 @@
               <a:buChar char="●"/>
               <a:defRPr sz="1400"/>
             </a:lvl1pPr>
-            <a:lvl2pPr indent="-304800" lvl="1" marL="914400">
+            <a:lvl2pPr marL="914400" lvl="1" indent="-304800">
               <a:spcBef>
                 <a:spcPts val="1600"/>
               </a:spcBef>
@@ -3670,7 +3789,7 @@
               <a:buChar char="○"/>
               <a:defRPr sz="1200"/>
             </a:lvl2pPr>
-            <a:lvl3pPr indent="-304800" lvl="2" marL="1371600">
+            <a:lvl3pPr marL="1371600" lvl="2" indent="-304800">
               <a:spcBef>
                 <a:spcPts val="1600"/>
               </a:spcBef>
@@ -3681,7 +3800,7 @@
               <a:buChar char="■"/>
               <a:defRPr sz="1200"/>
             </a:lvl3pPr>
-            <a:lvl4pPr indent="-304800" lvl="3" marL="1828800">
+            <a:lvl4pPr marL="1828800" lvl="3" indent="-304800">
               <a:spcBef>
                 <a:spcPts val="1600"/>
               </a:spcBef>
@@ -3692,7 +3811,7 @@
               <a:buChar char="●"/>
               <a:defRPr sz="1200"/>
             </a:lvl4pPr>
-            <a:lvl5pPr indent="-304800" lvl="4" marL="2286000">
+            <a:lvl5pPr marL="2286000" lvl="4" indent="-304800">
               <a:spcBef>
                 <a:spcPts val="1600"/>
               </a:spcBef>
@@ -3703,7 +3822,7 @@
               <a:buChar char="○"/>
               <a:defRPr sz="1200"/>
             </a:lvl5pPr>
-            <a:lvl6pPr indent="-304800" lvl="5" marL="2743200">
+            <a:lvl6pPr marL="2743200" lvl="5" indent="-304800">
               <a:spcBef>
                 <a:spcPts val="1600"/>
               </a:spcBef>
@@ -3714,7 +3833,7 @@
               <a:buChar char="■"/>
               <a:defRPr sz="1200"/>
             </a:lvl6pPr>
-            <a:lvl7pPr indent="-304800" lvl="6" marL="3200400">
+            <a:lvl7pPr marL="3200400" lvl="6" indent="-304800">
               <a:spcBef>
                 <a:spcPts val="1600"/>
               </a:spcBef>
@@ -3725,7 +3844,7 @@
               <a:buChar char="●"/>
               <a:defRPr sz="1200"/>
             </a:lvl7pPr>
-            <a:lvl8pPr indent="-304800" lvl="7" marL="3657600">
+            <a:lvl8pPr marL="3657600" lvl="7" indent="-304800">
               <a:spcBef>
                 <a:spcPts val="1600"/>
               </a:spcBef>
@@ -3736,7 +3855,7 @@
               <a:buChar char="○"/>
               <a:defRPr sz="1200"/>
             </a:lvl8pPr>
-            <a:lvl9pPr indent="-304800" lvl="8" marL="4114800">
+            <a:lvl9pPr marL="4114800" lvl="8" indent="-304800">
               <a:spcBef>
                 <a:spcPts val="1600"/>
               </a:spcBef>
@@ -3748,15 +3867,19 @@
               <a:defRPr sz="1200"/>
             </a:lvl9pPr>
           </a:lstStyle>
-          <a:p/>
+          <a:p>
+            <a:endParaRPr/>
+          </a:p>
         </p:txBody>
       </p:sp>
       <p:sp>
         <p:nvSpPr>
           <p:cNvPr id="24" name="Google Shape;24;p5"/>
-          <p:cNvSpPr txBox="1"/>
+          <p:cNvSpPr txBox="1">
+            <a:spLocks noGrp="1"/>
+          </p:cNvSpPr>
           <p:nvPr>
-            <p:ph idx="12" type="sldNum"/>
+            <p:ph type="sldNum" idx="12"/>
           </p:nvPr>
         </p:nvSpPr>
         <p:spPr>
@@ -3769,7 +3892,7 @@
           </a:prstGeom>
         </p:spPr>
         <p:txBody>
-          <a:bodyPr anchorCtr="0" anchor="ctr" bIns="91425" lIns="91425" spcFirstLastPara="1" rIns="91425" wrap="square" tIns="91425">
+          <a:bodyPr spcFirstLastPara="1" wrap="square" lIns="91425" tIns="91425" rIns="91425" bIns="91425" anchor="ctr" anchorCtr="0">
             <a:noAutofit/>
           </a:bodyPr>
           <a:lstStyle>
@@ -3811,7 +3934,7 @@
             </a:lvl9pPr>
           </a:lstStyle>
           <a:p>
-            <a:pPr indent="0" lvl="0" marL="0" rtl="0" algn="r">
+            <a:pPr marL="0" lvl="0" indent="0" algn="r" rtl="0">
               <a:spcBef>
                 <a:spcPts val="0"/>
               </a:spcBef>
@@ -3837,11 +3960,11 @@
 </file>
 
 <file path=ppt/slideLayouts/slideLayout5.xml><?xml version="1.0" encoding="utf-8"?>
-<p:sldLayout xmlns:a="http://schemas.openxmlformats.org/drawingml/2006/main" xmlns:r="http://schemas.openxmlformats.org/officeDocument/2006/relationships" xmlns:mc="http://schemas.openxmlformats.org/markup-compatibility/2006" xmlns:mv="urn:schemas-microsoft-com:mac:vml" xmlns:p="http://schemas.openxmlformats.org/presentationml/2006/main" xmlns:c="http://schemas.openxmlformats.org/drawingml/2006/chart" xmlns:dgm="http://schemas.openxmlformats.org/drawingml/2006/diagram" xmlns:o="urn:schemas-microsoft-com:office:office" xmlns:v="urn:schemas-microsoft-com:vml" xmlns:pvml="urn:schemas-microsoft-com:office:powerpoint" xmlns:com="http://schemas.openxmlformats.org/drawingml/2006/compatibility" xmlns:p14="http://schemas.microsoft.com/office/powerpoint/2010/main" xmlns:p15="http://schemas.microsoft.com/office/powerpoint/2012/main" matchingName="Title only" type="titleOnly">
+<p:sldLayout xmlns:a="http://schemas.openxmlformats.org/drawingml/2006/main" xmlns:r="http://schemas.openxmlformats.org/officeDocument/2006/relationships" xmlns:p="http://schemas.openxmlformats.org/presentationml/2006/main" matchingName="Title only" type="titleOnly">
   <p:cSld name="TITLE_ONLY">
     <p:spTree>
       <p:nvGrpSpPr>
-        <p:cNvPr id="25" name="Shape 25"/>
+        <p:cNvPr id="1" name="Shape 25"/>
         <p:cNvGrpSpPr/>
         <p:nvPr/>
       </p:nvGrpSpPr>
@@ -3856,7 +3979,9 @@
       <p:sp>
         <p:nvSpPr>
           <p:cNvPr id="26" name="Google Shape;26;p6"/>
-          <p:cNvSpPr txBox="1"/>
+          <p:cNvSpPr txBox="1">
+            <a:spLocks noGrp="1"/>
+          </p:cNvSpPr>
           <p:nvPr>
             <p:ph type="title"/>
           </p:nvPr>
@@ -3871,7 +3996,7 @@
           </a:prstGeom>
         </p:spPr>
         <p:txBody>
-          <a:bodyPr anchorCtr="0" anchor="t" bIns="91425" lIns="91425" spcFirstLastPara="1" rIns="91425" wrap="square" tIns="91425">
+          <a:bodyPr spcFirstLastPara="1" wrap="square" lIns="91425" tIns="91425" rIns="91425" bIns="91425" anchor="t" anchorCtr="0">
             <a:noAutofit/>
           </a:bodyPr>
           <a:lstStyle>
@@ -3975,15 +4100,19 @@
               <a:defRPr/>
             </a:lvl9pPr>
           </a:lstStyle>
-          <a:p/>
+          <a:p>
+            <a:endParaRPr/>
+          </a:p>
         </p:txBody>
       </p:sp>
       <p:sp>
         <p:nvSpPr>
           <p:cNvPr id="27" name="Google Shape;27;p6"/>
-          <p:cNvSpPr txBox="1"/>
+          <p:cNvSpPr txBox="1">
+            <a:spLocks noGrp="1"/>
+          </p:cNvSpPr>
           <p:nvPr>
-            <p:ph idx="12" type="sldNum"/>
+            <p:ph type="sldNum" idx="12"/>
           </p:nvPr>
         </p:nvSpPr>
         <p:spPr>
@@ -3996,7 +4125,7 @@
           </a:prstGeom>
         </p:spPr>
         <p:txBody>
-          <a:bodyPr anchorCtr="0" anchor="ctr" bIns="91425" lIns="91425" spcFirstLastPara="1" rIns="91425" wrap="square" tIns="91425">
+          <a:bodyPr spcFirstLastPara="1" wrap="square" lIns="91425" tIns="91425" rIns="91425" bIns="91425" anchor="ctr" anchorCtr="0">
             <a:noAutofit/>
           </a:bodyPr>
           <a:lstStyle>
@@ -4038,7 +4167,7 @@
             </a:lvl9pPr>
           </a:lstStyle>
           <a:p>
-            <a:pPr indent="0" lvl="0" marL="0" rtl="0" algn="r">
+            <a:pPr marL="0" lvl="0" indent="0" algn="r" rtl="0">
               <a:spcBef>
                 <a:spcPts val="0"/>
               </a:spcBef>
@@ -4064,11 +4193,11 @@
 </file>
 
 <file path=ppt/slideLayouts/slideLayout6.xml><?xml version="1.0" encoding="utf-8"?>
-<p:sldLayout xmlns:a="http://schemas.openxmlformats.org/drawingml/2006/main" xmlns:r="http://schemas.openxmlformats.org/officeDocument/2006/relationships" xmlns:mc="http://schemas.openxmlformats.org/markup-compatibility/2006" xmlns:mv="urn:schemas-microsoft-com:mac:vml" xmlns:p="http://schemas.openxmlformats.org/presentationml/2006/main" xmlns:c="http://schemas.openxmlformats.org/drawingml/2006/chart" xmlns:dgm="http://schemas.openxmlformats.org/drawingml/2006/diagram" xmlns:o="urn:schemas-microsoft-com:office:office" xmlns:v="urn:schemas-microsoft-com:vml" xmlns:pvml="urn:schemas-microsoft-com:office:powerpoint" xmlns:com="http://schemas.openxmlformats.org/drawingml/2006/compatibility" xmlns:p14="http://schemas.microsoft.com/office/powerpoint/2010/main" xmlns:p15="http://schemas.microsoft.com/office/powerpoint/2012/main" matchingName="One column text">
+<p:sldLayout xmlns:a="http://schemas.openxmlformats.org/drawingml/2006/main" xmlns:r="http://schemas.openxmlformats.org/officeDocument/2006/relationships" xmlns:p="http://schemas.openxmlformats.org/presentationml/2006/main" matchingName="One column text">
   <p:cSld name="ONE_COLUMN_TEXT">
     <p:spTree>
       <p:nvGrpSpPr>
-        <p:cNvPr id="28" name="Shape 28"/>
+        <p:cNvPr id="1" name="Shape 28"/>
         <p:cNvGrpSpPr/>
         <p:nvPr/>
       </p:nvGrpSpPr>
@@ -4083,7 +4212,9 @@
       <p:sp>
         <p:nvSpPr>
           <p:cNvPr id="29" name="Google Shape;29;p7"/>
-          <p:cNvSpPr txBox="1"/>
+          <p:cNvSpPr txBox="1">
+            <a:spLocks noGrp="1"/>
+          </p:cNvSpPr>
           <p:nvPr>
             <p:ph type="title"/>
           </p:nvPr>
@@ -4098,7 +4229,7 @@
           </a:prstGeom>
         </p:spPr>
         <p:txBody>
-          <a:bodyPr anchorCtr="0" anchor="b" bIns="91425" lIns="91425" spcFirstLastPara="1" rIns="91425" wrap="square" tIns="91425">
+          <a:bodyPr spcFirstLastPara="1" wrap="square" lIns="91425" tIns="91425" rIns="91425" bIns="91425" anchor="b" anchorCtr="0">
             <a:noAutofit/>
           </a:bodyPr>
           <a:lstStyle>
@@ -4202,15 +4333,19 @@
               <a:defRPr sz="2400"/>
             </a:lvl9pPr>
           </a:lstStyle>
-          <a:p/>
+          <a:p>
+            <a:endParaRPr/>
+          </a:p>
         </p:txBody>
       </p:sp>
       <p:sp>
         <p:nvSpPr>
           <p:cNvPr id="30" name="Google Shape;30;p7"/>
-          <p:cNvSpPr txBox="1"/>
+          <p:cNvSpPr txBox="1">
+            <a:spLocks noGrp="1"/>
+          </p:cNvSpPr>
           <p:nvPr>
-            <p:ph idx="1" type="body"/>
+            <p:ph type="body" idx="1"/>
           </p:nvPr>
         </p:nvSpPr>
         <p:spPr>
@@ -4223,11 +4358,11 @@
           </a:prstGeom>
         </p:spPr>
         <p:txBody>
-          <a:bodyPr anchorCtr="0" anchor="t" bIns="91425" lIns="91425" spcFirstLastPara="1" rIns="91425" wrap="square" tIns="91425">
+          <a:bodyPr spcFirstLastPara="1" wrap="square" lIns="91425" tIns="91425" rIns="91425" bIns="91425" anchor="t" anchorCtr="0">
             <a:noAutofit/>
           </a:bodyPr>
           <a:lstStyle>
-            <a:lvl1pPr indent="-304800" lvl="0" marL="457200">
+            <a:lvl1pPr marL="457200" lvl="0" indent="-304800">
               <a:spcBef>
                 <a:spcPts val="0"/>
               </a:spcBef>
@@ -4238,7 +4373,7 @@
               <a:buChar char="●"/>
               <a:defRPr sz="1200"/>
             </a:lvl1pPr>
-            <a:lvl2pPr indent="-304800" lvl="1" marL="914400">
+            <a:lvl2pPr marL="914400" lvl="1" indent="-304800">
               <a:spcBef>
                 <a:spcPts val="1600"/>
               </a:spcBef>
@@ -4249,7 +4384,7 @@
               <a:buChar char="○"/>
               <a:defRPr sz="1200"/>
             </a:lvl2pPr>
-            <a:lvl3pPr indent="-304800" lvl="2" marL="1371600">
+            <a:lvl3pPr marL="1371600" lvl="2" indent="-304800">
               <a:spcBef>
                 <a:spcPts val="1600"/>
               </a:spcBef>
@@ -4260,7 +4395,7 @@
               <a:buChar char="■"/>
               <a:defRPr sz="1200"/>
             </a:lvl3pPr>
-            <a:lvl4pPr indent="-304800" lvl="3" marL="1828800">
+            <a:lvl4pPr marL="1828800" lvl="3" indent="-304800">
               <a:spcBef>
                 <a:spcPts val="1600"/>
               </a:spcBef>
@@ -4271,7 +4406,7 @@
               <a:buChar char="●"/>
               <a:defRPr sz="1200"/>
             </a:lvl4pPr>
-            <a:lvl5pPr indent="-304800" lvl="4" marL="2286000">
+            <a:lvl5pPr marL="2286000" lvl="4" indent="-304800">
               <a:spcBef>
                 <a:spcPts val="1600"/>
               </a:spcBef>
@@ -4282,7 +4417,7 @@
               <a:buChar char="○"/>
               <a:defRPr sz="1200"/>
             </a:lvl5pPr>
-            <a:lvl6pPr indent="-304800" lvl="5" marL="2743200">
+            <a:lvl6pPr marL="2743200" lvl="5" indent="-304800">
               <a:spcBef>
                 <a:spcPts val="1600"/>
               </a:spcBef>
@@ -4293,7 +4428,7 @@
               <a:buChar char="■"/>
               <a:defRPr sz="1200"/>
             </a:lvl6pPr>
-            <a:lvl7pPr indent="-304800" lvl="6" marL="3200400">
+            <a:lvl7pPr marL="3200400" lvl="6" indent="-304800">
               <a:spcBef>
                 <a:spcPts val="1600"/>
               </a:spcBef>
@@ -4304,7 +4439,7 @@
               <a:buChar char="●"/>
               <a:defRPr sz="1200"/>
             </a:lvl7pPr>
-            <a:lvl8pPr indent="-304800" lvl="7" marL="3657600">
+            <a:lvl8pPr marL="3657600" lvl="7" indent="-304800">
               <a:spcBef>
                 <a:spcPts val="1600"/>
               </a:spcBef>
@@ -4315,7 +4450,7 @@
               <a:buChar char="○"/>
               <a:defRPr sz="1200"/>
             </a:lvl8pPr>
-            <a:lvl9pPr indent="-304800" lvl="8" marL="4114800">
+            <a:lvl9pPr marL="4114800" lvl="8" indent="-304800">
               <a:spcBef>
                 <a:spcPts val="1600"/>
               </a:spcBef>
@@ -4327,15 +4462,19 @@
               <a:defRPr sz="1200"/>
             </a:lvl9pPr>
           </a:lstStyle>
-          <a:p/>
+          <a:p>
+            <a:endParaRPr/>
+          </a:p>
         </p:txBody>
       </p:sp>
       <p:sp>
         <p:nvSpPr>
           <p:cNvPr id="31" name="Google Shape;31;p7"/>
-          <p:cNvSpPr txBox="1"/>
+          <p:cNvSpPr txBox="1">
+            <a:spLocks noGrp="1"/>
+          </p:cNvSpPr>
           <p:nvPr>
-            <p:ph idx="12" type="sldNum"/>
+            <p:ph type="sldNum" idx="12"/>
           </p:nvPr>
         </p:nvSpPr>
         <p:spPr>
@@ -4348,7 +4487,7 @@
           </a:prstGeom>
         </p:spPr>
         <p:txBody>
-          <a:bodyPr anchorCtr="0" anchor="ctr" bIns="91425" lIns="91425" spcFirstLastPara="1" rIns="91425" wrap="square" tIns="91425">
+          <a:bodyPr spcFirstLastPara="1" wrap="square" lIns="91425" tIns="91425" rIns="91425" bIns="91425" anchor="ctr" anchorCtr="0">
             <a:noAutofit/>
           </a:bodyPr>
           <a:lstStyle>
@@ -4390,7 +4529,7 @@
             </a:lvl9pPr>
           </a:lstStyle>
           <a:p>
-            <a:pPr indent="0" lvl="0" marL="0" rtl="0" algn="r">
+            <a:pPr marL="0" lvl="0" indent="0" algn="r" rtl="0">
               <a:spcBef>
                 <a:spcPts val="0"/>
               </a:spcBef>
@@ -4416,11 +4555,11 @@
 </file>
 
 <file path=ppt/slideLayouts/slideLayout7.xml><?xml version="1.0" encoding="utf-8"?>
-<p:sldLayout xmlns:a="http://schemas.openxmlformats.org/drawingml/2006/main" xmlns:r="http://schemas.openxmlformats.org/officeDocument/2006/relationships" xmlns:mc="http://schemas.openxmlformats.org/markup-compatibility/2006" xmlns:mv="urn:schemas-microsoft-com:mac:vml" xmlns:p="http://schemas.openxmlformats.org/presentationml/2006/main" xmlns:c="http://schemas.openxmlformats.org/drawingml/2006/chart" xmlns:dgm="http://schemas.openxmlformats.org/drawingml/2006/diagram" xmlns:o="urn:schemas-microsoft-com:office:office" xmlns:v="urn:schemas-microsoft-com:vml" xmlns:pvml="urn:schemas-microsoft-com:office:powerpoint" xmlns:com="http://schemas.openxmlformats.org/drawingml/2006/compatibility" xmlns:p14="http://schemas.microsoft.com/office/powerpoint/2010/main" xmlns:p15="http://schemas.microsoft.com/office/powerpoint/2012/main" matchingName="Main point">
+<p:sldLayout xmlns:a="http://schemas.openxmlformats.org/drawingml/2006/main" xmlns:r="http://schemas.openxmlformats.org/officeDocument/2006/relationships" xmlns:p="http://schemas.openxmlformats.org/presentationml/2006/main" matchingName="Main point">
   <p:cSld name="MAIN_POINT">
     <p:spTree>
       <p:nvGrpSpPr>
-        <p:cNvPr id="32" name="Shape 32"/>
+        <p:cNvPr id="1" name="Shape 32"/>
         <p:cNvGrpSpPr/>
         <p:nvPr/>
       </p:nvGrpSpPr>
@@ -4435,7 +4574,9 @@
       <p:sp>
         <p:nvSpPr>
           <p:cNvPr id="33" name="Google Shape;33;p8"/>
-          <p:cNvSpPr txBox="1"/>
+          <p:cNvSpPr txBox="1">
+            <a:spLocks noGrp="1"/>
+          </p:cNvSpPr>
           <p:nvPr>
             <p:ph type="title"/>
           </p:nvPr>
@@ -4450,7 +4591,7 @@
           </a:prstGeom>
         </p:spPr>
         <p:txBody>
-          <a:bodyPr anchorCtr="0" anchor="ctr" bIns="91425" lIns="91425" spcFirstLastPara="1" rIns="91425" wrap="square" tIns="91425">
+          <a:bodyPr spcFirstLastPara="1" wrap="square" lIns="91425" tIns="91425" rIns="91425" bIns="91425" anchor="ctr" anchorCtr="0">
             <a:noAutofit/>
           </a:bodyPr>
           <a:lstStyle>
@@ -4554,15 +4695,19 @@
               <a:defRPr sz="4800"/>
             </a:lvl9pPr>
           </a:lstStyle>
-          <a:p/>
+          <a:p>
+            <a:endParaRPr/>
+          </a:p>
         </p:txBody>
       </p:sp>
       <p:sp>
         <p:nvSpPr>
           <p:cNvPr id="34" name="Google Shape;34;p8"/>
-          <p:cNvSpPr txBox="1"/>
+          <p:cNvSpPr txBox="1">
+            <a:spLocks noGrp="1"/>
+          </p:cNvSpPr>
           <p:nvPr>
-            <p:ph idx="12" type="sldNum"/>
+            <p:ph type="sldNum" idx="12"/>
           </p:nvPr>
         </p:nvSpPr>
         <p:spPr>
@@ -4575,7 +4720,7 @@
           </a:prstGeom>
         </p:spPr>
         <p:txBody>
-          <a:bodyPr anchorCtr="0" anchor="ctr" bIns="91425" lIns="91425" spcFirstLastPara="1" rIns="91425" wrap="square" tIns="91425">
+          <a:bodyPr spcFirstLastPara="1" wrap="square" lIns="91425" tIns="91425" rIns="91425" bIns="91425" anchor="ctr" anchorCtr="0">
             <a:noAutofit/>
           </a:bodyPr>
           <a:lstStyle>
@@ -4617,7 +4762,7 @@
             </a:lvl9pPr>
           </a:lstStyle>
           <a:p>
-            <a:pPr indent="0" lvl="0" marL="0" rtl="0" algn="r">
+            <a:pPr marL="0" lvl="0" indent="0" algn="r" rtl="0">
               <a:spcBef>
                 <a:spcPts val="0"/>
               </a:spcBef>
@@ -4643,11 +4788,11 @@
 </file>
 
 <file path=ppt/slideLayouts/slideLayout8.xml><?xml version="1.0" encoding="utf-8"?>
-<p:sldLayout xmlns:a="http://schemas.openxmlformats.org/drawingml/2006/main" xmlns:r="http://schemas.openxmlformats.org/officeDocument/2006/relationships" xmlns:mc="http://schemas.openxmlformats.org/markup-compatibility/2006" xmlns:mv="urn:schemas-microsoft-com:mac:vml" xmlns:p="http://schemas.openxmlformats.org/presentationml/2006/main" xmlns:c="http://schemas.openxmlformats.org/drawingml/2006/chart" xmlns:dgm="http://schemas.openxmlformats.org/drawingml/2006/diagram" xmlns:o="urn:schemas-microsoft-com:office:office" xmlns:v="urn:schemas-microsoft-com:vml" xmlns:pvml="urn:schemas-microsoft-com:office:powerpoint" xmlns:com="http://schemas.openxmlformats.org/drawingml/2006/compatibility" xmlns:p14="http://schemas.microsoft.com/office/powerpoint/2010/main" xmlns:p15="http://schemas.microsoft.com/office/powerpoint/2012/main" matchingName="Section title and description">
+<p:sldLayout xmlns:a="http://schemas.openxmlformats.org/drawingml/2006/main" xmlns:r="http://schemas.openxmlformats.org/officeDocument/2006/relationships" xmlns:p="http://schemas.openxmlformats.org/presentationml/2006/main" matchingName="Section title and description">
   <p:cSld name="SECTION_TITLE_AND_DESCRIPTION">
     <p:spTree>
       <p:nvGrpSpPr>
-        <p:cNvPr id="35" name="Shape 35"/>
+        <p:cNvPr id="1" name="Shape 35"/>
         <p:cNvGrpSpPr/>
         <p:nvPr/>
       </p:nvGrpSpPr>
@@ -4681,12 +4826,12 @@
           </a:ln>
         </p:spPr>
         <p:txBody>
-          <a:bodyPr anchorCtr="0" anchor="ctr" bIns="91425" lIns="91425" spcFirstLastPara="1" rIns="91425" wrap="square" tIns="91425">
+          <a:bodyPr spcFirstLastPara="1" wrap="square" lIns="91425" tIns="91425" rIns="91425" bIns="91425" anchor="ctr" anchorCtr="0">
             <a:noAutofit/>
           </a:bodyPr>
           <a:lstStyle/>
           <a:p>
-            <a:pPr indent="0" lvl="0" marL="0" rtl="0" algn="l">
+            <a:pPr marL="0" lvl="0" indent="0" algn="l" rtl="0">
               <a:spcBef>
                 <a:spcPts val="0"/>
               </a:spcBef>
@@ -4695,9 +4840,6 @@
               </a:spcAft>
               <a:buNone/>
             </a:pPr>
-            <a:r>
-              <a:t/>
-            </a:r>
             <a:endParaRPr/>
           </a:p>
         </p:txBody>
@@ -4705,7 +4847,9 @@
       <p:sp>
         <p:nvSpPr>
           <p:cNvPr id="37" name="Google Shape;37;p9"/>
-          <p:cNvSpPr txBox="1"/>
+          <p:cNvSpPr txBox="1">
+            <a:spLocks noGrp="1"/>
+          </p:cNvSpPr>
           <p:nvPr>
             <p:ph type="title"/>
           </p:nvPr>
@@ -4720,7 +4864,7 @@
           </a:prstGeom>
         </p:spPr>
         <p:txBody>
-          <a:bodyPr anchorCtr="0" anchor="b" bIns="91425" lIns="91425" spcFirstLastPara="1" rIns="91425" wrap="square" tIns="91425">
+          <a:bodyPr spcFirstLastPara="1" wrap="square" lIns="91425" tIns="91425" rIns="91425" bIns="91425" anchor="b" anchorCtr="0">
             <a:noAutofit/>
           </a:bodyPr>
           <a:lstStyle>
@@ -4824,15 +4968,19 @@
               <a:defRPr sz="4200"/>
             </a:lvl9pPr>
           </a:lstStyle>
-          <a:p/>
+          <a:p>
+            <a:endParaRPr/>
+          </a:p>
         </p:txBody>
       </p:sp>
       <p:sp>
         <p:nvSpPr>
           <p:cNvPr id="38" name="Google Shape;38;p9"/>
-          <p:cNvSpPr txBox="1"/>
+          <p:cNvSpPr txBox="1">
+            <a:spLocks noGrp="1"/>
+          </p:cNvSpPr>
           <p:nvPr>
-            <p:ph idx="1" type="subTitle"/>
+            <p:ph type="subTitle" idx="1"/>
           </p:nvPr>
         </p:nvSpPr>
         <p:spPr>
@@ -4845,7 +4993,7 @@
           </a:prstGeom>
         </p:spPr>
         <p:txBody>
-          <a:bodyPr anchorCtr="0" anchor="t" bIns="91425" lIns="91425" spcFirstLastPara="1" rIns="91425" wrap="square" tIns="91425">
+          <a:bodyPr spcFirstLastPara="1" wrap="square" lIns="91425" tIns="91425" rIns="91425" bIns="91425" anchor="t" anchorCtr="0">
             <a:noAutofit/>
           </a:bodyPr>
           <a:lstStyle>
@@ -4976,15 +5124,19 @@
               <a:defRPr sz="2100"/>
             </a:lvl9pPr>
           </a:lstStyle>
-          <a:p/>
+          <a:p>
+            <a:endParaRPr/>
+          </a:p>
         </p:txBody>
       </p:sp>
       <p:sp>
         <p:nvSpPr>
           <p:cNvPr id="39" name="Google Shape;39;p9"/>
-          <p:cNvSpPr txBox="1"/>
+          <p:cNvSpPr txBox="1">
+            <a:spLocks noGrp="1"/>
+          </p:cNvSpPr>
           <p:nvPr>
-            <p:ph idx="2" type="body"/>
+            <p:ph type="body" idx="2"/>
           </p:nvPr>
         </p:nvSpPr>
         <p:spPr>
@@ -4997,11 +5149,11 @@
           </a:prstGeom>
         </p:spPr>
         <p:txBody>
-          <a:bodyPr anchorCtr="0" anchor="ctr" bIns="91425" lIns="91425" spcFirstLastPara="1" rIns="91425" wrap="square" tIns="91425">
+          <a:bodyPr spcFirstLastPara="1" wrap="square" lIns="91425" tIns="91425" rIns="91425" bIns="91425" anchor="ctr" anchorCtr="0">
             <a:noAutofit/>
           </a:bodyPr>
           <a:lstStyle>
-            <a:lvl1pPr indent="-342900" lvl="0" marL="457200">
+            <a:lvl1pPr marL="457200" lvl="0" indent="-342900">
               <a:spcBef>
                 <a:spcPts val="0"/>
               </a:spcBef>
@@ -5019,7 +5171,7 @@
                 </a:solidFill>
               </a:defRPr>
             </a:lvl1pPr>
-            <a:lvl2pPr indent="-317500" lvl="1" marL="914400">
+            <a:lvl2pPr marL="914400" lvl="1" indent="-317500">
               <a:spcBef>
                 <a:spcPts val="1600"/>
               </a:spcBef>
@@ -5037,7 +5189,7 @@
                 </a:solidFill>
               </a:defRPr>
             </a:lvl2pPr>
-            <a:lvl3pPr indent="-317500" lvl="2" marL="1371600">
+            <a:lvl3pPr marL="1371600" lvl="2" indent="-317500">
               <a:spcBef>
                 <a:spcPts val="1600"/>
               </a:spcBef>
@@ -5055,7 +5207,7 @@
                 </a:solidFill>
               </a:defRPr>
             </a:lvl3pPr>
-            <a:lvl4pPr indent="-317500" lvl="3" marL="1828800">
+            <a:lvl4pPr marL="1828800" lvl="3" indent="-317500">
               <a:spcBef>
                 <a:spcPts val="1600"/>
               </a:spcBef>
@@ -5073,7 +5225,7 @@
                 </a:solidFill>
               </a:defRPr>
             </a:lvl4pPr>
-            <a:lvl5pPr indent="-317500" lvl="4" marL="2286000">
+            <a:lvl5pPr marL="2286000" lvl="4" indent="-317500">
               <a:spcBef>
                 <a:spcPts val="1600"/>
               </a:spcBef>
@@ -5091,7 +5243,7 @@
                 </a:solidFill>
               </a:defRPr>
             </a:lvl5pPr>
-            <a:lvl6pPr indent="-317500" lvl="5" marL="2743200">
+            <a:lvl6pPr marL="2743200" lvl="5" indent="-317500">
               <a:spcBef>
                 <a:spcPts val="1600"/>
               </a:spcBef>
@@ -5109,7 +5261,7 @@
                 </a:solidFill>
               </a:defRPr>
             </a:lvl6pPr>
-            <a:lvl7pPr indent="-317500" lvl="6" marL="3200400">
+            <a:lvl7pPr marL="3200400" lvl="6" indent="-317500">
               <a:spcBef>
                 <a:spcPts val="1600"/>
               </a:spcBef>
@@ -5127,7 +5279,7 @@
                 </a:solidFill>
               </a:defRPr>
             </a:lvl7pPr>
-            <a:lvl8pPr indent="-317500" lvl="7" marL="3657600">
+            <a:lvl8pPr marL="3657600" lvl="7" indent="-317500">
               <a:spcBef>
                 <a:spcPts val="1600"/>
               </a:spcBef>
@@ -5145,7 +5297,7 @@
                 </a:solidFill>
               </a:defRPr>
             </a:lvl8pPr>
-            <a:lvl9pPr indent="-317500" lvl="8" marL="4114800">
+            <a:lvl9pPr marL="4114800" lvl="8" indent="-317500">
               <a:spcBef>
                 <a:spcPts val="1600"/>
               </a:spcBef>
@@ -5164,15 +5316,19 @@
               </a:defRPr>
             </a:lvl9pPr>
           </a:lstStyle>
-          <a:p/>
+          <a:p>
+            <a:endParaRPr/>
+          </a:p>
         </p:txBody>
       </p:sp>
       <p:sp>
         <p:nvSpPr>
           <p:cNvPr id="40" name="Google Shape;40;p9"/>
-          <p:cNvSpPr txBox="1"/>
+          <p:cNvSpPr txBox="1">
+            <a:spLocks noGrp="1"/>
+          </p:cNvSpPr>
           <p:nvPr>
-            <p:ph idx="12" type="sldNum"/>
+            <p:ph type="sldNum" idx="12"/>
           </p:nvPr>
         </p:nvSpPr>
         <p:spPr>
@@ -5185,7 +5341,7 @@
           </a:prstGeom>
         </p:spPr>
         <p:txBody>
-          <a:bodyPr anchorCtr="0" anchor="ctr" bIns="91425" lIns="91425" spcFirstLastPara="1" rIns="91425" wrap="square" tIns="91425">
+          <a:bodyPr spcFirstLastPara="1" wrap="square" lIns="91425" tIns="91425" rIns="91425" bIns="91425" anchor="ctr" anchorCtr="0">
             <a:noAutofit/>
           </a:bodyPr>
           <a:lstStyle>
@@ -5227,7 +5383,7 @@
             </a:lvl9pPr>
           </a:lstStyle>
           <a:p>
-            <a:pPr indent="0" lvl="0" marL="0" rtl="0" algn="r">
+            <a:pPr marL="0" lvl="0" indent="0" algn="r" rtl="0">
               <a:spcBef>
                 <a:spcPts val="0"/>
               </a:spcBef>
@@ -5253,11 +5409,11 @@
 </file>
 
 <file path=ppt/slideLayouts/slideLayout9.xml><?xml version="1.0" encoding="utf-8"?>
-<p:sldLayout xmlns:a="http://schemas.openxmlformats.org/drawingml/2006/main" xmlns:r="http://schemas.openxmlformats.org/officeDocument/2006/relationships" xmlns:mc="http://schemas.openxmlformats.org/markup-compatibility/2006" xmlns:mv="urn:schemas-microsoft-com:mac:vml" xmlns:p="http://schemas.openxmlformats.org/presentationml/2006/main" xmlns:c="http://schemas.openxmlformats.org/drawingml/2006/chart" xmlns:dgm="http://schemas.openxmlformats.org/drawingml/2006/diagram" xmlns:o="urn:schemas-microsoft-com:office:office" xmlns:v="urn:schemas-microsoft-com:vml" xmlns:pvml="urn:schemas-microsoft-com:office:powerpoint" xmlns:com="http://schemas.openxmlformats.org/drawingml/2006/compatibility" xmlns:p14="http://schemas.microsoft.com/office/powerpoint/2010/main" xmlns:p15="http://schemas.microsoft.com/office/powerpoint/2012/main" matchingName="Caption">
+<p:sldLayout xmlns:a="http://schemas.openxmlformats.org/drawingml/2006/main" xmlns:r="http://schemas.openxmlformats.org/officeDocument/2006/relationships" xmlns:p="http://schemas.openxmlformats.org/presentationml/2006/main" matchingName="Caption">
   <p:cSld name="CAPTION_ONLY">
     <p:spTree>
       <p:nvGrpSpPr>
-        <p:cNvPr id="41" name="Shape 41"/>
+        <p:cNvPr id="1" name="Shape 41"/>
         <p:cNvGrpSpPr/>
         <p:nvPr/>
       </p:nvGrpSpPr>
@@ -5272,9 +5428,11 @@
       <p:sp>
         <p:nvSpPr>
           <p:cNvPr id="42" name="Google Shape;42;p10"/>
-          <p:cNvSpPr txBox="1"/>
+          <p:cNvSpPr txBox="1">
+            <a:spLocks noGrp="1"/>
+          </p:cNvSpPr>
           <p:nvPr>
-            <p:ph idx="1" type="body"/>
+            <p:ph type="body" idx="1"/>
           </p:nvPr>
         </p:nvSpPr>
         <p:spPr>
@@ -5287,11 +5445,11 @@
           </a:prstGeom>
         </p:spPr>
         <p:txBody>
-          <a:bodyPr anchorCtr="0" anchor="ctr" bIns="91425" lIns="91425" spcFirstLastPara="1" rIns="91425" wrap="square" tIns="91425">
+          <a:bodyPr spcFirstLastPara="1" wrap="square" lIns="91425" tIns="91425" rIns="91425" bIns="91425" anchor="ctr" anchorCtr="0">
             <a:noAutofit/>
           </a:bodyPr>
           <a:lstStyle>
-            <a:lvl1pPr indent="-228600" lvl="0" marL="457200">
+            <a:lvl1pPr marL="457200" lvl="0" indent="-228600">
               <a:lnSpc>
                 <a:spcPct val="100000"/>
               </a:lnSpc>
@@ -5306,15 +5464,19 @@
               <a:defRPr/>
             </a:lvl1pPr>
           </a:lstStyle>
-          <a:p/>
+          <a:p>
+            <a:endParaRPr/>
+          </a:p>
         </p:txBody>
       </p:sp>
       <p:sp>
         <p:nvSpPr>
           <p:cNvPr id="43" name="Google Shape;43;p10"/>
-          <p:cNvSpPr txBox="1"/>
+          <p:cNvSpPr txBox="1">
+            <a:spLocks noGrp="1"/>
+          </p:cNvSpPr>
           <p:nvPr>
-            <p:ph idx="12" type="sldNum"/>
+            <p:ph type="sldNum" idx="12"/>
           </p:nvPr>
         </p:nvSpPr>
         <p:spPr>
@@ -5327,7 +5489,7 @@
           </a:prstGeom>
         </p:spPr>
         <p:txBody>
-          <a:bodyPr anchorCtr="0" anchor="ctr" bIns="91425" lIns="91425" spcFirstLastPara="1" rIns="91425" wrap="square" tIns="91425">
+          <a:bodyPr spcFirstLastPara="1" wrap="square" lIns="91425" tIns="91425" rIns="91425" bIns="91425" anchor="ctr" anchorCtr="0">
             <a:noAutofit/>
           </a:bodyPr>
           <a:lstStyle>
@@ -5369,7 +5531,7 @@
             </a:lvl9pPr>
           </a:lstStyle>
           <a:p>
-            <a:pPr indent="0" lvl="0" marL="0" rtl="0" algn="r">
+            <a:pPr marL="0" lvl="0" indent="0" algn="r" rtl="0">
               <a:spcBef>
                 <a:spcPts val="0"/>
               </a:spcBef>
@@ -5395,18 +5557,19 @@
 </file>
 
 <file path=ppt/slideMasters/slideMaster1.xml><?xml version="1.0" encoding="utf-8"?>
-<p:sldMaster xmlns:a="http://schemas.openxmlformats.org/drawingml/2006/main" xmlns:r="http://schemas.openxmlformats.org/officeDocument/2006/relationships" xmlns:mc="http://schemas.openxmlformats.org/markup-compatibility/2006" xmlns:mv="urn:schemas-microsoft-com:mac:vml" xmlns:p="http://schemas.openxmlformats.org/presentationml/2006/main" xmlns:c="http://schemas.openxmlformats.org/drawingml/2006/chart" xmlns:dgm="http://schemas.openxmlformats.org/drawingml/2006/diagram" xmlns:o="urn:schemas-microsoft-com:office:office" xmlns:v="urn:schemas-microsoft-com:vml" xmlns:pvml="urn:schemas-microsoft-com:office:powerpoint" xmlns:com="http://schemas.openxmlformats.org/drawingml/2006/compatibility" xmlns:p14="http://schemas.microsoft.com/office/powerpoint/2010/main" xmlns:p15="http://schemas.microsoft.com/office/powerpoint/2012/main">
+<p:sldMaster xmlns:a="http://schemas.openxmlformats.org/drawingml/2006/main" xmlns:r="http://schemas.openxmlformats.org/officeDocument/2006/relationships" xmlns:p="http://schemas.openxmlformats.org/presentationml/2006/main">
   <p:cSld name="simple-dark-2">
     <p:bg>
       <p:bgPr>
         <a:solidFill>
           <a:schemeClr val="lt1"/>
         </a:solidFill>
+        <a:effectLst/>
       </p:bgPr>
     </p:bg>
     <p:spTree>
       <p:nvGrpSpPr>
-        <p:cNvPr id="5" name="Shape 5"/>
+        <p:cNvPr id="1" name="Shape 5"/>
         <p:cNvGrpSpPr/>
         <p:nvPr/>
       </p:nvGrpSpPr>
@@ -5421,7 +5584,9 @@
       <p:sp>
         <p:nvSpPr>
           <p:cNvPr id="6" name="Google Shape;6;p1"/>
-          <p:cNvSpPr txBox="1"/>
+          <p:cNvSpPr txBox="1">
+            <a:spLocks noGrp="1"/>
+          </p:cNvSpPr>
           <p:nvPr>
             <p:ph type="title"/>
           </p:nvPr>
@@ -5440,7 +5605,7 @@
           </a:ln>
         </p:spPr>
         <p:txBody>
-          <a:bodyPr anchorCtr="0" anchor="t" bIns="91425" lIns="91425" spcFirstLastPara="1" rIns="91425" wrap="square" tIns="91425">
+          <a:bodyPr spcFirstLastPara="1" wrap="square" lIns="91425" tIns="91425" rIns="91425" bIns="91425" anchor="t" anchorCtr="0">
             <a:noAutofit/>
           </a:bodyPr>
           <a:lstStyle>
@@ -5607,15 +5772,19 @@
               </a:defRPr>
             </a:lvl9pPr>
           </a:lstStyle>
-          <a:p/>
+          <a:p>
+            <a:endParaRPr/>
+          </a:p>
         </p:txBody>
       </p:sp>
       <p:sp>
         <p:nvSpPr>
           <p:cNvPr id="7" name="Google Shape;7;p1"/>
-          <p:cNvSpPr txBox="1"/>
+          <p:cNvSpPr txBox="1">
+            <a:spLocks noGrp="1"/>
+          </p:cNvSpPr>
           <p:nvPr>
-            <p:ph idx="1" type="body"/>
+            <p:ph type="body" idx="1"/>
           </p:nvPr>
         </p:nvSpPr>
         <p:spPr>
@@ -5632,11 +5801,11 @@
           </a:ln>
         </p:spPr>
         <p:txBody>
-          <a:bodyPr anchorCtr="0" anchor="t" bIns="91425" lIns="91425" spcFirstLastPara="1" rIns="91425" wrap="square" tIns="91425">
+          <a:bodyPr spcFirstLastPara="1" wrap="square" lIns="91425" tIns="91425" rIns="91425" bIns="91425" anchor="t" anchorCtr="0">
             <a:noAutofit/>
           </a:bodyPr>
           <a:lstStyle>
-            <a:lvl1pPr indent="-342900" lvl="0" marL="457200">
+            <a:lvl1pPr marL="457200" lvl="0" indent="-342900">
               <a:lnSpc>
                 <a:spcPct val="115000"/>
               </a:lnSpc>
@@ -5657,7 +5826,7 @@
                 </a:solidFill>
               </a:defRPr>
             </a:lvl1pPr>
-            <a:lvl2pPr indent="-317500" lvl="1" marL="914400">
+            <a:lvl2pPr marL="914400" lvl="1" indent="-317500">
               <a:lnSpc>
                 <a:spcPct val="115000"/>
               </a:lnSpc>
@@ -5678,7 +5847,7 @@
                 </a:solidFill>
               </a:defRPr>
             </a:lvl2pPr>
-            <a:lvl3pPr indent="-317500" lvl="2" marL="1371600">
+            <a:lvl3pPr marL="1371600" lvl="2" indent="-317500">
               <a:lnSpc>
                 <a:spcPct val="115000"/>
               </a:lnSpc>
@@ -5699,7 +5868,7 @@
                 </a:solidFill>
               </a:defRPr>
             </a:lvl3pPr>
-            <a:lvl4pPr indent="-317500" lvl="3" marL="1828800">
+            <a:lvl4pPr marL="1828800" lvl="3" indent="-317500">
               <a:lnSpc>
                 <a:spcPct val="115000"/>
               </a:lnSpc>
@@ -5720,7 +5889,7 @@
                 </a:solidFill>
               </a:defRPr>
             </a:lvl4pPr>
-            <a:lvl5pPr indent="-317500" lvl="4" marL="2286000">
+            <a:lvl5pPr marL="2286000" lvl="4" indent="-317500">
               <a:lnSpc>
                 <a:spcPct val="115000"/>
               </a:lnSpc>
@@ -5741,7 +5910,7 @@
                 </a:solidFill>
               </a:defRPr>
             </a:lvl5pPr>
-            <a:lvl6pPr indent="-317500" lvl="5" marL="2743200">
+            <a:lvl6pPr marL="2743200" lvl="5" indent="-317500">
               <a:lnSpc>
                 <a:spcPct val="115000"/>
               </a:lnSpc>
@@ -5762,7 +5931,7 @@
                 </a:solidFill>
               </a:defRPr>
             </a:lvl6pPr>
-            <a:lvl7pPr indent="-317500" lvl="6" marL="3200400">
+            <a:lvl7pPr marL="3200400" lvl="6" indent="-317500">
               <a:lnSpc>
                 <a:spcPct val="115000"/>
               </a:lnSpc>
@@ -5783,7 +5952,7 @@
                 </a:solidFill>
               </a:defRPr>
             </a:lvl7pPr>
-            <a:lvl8pPr indent="-317500" lvl="7" marL="3657600">
+            <a:lvl8pPr marL="3657600" lvl="7" indent="-317500">
               <a:lnSpc>
                 <a:spcPct val="115000"/>
               </a:lnSpc>
@@ -5804,7 +5973,7 @@
                 </a:solidFill>
               </a:defRPr>
             </a:lvl8pPr>
-            <a:lvl9pPr indent="-317500" lvl="8" marL="4114800">
+            <a:lvl9pPr marL="4114800" lvl="8" indent="-317500">
               <a:lnSpc>
                 <a:spcPct val="115000"/>
               </a:lnSpc>
@@ -5826,15 +5995,19 @@
               </a:defRPr>
             </a:lvl9pPr>
           </a:lstStyle>
-          <a:p/>
+          <a:p>
+            <a:endParaRPr/>
+          </a:p>
         </p:txBody>
       </p:sp>
       <p:sp>
         <p:nvSpPr>
           <p:cNvPr id="8" name="Google Shape;8;p1"/>
-          <p:cNvSpPr txBox="1"/>
+          <p:cNvSpPr txBox="1">
+            <a:spLocks noGrp="1"/>
+          </p:cNvSpPr>
           <p:nvPr>
-            <p:ph idx="12" type="sldNum"/>
+            <p:ph type="sldNum" idx="12"/>
           </p:nvPr>
         </p:nvSpPr>
         <p:spPr>
@@ -5851,7 +6024,7 @@
           </a:ln>
         </p:spPr>
         <p:txBody>
-          <a:bodyPr anchorCtr="0" anchor="ctr" bIns="91425" lIns="91425" spcFirstLastPara="1" rIns="91425" wrap="square" tIns="91425">
+          <a:bodyPr spcFirstLastPara="1" wrap="square" lIns="91425" tIns="91425" rIns="91425" bIns="91425" anchor="ctr" anchorCtr="0">
             <a:noAutofit/>
           </a:bodyPr>
           <a:lstStyle>
@@ -5929,7 +6102,7 @@
             </a:lvl9pPr>
           </a:lstStyle>
           <a:p>
-            <a:pPr indent="0" lvl="0" marL="0" rtl="0" algn="r">
+            <a:pPr marL="0" lvl="0" indent="0" algn="r" rtl="0">
               <a:spcBef>
                 <a:spcPts val="0"/>
               </a:spcBef>
@@ -5948,7 +6121,7 @@
       </p:sp>
     </p:spTree>
   </p:cSld>
-  <p:clrMap accent1="accent1" accent2="accent2" accent3="accent3" accent4="accent4" accent5="accent5" accent6="accent6" bg1="lt1" bg2="dk2" tx1="dk1" tx2="lt2" folHlink="folHlink" hlink="hlink"/>
+  <p:clrMap bg1="lt1" tx1="dk1" bg2="dk2" tx2="lt2" accent1="accent1" accent2="accent2" accent3="accent3" accent4="accent4" accent5="accent5" accent6="accent6" hlink="hlink" folHlink="folHlink"/>
   <p:sldLayoutIdLst>
     <p:sldLayoutId id="2147483648" r:id="rId1"/>
     <p:sldLayoutId id="2147483649" r:id="rId2"/>
@@ -5962,10 +6135,10 @@
     <p:sldLayoutId id="2147483657" r:id="rId10"/>
     <p:sldLayoutId id="2147483658" r:id="rId11"/>
   </p:sldLayoutIdLst>
-  <p:hf dt="0" ftr="0" hdr="0" sldNum="0"/>
+  <p:hf sldNum="0" hdr="0" ftr="0" dt="0"/>
   <p:txStyles>
     <p:titleStyle>
-      <a:defPPr lvl="0" marR="0" rtl="0" algn="l">
+      <a:defPPr marR="0" lvl="0" algn="l" rtl="0">
         <a:lnSpc>
           <a:spcPct val="100000"/>
         </a:lnSpc>
@@ -5976,7 +6149,7 @@
           <a:spcPts val="0"/>
         </a:spcAft>
       </a:defPPr>
-      <a:lvl1pPr lvl="0" marR="0" rtl="0" algn="l">
+      <a:lvl1pPr marR="0" lvl="0" algn="l" rtl="0">
         <a:lnSpc>
           <a:spcPct val="100000"/>
         </a:lnSpc>
@@ -5990,7 +6163,7 @@
           <a:srgbClr val="000000"/>
         </a:buClr>
         <a:buFont typeface="Arial"/>
-        <a:defRPr b="0" i="0" sz="1400" u="none" cap="none" strike="noStrike">
+        <a:defRPr sz="1400" b="0" i="0" u="none" strike="noStrike" cap="none">
           <a:solidFill>
             <a:srgbClr val="000000"/>
           </a:solidFill>
@@ -6000,7 +6173,7 @@
           <a:sym typeface="Arial"/>
         </a:defRPr>
       </a:lvl1pPr>
-      <a:lvl2pPr lvl="1" marR="0" rtl="0" algn="l">
+      <a:lvl2pPr marR="0" lvl="1" algn="l" rtl="0">
         <a:lnSpc>
           <a:spcPct val="100000"/>
         </a:lnSpc>
@@ -6014,7 +6187,7 @@
           <a:srgbClr val="000000"/>
         </a:buClr>
         <a:buFont typeface="Arial"/>
-        <a:defRPr b="0" i="0" sz="1400" u="none" cap="none" strike="noStrike">
+        <a:defRPr sz="1400" b="0" i="0" u="none" strike="noStrike" cap="none">
           <a:solidFill>
             <a:srgbClr val="000000"/>
           </a:solidFill>
@@ -6024,7 +6197,7 @@
           <a:sym typeface="Arial"/>
         </a:defRPr>
       </a:lvl2pPr>
-      <a:lvl3pPr lvl="2" marR="0" rtl="0" algn="l">
+      <a:lvl3pPr marR="0" lvl="2" algn="l" rtl="0">
         <a:lnSpc>
           <a:spcPct val="100000"/>
         </a:lnSpc>
@@ -6038,7 +6211,7 @@
           <a:srgbClr val="000000"/>
         </a:buClr>
         <a:buFont typeface="Arial"/>
-        <a:defRPr b="0" i="0" sz="1400" u="none" cap="none" strike="noStrike">
+        <a:defRPr sz="1400" b="0" i="0" u="none" strike="noStrike" cap="none">
           <a:solidFill>
             <a:srgbClr val="000000"/>
           </a:solidFill>
@@ -6048,7 +6221,7 @@
           <a:sym typeface="Arial"/>
         </a:defRPr>
       </a:lvl3pPr>
-      <a:lvl4pPr lvl="3" marR="0" rtl="0" algn="l">
+      <a:lvl4pPr marR="0" lvl="3" algn="l" rtl="0">
         <a:lnSpc>
           <a:spcPct val="100000"/>
         </a:lnSpc>
@@ -6062,7 +6235,7 @@
           <a:srgbClr val="000000"/>
         </a:buClr>
         <a:buFont typeface="Arial"/>
-        <a:defRPr b="0" i="0" sz="1400" u="none" cap="none" strike="noStrike">
+        <a:defRPr sz="1400" b="0" i="0" u="none" strike="noStrike" cap="none">
           <a:solidFill>
             <a:srgbClr val="000000"/>
           </a:solidFill>
@@ -6072,7 +6245,7 @@
           <a:sym typeface="Arial"/>
         </a:defRPr>
       </a:lvl4pPr>
-      <a:lvl5pPr lvl="4" marR="0" rtl="0" algn="l">
+      <a:lvl5pPr marR="0" lvl="4" algn="l" rtl="0">
         <a:lnSpc>
           <a:spcPct val="100000"/>
         </a:lnSpc>
@@ -6086,7 +6259,7 @@
           <a:srgbClr val="000000"/>
         </a:buClr>
         <a:buFont typeface="Arial"/>
-        <a:defRPr b="0" i="0" sz="1400" u="none" cap="none" strike="noStrike">
+        <a:defRPr sz="1400" b="0" i="0" u="none" strike="noStrike" cap="none">
           <a:solidFill>
             <a:srgbClr val="000000"/>
           </a:solidFill>
@@ -6096,7 +6269,7 @@
           <a:sym typeface="Arial"/>
         </a:defRPr>
       </a:lvl5pPr>
-      <a:lvl6pPr lvl="5" marR="0" rtl="0" algn="l">
+      <a:lvl6pPr marR="0" lvl="5" algn="l" rtl="0">
         <a:lnSpc>
           <a:spcPct val="100000"/>
         </a:lnSpc>
@@ -6110,7 +6283,7 @@
           <a:srgbClr val="000000"/>
         </a:buClr>
         <a:buFont typeface="Arial"/>
-        <a:defRPr b="0" i="0" sz="1400" u="none" cap="none" strike="noStrike">
+        <a:defRPr sz="1400" b="0" i="0" u="none" strike="noStrike" cap="none">
           <a:solidFill>
             <a:srgbClr val="000000"/>
           </a:solidFill>
@@ -6120,7 +6293,7 @@
           <a:sym typeface="Arial"/>
         </a:defRPr>
       </a:lvl6pPr>
-      <a:lvl7pPr lvl="6" marR="0" rtl="0" algn="l">
+      <a:lvl7pPr marR="0" lvl="6" algn="l" rtl="0">
         <a:lnSpc>
           <a:spcPct val="100000"/>
         </a:lnSpc>
@@ -6134,7 +6307,7 @@
           <a:srgbClr val="000000"/>
         </a:buClr>
         <a:buFont typeface="Arial"/>
-        <a:defRPr b="0" i="0" sz="1400" u="none" cap="none" strike="noStrike">
+        <a:defRPr sz="1400" b="0" i="0" u="none" strike="noStrike" cap="none">
           <a:solidFill>
             <a:srgbClr val="000000"/>
           </a:solidFill>
@@ -6144,7 +6317,7 @@
           <a:sym typeface="Arial"/>
         </a:defRPr>
       </a:lvl7pPr>
-      <a:lvl8pPr lvl="7" marR="0" rtl="0" algn="l">
+      <a:lvl8pPr marR="0" lvl="7" algn="l" rtl="0">
         <a:lnSpc>
           <a:spcPct val="100000"/>
         </a:lnSpc>
@@ -6158,7 +6331,7 @@
           <a:srgbClr val="000000"/>
         </a:buClr>
         <a:buFont typeface="Arial"/>
-        <a:defRPr b="0" i="0" sz="1400" u="none" cap="none" strike="noStrike">
+        <a:defRPr sz="1400" b="0" i="0" u="none" strike="noStrike" cap="none">
           <a:solidFill>
             <a:srgbClr val="000000"/>
           </a:solidFill>
@@ -6168,7 +6341,7 @@
           <a:sym typeface="Arial"/>
         </a:defRPr>
       </a:lvl8pPr>
-      <a:lvl9pPr lvl="8" marR="0" rtl="0" algn="l">
+      <a:lvl9pPr marR="0" lvl="8" algn="l" rtl="0">
         <a:lnSpc>
           <a:spcPct val="100000"/>
         </a:lnSpc>
@@ -6182,7 +6355,7 @@
           <a:srgbClr val="000000"/>
         </a:buClr>
         <a:buFont typeface="Arial"/>
-        <a:defRPr b="0" i="0" sz="1400" u="none" cap="none" strike="noStrike">
+        <a:defRPr sz="1400" b="0" i="0" u="none" strike="noStrike" cap="none">
           <a:solidFill>
             <a:srgbClr val="000000"/>
           </a:solidFill>
@@ -6194,7 +6367,7 @@
       </a:lvl9pPr>
     </p:titleStyle>
     <p:bodyStyle>
-      <a:defPPr lvl="0" marR="0" rtl="0" algn="l">
+      <a:defPPr marR="0" lvl="0" algn="l" rtl="0">
         <a:lnSpc>
           <a:spcPct val="100000"/>
         </a:lnSpc>
@@ -6205,7 +6378,7 @@
           <a:spcPts val="0"/>
         </a:spcAft>
       </a:defPPr>
-      <a:lvl1pPr lvl="0" marR="0" rtl="0" algn="l">
+      <a:lvl1pPr marR="0" lvl="0" algn="l" rtl="0">
         <a:lnSpc>
           <a:spcPct val="100000"/>
         </a:lnSpc>
@@ -6219,7 +6392,7 @@
           <a:srgbClr val="000000"/>
         </a:buClr>
         <a:buFont typeface="Arial"/>
-        <a:defRPr b="0" i="0" sz="1400" u="none" cap="none" strike="noStrike">
+        <a:defRPr sz="1400" b="0" i="0" u="none" strike="noStrike" cap="none">
           <a:solidFill>
             <a:srgbClr val="000000"/>
           </a:solidFill>
@@ -6229,7 +6402,7 @@
           <a:sym typeface="Arial"/>
         </a:defRPr>
       </a:lvl1pPr>
-      <a:lvl2pPr lvl="1" marR="0" rtl="0" algn="l">
+      <a:lvl2pPr marR="0" lvl="1" algn="l" rtl="0">
         <a:lnSpc>
           <a:spcPct val="100000"/>
         </a:lnSpc>
@@ -6243,7 +6416,7 @@
           <a:srgbClr val="000000"/>
         </a:buClr>
         <a:buFont typeface="Arial"/>
-        <a:defRPr b="0" i="0" sz="1400" u="none" cap="none" strike="noStrike">
+        <a:defRPr sz="1400" b="0" i="0" u="none" strike="noStrike" cap="none">
           <a:solidFill>
             <a:srgbClr val="000000"/>
           </a:solidFill>
@@ -6253,7 +6426,7 @@
           <a:sym typeface="Arial"/>
         </a:defRPr>
       </a:lvl2pPr>
-      <a:lvl3pPr lvl="2" marR="0" rtl="0" algn="l">
+      <a:lvl3pPr marR="0" lvl="2" algn="l" rtl="0">
         <a:lnSpc>
           <a:spcPct val="100000"/>
         </a:lnSpc>
@@ -6267,7 +6440,7 @@
           <a:srgbClr val="000000"/>
         </a:buClr>
         <a:buFont typeface="Arial"/>
-        <a:defRPr b="0" i="0" sz="1400" u="none" cap="none" strike="noStrike">
+        <a:defRPr sz="1400" b="0" i="0" u="none" strike="noStrike" cap="none">
           <a:solidFill>
             <a:srgbClr val="000000"/>
           </a:solidFill>
@@ -6277,7 +6450,7 @@
           <a:sym typeface="Arial"/>
         </a:defRPr>
       </a:lvl3pPr>
-      <a:lvl4pPr lvl="3" marR="0" rtl="0" algn="l">
+      <a:lvl4pPr marR="0" lvl="3" algn="l" rtl="0">
         <a:lnSpc>
           <a:spcPct val="100000"/>
         </a:lnSpc>
@@ -6291,7 +6464,7 @@
           <a:srgbClr val="000000"/>
         </a:buClr>
         <a:buFont typeface="Arial"/>
-        <a:defRPr b="0" i="0" sz="1400" u="none" cap="none" strike="noStrike">
+        <a:defRPr sz="1400" b="0" i="0" u="none" strike="noStrike" cap="none">
           <a:solidFill>
             <a:srgbClr val="000000"/>
           </a:solidFill>
@@ -6301,7 +6474,7 @@
           <a:sym typeface="Arial"/>
         </a:defRPr>
       </a:lvl4pPr>
-      <a:lvl5pPr lvl="4" marR="0" rtl="0" algn="l">
+      <a:lvl5pPr marR="0" lvl="4" algn="l" rtl="0">
         <a:lnSpc>
           <a:spcPct val="100000"/>
         </a:lnSpc>
@@ -6315,7 +6488,7 @@
           <a:srgbClr val="000000"/>
         </a:buClr>
         <a:buFont typeface="Arial"/>
-        <a:defRPr b="0" i="0" sz="1400" u="none" cap="none" strike="noStrike">
+        <a:defRPr sz="1400" b="0" i="0" u="none" strike="noStrike" cap="none">
           <a:solidFill>
             <a:srgbClr val="000000"/>
           </a:solidFill>
@@ -6325,7 +6498,7 @@
           <a:sym typeface="Arial"/>
         </a:defRPr>
       </a:lvl5pPr>
-      <a:lvl6pPr lvl="5" marR="0" rtl="0" algn="l">
+      <a:lvl6pPr marR="0" lvl="5" algn="l" rtl="0">
         <a:lnSpc>
           <a:spcPct val="100000"/>
         </a:lnSpc>
@@ -6339,7 +6512,7 @@
           <a:srgbClr val="000000"/>
         </a:buClr>
         <a:buFont typeface="Arial"/>
-        <a:defRPr b="0" i="0" sz="1400" u="none" cap="none" strike="noStrike">
+        <a:defRPr sz="1400" b="0" i="0" u="none" strike="noStrike" cap="none">
           <a:solidFill>
             <a:srgbClr val="000000"/>
           </a:solidFill>
@@ -6349,7 +6522,7 @@
           <a:sym typeface="Arial"/>
         </a:defRPr>
       </a:lvl6pPr>
-      <a:lvl7pPr lvl="6" marR="0" rtl="0" algn="l">
+      <a:lvl7pPr marR="0" lvl="6" algn="l" rtl="0">
         <a:lnSpc>
           <a:spcPct val="100000"/>
         </a:lnSpc>
@@ -6363,7 +6536,7 @@
           <a:srgbClr val="000000"/>
         </a:buClr>
         <a:buFont typeface="Arial"/>
-        <a:defRPr b="0" i="0" sz="1400" u="none" cap="none" strike="noStrike">
+        <a:defRPr sz="1400" b="0" i="0" u="none" strike="noStrike" cap="none">
           <a:solidFill>
             <a:srgbClr val="000000"/>
           </a:solidFill>
@@ -6373,7 +6546,7 @@
           <a:sym typeface="Arial"/>
         </a:defRPr>
       </a:lvl7pPr>
-      <a:lvl8pPr lvl="7" marR="0" rtl="0" algn="l">
+      <a:lvl8pPr marR="0" lvl="7" algn="l" rtl="0">
         <a:lnSpc>
           <a:spcPct val="100000"/>
         </a:lnSpc>
@@ -6387,7 +6560,7 @@
           <a:srgbClr val="000000"/>
         </a:buClr>
         <a:buFont typeface="Arial"/>
-        <a:defRPr b="0" i="0" sz="1400" u="none" cap="none" strike="noStrike">
+        <a:defRPr sz="1400" b="0" i="0" u="none" strike="noStrike" cap="none">
           <a:solidFill>
             <a:srgbClr val="000000"/>
           </a:solidFill>
@@ -6397,7 +6570,7 @@
           <a:sym typeface="Arial"/>
         </a:defRPr>
       </a:lvl8pPr>
-      <a:lvl9pPr lvl="8" marR="0" rtl="0" algn="l">
+      <a:lvl9pPr marR="0" lvl="8" algn="l" rtl="0">
         <a:lnSpc>
           <a:spcPct val="100000"/>
         </a:lnSpc>
@@ -6411,7 +6584,7 @@
           <a:srgbClr val="000000"/>
         </a:buClr>
         <a:buFont typeface="Arial"/>
-        <a:defRPr b="0" i="0" sz="1400" u="none" cap="none" strike="noStrike">
+        <a:defRPr sz="1400" b="0" i="0" u="none" strike="noStrike" cap="none">
           <a:solidFill>
             <a:srgbClr val="000000"/>
           </a:solidFill>
@@ -6423,7 +6596,7 @@
       </a:lvl9pPr>
     </p:bodyStyle>
     <p:otherStyle>
-      <a:defPPr lvl="0" marR="0" rtl="0" algn="l">
+      <a:defPPr marR="0" lvl="0" algn="l" rtl="0">
         <a:lnSpc>
           <a:spcPct val="100000"/>
         </a:lnSpc>
@@ -6434,7 +6607,7 @@
           <a:spcPts val="0"/>
         </a:spcAft>
       </a:defPPr>
-      <a:lvl1pPr lvl="0" marR="0" rtl="0" algn="l">
+      <a:lvl1pPr marR="0" lvl="0" algn="l" rtl="0">
         <a:lnSpc>
           <a:spcPct val="100000"/>
         </a:lnSpc>
@@ -6448,7 +6621,7 @@
           <a:srgbClr val="000000"/>
         </a:buClr>
         <a:buFont typeface="Arial"/>
-        <a:defRPr b="0" i="0" sz="1400" u="none" cap="none" strike="noStrike">
+        <a:defRPr sz="1400" b="0" i="0" u="none" strike="noStrike" cap="none">
           <a:solidFill>
             <a:srgbClr val="000000"/>
           </a:solidFill>
@@ -6458,7 +6631,7 @@
           <a:sym typeface="Arial"/>
         </a:defRPr>
       </a:lvl1pPr>
-      <a:lvl2pPr lvl="1" marR="0" rtl="0" algn="l">
+      <a:lvl2pPr marR="0" lvl="1" algn="l" rtl="0">
         <a:lnSpc>
           <a:spcPct val="100000"/>
         </a:lnSpc>
@@ -6472,7 +6645,7 @@
           <a:srgbClr val="000000"/>
         </a:buClr>
         <a:buFont typeface="Arial"/>
-        <a:defRPr b="0" i="0" sz="1400" u="none" cap="none" strike="noStrike">
+        <a:defRPr sz="1400" b="0" i="0" u="none" strike="noStrike" cap="none">
           <a:solidFill>
             <a:srgbClr val="000000"/>
           </a:solidFill>
@@ -6482,7 +6655,7 @@
           <a:sym typeface="Arial"/>
         </a:defRPr>
       </a:lvl2pPr>
-      <a:lvl3pPr lvl="2" marR="0" rtl="0" algn="l">
+      <a:lvl3pPr marR="0" lvl="2" algn="l" rtl="0">
         <a:lnSpc>
           <a:spcPct val="100000"/>
         </a:lnSpc>
@@ -6496,7 +6669,7 @@
           <a:srgbClr val="000000"/>
         </a:buClr>
         <a:buFont typeface="Arial"/>
-        <a:defRPr b="0" i="0" sz="1400" u="none" cap="none" strike="noStrike">
+        <a:defRPr sz="1400" b="0" i="0" u="none" strike="noStrike" cap="none">
           <a:solidFill>
             <a:srgbClr val="000000"/>
           </a:solidFill>
@@ -6506,7 +6679,7 @@
           <a:sym typeface="Arial"/>
         </a:defRPr>
       </a:lvl3pPr>
-      <a:lvl4pPr lvl="3" marR="0" rtl="0" algn="l">
+      <a:lvl4pPr marR="0" lvl="3" algn="l" rtl="0">
         <a:lnSpc>
           <a:spcPct val="100000"/>
         </a:lnSpc>
@@ -6520,7 +6693,7 @@
           <a:srgbClr val="000000"/>
         </a:buClr>
         <a:buFont typeface="Arial"/>
-        <a:defRPr b="0" i="0" sz="1400" u="none" cap="none" strike="noStrike">
+        <a:defRPr sz="1400" b="0" i="0" u="none" strike="noStrike" cap="none">
           <a:solidFill>
             <a:srgbClr val="000000"/>
           </a:solidFill>
@@ -6530,7 +6703,7 @@
           <a:sym typeface="Arial"/>
         </a:defRPr>
       </a:lvl4pPr>
-      <a:lvl5pPr lvl="4" marR="0" rtl="0" algn="l">
+      <a:lvl5pPr marR="0" lvl="4" algn="l" rtl="0">
         <a:lnSpc>
           <a:spcPct val="100000"/>
         </a:lnSpc>
@@ -6544,7 +6717,7 @@
           <a:srgbClr val="000000"/>
         </a:buClr>
         <a:buFont typeface="Arial"/>
-        <a:defRPr b="0" i="0" sz="1400" u="none" cap="none" strike="noStrike">
+        <a:defRPr sz="1400" b="0" i="0" u="none" strike="noStrike" cap="none">
           <a:solidFill>
             <a:srgbClr val="000000"/>
           </a:solidFill>
@@ -6554,7 +6727,7 @@
           <a:sym typeface="Arial"/>
         </a:defRPr>
       </a:lvl5pPr>
-      <a:lvl6pPr lvl="5" marR="0" rtl="0" algn="l">
+      <a:lvl6pPr marR="0" lvl="5" algn="l" rtl="0">
         <a:lnSpc>
           <a:spcPct val="100000"/>
         </a:lnSpc>
@@ -6568,7 +6741,7 @@
           <a:srgbClr val="000000"/>
         </a:buClr>
         <a:buFont typeface="Arial"/>
-        <a:defRPr b="0" i="0" sz="1400" u="none" cap="none" strike="noStrike">
+        <a:defRPr sz="1400" b="0" i="0" u="none" strike="noStrike" cap="none">
           <a:solidFill>
             <a:srgbClr val="000000"/>
           </a:solidFill>
@@ -6578,7 +6751,7 @@
           <a:sym typeface="Arial"/>
         </a:defRPr>
       </a:lvl6pPr>
-      <a:lvl7pPr lvl="6" marR="0" rtl="0" algn="l">
+      <a:lvl7pPr marR="0" lvl="6" algn="l" rtl="0">
         <a:lnSpc>
           <a:spcPct val="100000"/>
         </a:lnSpc>
@@ -6592,7 +6765,7 @@
           <a:srgbClr val="000000"/>
         </a:buClr>
         <a:buFont typeface="Arial"/>
-        <a:defRPr b="0" i="0" sz="1400" u="none" cap="none" strike="noStrike">
+        <a:defRPr sz="1400" b="0" i="0" u="none" strike="noStrike" cap="none">
           <a:solidFill>
             <a:srgbClr val="000000"/>
           </a:solidFill>
@@ -6602,7 +6775,7 @@
           <a:sym typeface="Arial"/>
         </a:defRPr>
       </a:lvl7pPr>
-      <a:lvl8pPr lvl="7" marR="0" rtl="0" algn="l">
+      <a:lvl8pPr marR="0" lvl="7" algn="l" rtl="0">
         <a:lnSpc>
           <a:spcPct val="100000"/>
         </a:lnSpc>
@@ -6616,7 +6789,7 @@
           <a:srgbClr val="000000"/>
         </a:buClr>
         <a:buFont typeface="Arial"/>
-        <a:defRPr b="0" i="0" sz="1400" u="none" cap="none" strike="noStrike">
+        <a:defRPr sz="1400" b="0" i="0" u="none" strike="noStrike" cap="none">
           <a:solidFill>
             <a:srgbClr val="000000"/>
           </a:solidFill>
@@ -6626,7 +6799,7 @@
           <a:sym typeface="Arial"/>
         </a:defRPr>
       </a:lvl8pPr>
-      <a:lvl9pPr lvl="8" marR="0" rtl="0" algn="l">
+      <a:lvl9pPr marR="0" lvl="8" algn="l" rtl="0">
         <a:lnSpc>
           <a:spcPct val="100000"/>
         </a:lnSpc>
@@ -6640,7 +6813,7 @@
           <a:srgbClr val="000000"/>
         </a:buClr>
         <a:buFont typeface="Arial"/>
-        <a:defRPr b="0" i="0" sz="1400" u="none" cap="none" strike="noStrike">
+        <a:defRPr sz="1400" b="0" i="0" u="none" strike="noStrike" cap="none">
           <a:solidFill>
             <a:srgbClr val="000000"/>
           </a:solidFill>
@@ -6656,18 +6829,19 @@
 </file>
 
 <file path=ppt/slides/slide1.xml><?xml version="1.0" encoding="utf-8"?>
-<p:sld xmlns:a="http://schemas.openxmlformats.org/drawingml/2006/main" xmlns:r="http://schemas.openxmlformats.org/officeDocument/2006/relationships" xmlns:mc="http://schemas.openxmlformats.org/markup-compatibility/2006" xmlns:mv="urn:schemas-microsoft-com:mac:vml" xmlns:p="http://schemas.openxmlformats.org/presentationml/2006/main" xmlns:c="http://schemas.openxmlformats.org/drawingml/2006/chart" xmlns:dgm="http://schemas.openxmlformats.org/drawingml/2006/diagram" xmlns:o="urn:schemas-microsoft-com:office:office" xmlns:v="urn:schemas-microsoft-com:vml" xmlns:pvml="urn:schemas-microsoft-com:office:powerpoint" xmlns:com="http://schemas.openxmlformats.org/drawingml/2006/compatibility" xmlns:p14="http://schemas.microsoft.com/office/powerpoint/2010/main" xmlns:p15="http://schemas.microsoft.com/office/powerpoint/2012/main">
+<p:sld xmlns:a="http://schemas.openxmlformats.org/drawingml/2006/main" xmlns:r="http://schemas.openxmlformats.org/officeDocument/2006/relationships" xmlns:p="http://schemas.openxmlformats.org/presentationml/2006/main">
   <p:cSld>
     <p:bg>
       <p:bgPr>
         <a:solidFill>
           <a:srgbClr val="000000"/>
         </a:solidFill>
+        <a:effectLst/>
       </p:bgPr>
     </p:bg>
     <p:spTree>
       <p:nvGrpSpPr>
-        <p:cNvPr id="53" name="Shape 53"/>
+        <p:cNvPr id="1" name="Shape 53"/>
         <p:cNvGrpSpPr/>
         <p:nvPr/>
       </p:nvGrpSpPr>
@@ -6682,7 +6856,9 @@
       <p:sp>
         <p:nvSpPr>
           <p:cNvPr id="54" name="Google Shape;54;p13"/>
-          <p:cNvSpPr txBox="1"/>
+          <p:cNvSpPr txBox="1">
+            <a:spLocks noGrp="1"/>
+          </p:cNvSpPr>
           <p:nvPr>
             <p:ph type="ctrTitle"/>
           </p:nvPr>
@@ -6697,12 +6873,12 @@
           </a:prstGeom>
         </p:spPr>
         <p:txBody>
-          <a:bodyPr anchorCtr="0" anchor="b" bIns="91425" lIns="91425" spcFirstLastPara="1" rIns="91425" wrap="square" tIns="91425">
+          <a:bodyPr spcFirstLastPara="1" wrap="square" lIns="91425" tIns="91425" rIns="91425" bIns="91425" anchor="b" anchorCtr="0">
             <a:noAutofit/>
           </a:bodyPr>
           <a:lstStyle/>
           <a:p>
-            <a:pPr indent="0" lvl="0" marL="0" rtl="0" algn="ctr">
+            <a:pPr marL="0" lvl="0" indent="0" algn="ctr" rtl="0">
               <a:spcBef>
                 <a:spcPts val="0"/>
               </a:spcBef>
@@ -6712,19 +6888,21 @@
               <a:buNone/>
             </a:pPr>
             <a:r>
-              <a:rPr lang="en"/>
-              <a:t>Internet Trackers vs. Extensions and Browsers</a:t>
+              <a:rPr lang="en-US" dirty="0"/>
+              <a:t>Tracking Tracker Blockers: Privacy Software Review</a:t>
             </a:r>
-            <a:endParaRPr/>
+            <a:endParaRPr dirty="0"/>
           </a:p>
         </p:txBody>
       </p:sp>
       <p:sp>
         <p:nvSpPr>
           <p:cNvPr id="55" name="Google Shape;55;p13"/>
-          <p:cNvSpPr txBox="1"/>
+          <p:cNvSpPr txBox="1">
+            <a:spLocks noGrp="1"/>
+          </p:cNvSpPr>
           <p:nvPr>
-            <p:ph idx="1" type="subTitle"/>
+            <p:ph type="subTitle" idx="1"/>
           </p:nvPr>
         </p:nvSpPr>
         <p:spPr>
@@ -6737,12 +6915,12 @@
           </a:prstGeom>
         </p:spPr>
         <p:txBody>
-          <a:bodyPr anchorCtr="0" anchor="t" bIns="91425" lIns="91425" spcFirstLastPara="1" rIns="91425" wrap="square" tIns="91425">
+          <a:bodyPr spcFirstLastPara="1" wrap="square" lIns="91425" tIns="91425" rIns="91425" bIns="91425" anchor="t" anchorCtr="0">
             <a:noAutofit/>
           </a:bodyPr>
           <a:lstStyle/>
           <a:p>
-            <a:pPr indent="0" lvl="0" marL="0" rtl="0" algn="ctr">
+            <a:pPr marL="0" lvl="0" indent="0" algn="ctr" rtl="0">
               <a:spcBef>
                 <a:spcPts val="0"/>
               </a:spcBef>
@@ -6766,7 +6944,7 @@
             </a:endParaRPr>
           </a:p>
           <a:p>
-            <a:pPr indent="0" lvl="0" marL="0" rtl="0" algn="ctr">
+            <a:pPr marL="0" lvl="0" indent="0" algn="ctr" rtl="0">
               <a:spcBef>
                 <a:spcPts val="0"/>
               </a:spcBef>
@@ -6790,7 +6968,7 @@
             </a:endParaRPr>
           </a:p>
           <a:p>
-            <a:pPr indent="0" lvl="0" marL="0" rtl="0" algn="ctr">
+            <a:pPr marL="0" lvl="0" indent="0" algn="ctr" rtl="0">
               <a:spcBef>
                 <a:spcPts val="0"/>
               </a:spcBef>
@@ -6829,18 +7007,19 @@
 </file>
 
 <file path=ppt/slides/slide10.xml><?xml version="1.0" encoding="utf-8"?>
-<p:sld xmlns:a="http://schemas.openxmlformats.org/drawingml/2006/main" xmlns:r="http://schemas.openxmlformats.org/officeDocument/2006/relationships" xmlns:mc="http://schemas.openxmlformats.org/markup-compatibility/2006" xmlns:mv="urn:schemas-microsoft-com:mac:vml" xmlns:p="http://schemas.openxmlformats.org/presentationml/2006/main" xmlns:c="http://schemas.openxmlformats.org/drawingml/2006/chart" xmlns:dgm="http://schemas.openxmlformats.org/drawingml/2006/diagram" xmlns:o="urn:schemas-microsoft-com:office:office" xmlns:v="urn:schemas-microsoft-com:vml" xmlns:pvml="urn:schemas-microsoft-com:office:powerpoint" xmlns:com="http://schemas.openxmlformats.org/drawingml/2006/compatibility" xmlns:p14="http://schemas.microsoft.com/office/powerpoint/2010/main" xmlns:p15="http://schemas.microsoft.com/office/powerpoint/2012/main">
+<p:sld xmlns:a="http://schemas.openxmlformats.org/drawingml/2006/main" xmlns:r="http://schemas.openxmlformats.org/officeDocument/2006/relationships" xmlns:p="http://schemas.openxmlformats.org/presentationml/2006/main">
   <p:cSld>
     <p:bg>
       <p:bgPr>
         <a:solidFill>
           <a:srgbClr val="000000"/>
         </a:solidFill>
+        <a:effectLst/>
       </p:bgPr>
     </p:bg>
     <p:spTree>
       <p:nvGrpSpPr>
-        <p:cNvPr id="124" name="Shape 124"/>
+        <p:cNvPr id="1" name="Shape 124"/>
         <p:cNvGrpSpPr/>
         <p:nvPr/>
       </p:nvGrpSpPr>
@@ -6855,9 +7034,11 @@
       <p:sp>
         <p:nvSpPr>
           <p:cNvPr id="125" name="Google Shape;125;p22"/>
-          <p:cNvSpPr txBox="1"/>
+          <p:cNvSpPr txBox="1">
+            <a:spLocks noGrp="1"/>
+          </p:cNvSpPr>
           <p:nvPr>
-            <p:ph idx="1" type="body"/>
+            <p:ph type="body" idx="1"/>
           </p:nvPr>
         </p:nvSpPr>
         <p:spPr>
@@ -6870,12 +7051,12 @@
           </a:prstGeom>
         </p:spPr>
         <p:txBody>
-          <a:bodyPr anchorCtr="0" anchor="t" bIns="91425" lIns="91425" spcFirstLastPara="1" rIns="91425" wrap="square" tIns="91425">
+          <a:bodyPr spcFirstLastPara="1" wrap="square" lIns="91425" tIns="91425" rIns="91425" bIns="91425" anchor="t" anchorCtr="0">
             <a:noAutofit/>
           </a:bodyPr>
           <a:lstStyle/>
           <a:p>
-            <a:pPr indent="-342900" lvl="0" marL="457200" rtl="0" algn="l">
+            <a:pPr marL="457200" lvl="0" indent="-342900" algn="l" rtl="0">
               <a:spcBef>
                 <a:spcPts val="0"/>
               </a:spcBef>
@@ -6903,7 +7084,7 @@
             </a:endParaRPr>
           </a:p>
           <a:p>
-            <a:pPr indent="-317500" lvl="1" marL="914400" rtl="0" algn="l">
+            <a:pPr marL="914400" lvl="1" indent="-317500" algn="l" rtl="0">
               <a:spcBef>
                 <a:spcPts val="0"/>
               </a:spcBef>
@@ -6931,7 +7112,7 @@
             </a:endParaRPr>
           </a:p>
           <a:p>
-            <a:pPr indent="-317500" lvl="1" marL="914400" rtl="0" algn="l">
+            <a:pPr marL="914400" lvl="1" indent="-317500" algn="l" rtl="0">
               <a:spcBef>
                 <a:spcPts val="0"/>
               </a:spcBef>
@@ -6959,7 +7140,7 @@
             </a:endParaRPr>
           </a:p>
           <a:p>
-            <a:pPr indent="-317500" lvl="1" marL="914400" rtl="0" algn="l">
+            <a:pPr marL="914400" lvl="1" indent="-317500" algn="l" rtl="0">
               <a:spcBef>
                 <a:spcPts val="0"/>
               </a:spcBef>
@@ -6987,7 +7168,7 @@
             </a:endParaRPr>
           </a:p>
           <a:p>
-            <a:pPr indent="-342900" lvl="0" marL="457200" rtl="0" algn="l">
+            <a:pPr marL="457200" lvl="0" indent="-342900" algn="l" rtl="0">
               <a:spcBef>
                 <a:spcPts val="0"/>
               </a:spcBef>
@@ -7015,7 +7196,7 @@
             </a:endParaRPr>
           </a:p>
           <a:p>
-            <a:pPr indent="-342900" lvl="0" marL="457200" rtl="0" algn="l">
+            <a:pPr marL="457200" lvl="0" indent="-342900" algn="l" rtl="0">
               <a:spcBef>
                 <a:spcPts val="0"/>
               </a:spcBef>
@@ -7043,7 +7224,7 @@
             </a:endParaRPr>
           </a:p>
           <a:p>
-            <a:pPr indent="-342900" lvl="0" marL="457200" rtl="0" algn="l">
+            <a:pPr marL="457200" lvl="0" indent="-342900" algn="l" rtl="0">
               <a:spcBef>
                 <a:spcPts val="0"/>
               </a:spcBef>
@@ -7075,7 +7256,9 @@
       <p:sp>
         <p:nvSpPr>
           <p:cNvPr id="126" name="Google Shape;126;p22"/>
-          <p:cNvSpPr txBox="1"/>
+          <p:cNvSpPr txBox="1">
+            <a:spLocks noGrp="1"/>
+          </p:cNvSpPr>
           <p:nvPr>
             <p:ph type="title"/>
           </p:nvPr>
@@ -7090,12 +7273,12 @@
           </a:prstGeom>
         </p:spPr>
         <p:txBody>
-          <a:bodyPr anchorCtr="0" anchor="t" bIns="91425" lIns="91425" spcFirstLastPara="1" rIns="91425" wrap="square" tIns="91425">
+          <a:bodyPr spcFirstLastPara="1" wrap="square" lIns="91425" tIns="91425" rIns="91425" bIns="91425" anchor="t" anchorCtr="0">
             <a:noAutofit/>
           </a:bodyPr>
           <a:lstStyle/>
           <a:p>
-            <a:pPr indent="0" lvl="0" marL="0" rtl="0" algn="l">
+            <a:pPr marL="0" lvl="0" indent="0" algn="l" rtl="0">
               <a:spcBef>
                 <a:spcPts val="0"/>
               </a:spcBef>
@@ -7121,18 +7304,19 @@
 </file>
 
 <file path=ppt/slides/slide11.xml><?xml version="1.0" encoding="utf-8"?>
-<p:sld xmlns:a="http://schemas.openxmlformats.org/drawingml/2006/main" xmlns:r="http://schemas.openxmlformats.org/officeDocument/2006/relationships" xmlns:mc="http://schemas.openxmlformats.org/markup-compatibility/2006" xmlns:mv="urn:schemas-microsoft-com:mac:vml" xmlns:p="http://schemas.openxmlformats.org/presentationml/2006/main" xmlns:c="http://schemas.openxmlformats.org/drawingml/2006/chart" xmlns:dgm="http://schemas.openxmlformats.org/drawingml/2006/diagram" xmlns:o="urn:schemas-microsoft-com:office:office" xmlns:v="urn:schemas-microsoft-com:vml" xmlns:pvml="urn:schemas-microsoft-com:office:powerpoint" xmlns:com="http://schemas.openxmlformats.org/drawingml/2006/compatibility" xmlns:p14="http://schemas.microsoft.com/office/powerpoint/2010/main" xmlns:p15="http://schemas.microsoft.com/office/powerpoint/2012/main">
+<p:sld xmlns:a="http://schemas.openxmlformats.org/drawingml/2006/main" xmlns:r="http://schemas.openxmlformats.org/officeDocument/2006/relationships" xmlns:p="http://schemas.openxmlformats.org/presentationml/2006/main">
   <p:cSld>
     <p:bg>
       <p:bgPr>
         <a:solidFill>
           <a:srgbClr val="000000"/>
         </a:solidFill>
+        <a:effectLst/>
       </p:bgPr>
     </p:bg>
     <p:spTree>
       <p:nvGrpSpPr>
-        <p:cNvPr id="130" name="Shape 130"/>
+        <p:cNvPr id="1" name="Shape 130"/>
         <p:cNvGrpSpPr/>
         <p:nvPr/>
       </p:nvGrpSpPr>
@@ -7147,7 +7331,9 @@
       <p:sp>
         <p:nvSpPr>
           <p:cNvPr id="131" name="Google Shape;131;p23"/>
-          <p:cNvSpPr txBox="1"/>
+          <p:cNvSpPr txBox="1">
+            <a:spLocks noGrp="1"/>
+          </p:cNvSpPr>
           <p:nvPr>
             <p:ph type="title"/>
           </p:nvPr>
@@ -7162,12 +7348,12 @@
           </a:prstGeom>
         </p:spPr>
         <p:txBody>
-          <a:bodyPr anchorCtr="0" anchor="t" bIns="91425" lIns="91425" spcFirstLastPara="1" rIns="91425" wrap="square" tIns="91425">
+          <a:bodyPr spcFirstLastPara="1" wrap="square" lIns="91425" tIns="91425" rIns="91425" bIns="91425" anchor="t" anchorCtr="0">
             <a:noAutofit/>
           </a:bodyPr>
           <a:lstStyle/>
           <a:p>
-            <a:pPr indent="0" lvl="0" marL="0" rtl="0" algn="l">
+            <a:pPr marL="0" lvl="0" indent="0" algn="l" rtl="0">
               <a:spcBef>
                 <a:spcPts val="0"/>
               </a:spcBef>
@@ -7187,9 +7373,11 @@
       <p:sp>
         <p:nvSpPr>
           <p:cNvPr id="132" name="Google Shape;132;p23"/>
-          <p:cNvSpPr txBox="1"/>
+          <p:cNvSpPr txBox="1">
+            <a:spLocks noGrp="1"/>
+          </p:cNvSpPr>
           <p:nvPr>
-            <p:ph idx="1" type="body"/>
+            <p:ph type="body" idx="1"/>
           </p:nvPr>
         </p:nvSpPr>
         <p:spPr>
@@ -7202,12 +7390,12 @@
           </a:prstGeom>
         </p:spPr>
         <p:txBody>
-          <a:bodyPr anchorCtr="0" anchor="t" bIns="91425" lIns="91425" spcFirstLastPara="1" rIns="91425" wrap="square" tIns="91425">
+          <a:bodyPr spcFirstLastPara="1" wrap="square" lIns="91425" tIns="91425" rIns="91425" bIns="91425" anchor="t" anchorCtr="0">
             <a:noAutofit/>
           </a:bodyPr>
           <a:lstStyle/>
           <a:p>
-            <a:pPr indent="-342900" lvl="0" marL="457200" rtl="0" algn="l">
+            <a:pPr marL="457200" lvl="0" indent="-342900" algn="l" rtl="0">
               <a:spcBef>
                 <a:spcPts val="0"/>
               </a:spcBef>
@@ -7235,7 +7423,7 @@
             </a:endParaRPr>
           </a:p>
           <a:p>
-            <a:pPr indent="-342900" lvl="0" marL="457200" rtl="0" algn="l">
+            <a:pPr marL="457200" lvl="0" indent="-342900" algn="l" rtl="0">
               <a:spcBef>
                 <a:spcPts val="0"/>
               </a:spcBef>
@@ -7263,7 +7451,7 @@
             </a:endParaRPr>
           </a:p>
           <a:p>
-            <a:pPr indent="-342900" lvl="0" marL="457200" rtl="0" algn="l">
+            <a:pPr marL="457200" lvl="0" indent="-342900" algn="l" rtl="0">
               <a:spcBef>
                 <a:spcPts val="0"/>
               </a:spcBef>
@@ -7301,18 +7489,19 @@
 </file>
 
 <file path=ppt/slides/slide12.xml><?xml version="1.0" encoding="utf-8"?>
-<p:sld xmlns:a="http://schemas.openxmlformats.org/drawingml/2006/main" xmlns:r="http://schemas.openxmlformats.org/officeDocument/2006/relationships" xmlns:mc="http://schemas.openxmlformats.org/markup-compatibility/2006" xmlns:mv="urn:schemas-microsoft-com:mac:vml" xmlns:p="http://schemas.openxmlformats.org/presentationml/2006/main" xmlns:c="http://schemas.openxmlformats.org/drawingml/2006/chart" xmlns:dgm="http://schemas.openxmlformats.org/drawingml/2006/diagram" xmlns:o="urn:schemas-microsoft-com:office:office" xmlns:v="urn:schemas-microsoft-com:vml" xmlns:pvml="urn:schemas-microsoft-com:office:powerpoint" xmlns:com="http://schemas.openxmlformats.org/drawingml/2006/compatibility" xmlns:p14="http://schemas.microsoft.com/office/powerpoint/2010/main" xmlns:p15="http://schemas.microsoft.com/office/powerpoint/2012/main">
+<p:sld xmlns:a="http://schemas.openxmlformats.org/drawingml/2006/main" xmlns:r="http://schemas.openxmlformats.org/officeDocument/2006/relationships" xmlns:p="http://schemas.openxmlformats.org/presentationml/2006/main">
   <p:cSld>
     <p:bg>
       <p:bgPr>
         <a:solidFill>
           <a:srgbClr val="000000"/>
         </a:solidFill>
+        <a:effectLst/>
       </p:bgPr>
     </p:bg>
     <p:spTree>
       <p:nvGrpSpPr>
-        <p:cNvPr id="136" name="Shape 136"/>
+        <p:cNvPr id="1" name="Shape 136"/>
         <p:cNvGrpSpPr/>
         <p:nvPr/>
       </p:nvGrpSpPr>
@@ -7327,7 +7516,9 @@
       <p:sp>
         <p:nvSpPr>
           <p:cNvPr id="137" name="Google Shape;137;p24"/>
-          <p:cNvSpPr txBox="1"/>
+          <p:cNvSpPr txBox="1">
+            <a:spLocks noGrp="1"/>
+          </p:cNvSpPr>
           <p:nvPr>
             <p:ph type="title"/>
           </p:nvPr>
@@ -7342,12 +7533,12 @@
           </a:prstGeom>
         </p:spPr>
         <p:txBody>
-          <a:bodyPr anchorCtr="0" anchor="t" bIns="91425" lIns="91425" spcFirstLastPara="1" rIns="91425" wrap="square" tIns="91425">
+          <a:bodyPr spcFirstLastPara="1" wrap="square" lIns="91425" tIns="91425" rIns="91425" bIns="91425" anchor="t" anchorCtr="0">
             <a:noAutofit/>
           </a:bodyPr>
           <a:lstStyle/>
           <a:p>
-            <a:pPr indent="0" lvl="0" marL="0" rtl="0" algn="l">
+            <a:pPr marL="0" lvl="0" indent="0" algn="l" rtl="0">
               <a:spcBef>
                 <a:spcPts val="0"/>
               </a:spcBef>
@@ -7367,9 +7558,11 @@
       <p:sp>
         <p:nvSpPr>
           <p:cNvPr id="138" name="Google Shape;138;p24"/>
-          <p:cNvSpPr txBox="1"/>
+          <p:cNvSpPr txBox="1">
+            <a:spLocks noGrp="1"/>
+          </p:cNvSpPr>
           <p:nvPr>
-            <p:ph idx="1" type="body"/>
+            <p:ph type="body" idx="1"/>
           </p:nvPr>
         </p:nvSpPr>
         <p:spPr>
@@ -7382,12 +7575,12 @@
           </a:prstGeom>
         </p:spPr>
         <p:txBody>
-          <a:bodyPr anchorCtr="0" anchor="t" bIns="91425" lIns="91425" spcFirstLastPara="1" rIns="91425" wrap="square" tIns="91425">
+          <a:bodyPr spcFirstLastPara="1" wrap="square" lIns="91425" tIns="91425" rIns="91425" bIns="91425" anchor="t" anchorCtr="0">
             <a:noAutofit/>
           </a:bodyPr>
           <a:lstStyle/>
           <a:p>
-            <a:pPr indent="0" lvl="0" marL="0" rtl="0" algn="l">
+            <a:pPr marL="0" lvl="0" indent="0" algn="l" rtl="0">
               <a:spcBef>
                 <a:spcPts val="0"/>
               </a:spcBef>
@@ -7411,7 +7604,7 @@
             </a:endParaRPr>
           </a:p>
           <a:p>
-            <a:pPr indent="0" lvl="0" marL="0" rtl="0" algn="l">
+            <a:pPr marL="0" lvl="0" indent="0" algn="l" rtl="0">
               <a:spcBef>
                 <a:spcPts val="0"/>
               </a:spcBef>
@@ -7420,9 +7613,6 @@
               </a:spcAft>
               <a:buNone/>
             </a:pPr>
-            <a:r>
-              <a:t/>
-            </a:r>
             <a:endParaRPr sz="1400">
               <a:solidFill>
                 <a:schemeClr val="dk1"/>
@@ -7430,7 +7620,7 @@
             </a:endParaRPr>
           </a:p>
           <a:p>
-            <a:pPr indent="0" lvl="0" marL="0" rtl="0" algn="l">
+            <a:pPr marL="0" lvl="0" indent="0" algn="l" rtl="0">
               <a:spcBef>
                 <a:spcPts val="0"/>
               </a:spcBef>
@@ -7448,7 +7638,7 @@
               <a:t>[2] S. Traverso, M. Trevisan, L. Giannantoni, M. Mellia and H. Metwalley, "Benchmark and comparison of tracker-blockers: Should you trust them?," </a:t>
             </a:r>
             <a:r>
-              <a:rPr i="1" lang="en">
+              <a:rPr lang="en" i="1">
                 <a:solidFill>
                   <a:schemeClr val="dk1"/>
                 </a:solidFill>
@@ -7470,7 +7660,7 @@
             </a:endParaRPr>
           </a:p>
           <a:p>
-            <a:pPr indent="0" lvl="0" marL="0" rtl="0" algn="l">
+            <a:pPr marL="0" lvl="0" indent="0" algn="l" rtl="0">
               <a:spcBef>
                 <a:spcPts val="0"/>
               </a:spcBef>
@@ -7479,9 +7669,6 @@
               </a:spcAft>
               <a:buNone/>
             </a:pPr>
-            <a:r>
-              <a:t/>
-            </a:r>
             <a:endParaRPr sz="1400">
               <a:solidFill>
                 <a:schemeClr val="dk1"/>
@@ -7489,7 +7676,7 @@
             </a:endParaRPr>
           </a:p>
           <a:p>
-            <a:pPr indent="0" lvl="0" marL="0" rtl="0" algn="l">
+            <a:pPr marL="0" lvl="0" indent="0" algn="l" rtl="0">
               <a:spcBef>
                 <a:spcPts val="0"/>
               </a:spcBef>
@@ -7523,18 +7710,19 @@
 </file>
 
 <file path=ppt/slides/slide2.xml><?xml version="1.0" encoding="utf-8"?>
-<p:sld xmlns:a="http://schemas.openxmlformats.org/drawingml/2006/main" xmlns:r="http://schemas.openxmlformats.org/officeDocument/2006/relationships" xmlns:mc="http://schemas.openxmlformats.org/markup-compatibility/2006" xmlns:mv="urn:schemas-microsoft-com:mac:vml" xmlns:p="http://schemas.openxmlformats.org/presentationml/2006/main" xmlns:c="http://schemas.openxmlformats.org/drawingml/2006/chart" xmlns:dgm="http://schemas.openxmlformats.org/drawingml/2006/diagram" xmlns:o="urn:schemas-microsoft-com:office:office" xmlns:v="urn:schemas-microsoft-com:vml" xmlns:pvml="urn:schemas-microsoft-com:office:powerpoint" xmlns:com="http://schemas.openxmlformats.org/drawingml/2006/compatibility" xmlns:p14="http://schemas.microsoft.com/office/powerpoint/2010/main" xmlns:p15="http://schemas.microsoft.com/office/powerpoint/2012/main">
+<p:sld xmlns:a="http://schemas.openxmlformats.org/drawingml/2006/main" xmlns:r="http://schemas.openxmlformats.org/officeDocument/2006/relationships" xmlns:p="http://schemas.openxmlformats.org/presentationml/2006/main">
   <p:cSld>
     <p:bg>
       <p:bgPr>
         <a:solidFill>
           <a:srgbClr val="000000"/>
         </a:solidFill>
+        <a:effectLst/>
       </p:bgPr>
     </p:bg>
     <p:spTree>
       <p:nvGrpSpPr>
-        <p:cNvPr id="59" name="Shape 59"/>
+        <p:cNvPr id="1" name="Shape 59"/>
         <p:cNvGrpSpPr/>
         <p:nvPr/>
       </p:nvGrpSpPr>
@@ -7549,7 +7737,9 @@
       <p:sp>
         <p:nvSpPr>
           <p:cNvPr id="60" name="Google Shape;60;p14"/>
-          <p:cNvSpPr txBox="1"/>
+          <p:cNvSpPr txBox="1">
+            <a:spLocks noGrp="1"/>
+          </p:cNvSpPr>
           <p:nvPr>
             <p:ph type="title"/>
           </p:nvPr>
@@ -7564,12 +7754,12 @@
           </a:prstGeom>
         </p:spPr>
         <p:txBody>
-          <a:bodyPr anchorCtr="0" anchor="t" bIns="91425" lIns="91425" spcFirstLastPara="1" rIns="91425" wrap="square" tIns="91425">
+          <a:bodyPr spcFirstLastPara="1" wrap="square" lIns="91425" tIns="91425" rIns="91425" bIns="91425" anchor="t" anchorCtr="0">
             <a:noAutofit/>
           </a:bodyPr>
           <a:lstStyle/>
           <a:p>
-            <a:pPr indent="0" lvl="0" marL="0" rtl="0" algn="l">
+            <a:pPr marL="0" lvl="0" indent="0" algn="l" rtl="0">
               <a:spcBef>
                 <a:spcPts val="0"/>
               </a:spcBef>
@@ -7589,9 +7779,11 @@
       <p:sp>
         <p:nvSpPr>
           <p:cNvPr id="61" name="Google Shape;61;p14"/>
-          <p:cNvSpPr txBox="1"/>
+          <p:cNvSpPr txBox="1">
+            <a:spLocks noGrp="1"/>
+          </p:cNvSpPr>
           <p:nvPr>
-            <p:ph idx="1" type="body"/>
+            <p:ph type="body" idx="1"/>
           </p:nvPr>
         </p:nvSpPr>
         <p:spPr>
@@ -7604,12 +7796,12 @@
           </a:prstGeom>
         </p:spPr>
         <p:txBody>
-          <a:bodyPr anchorCtr="0" anchor="t" bIns="91425" lIns="91425" spcFirstLastPara="1" rIns="91425" wrap="square" tIns="91425">
+          <a:bodyPr spcFirstLastPara="1" wrap="square" lIns="91425" tIns="91425" rIns="91425" bIns="91425" anchor="t" anchorCtr="0">
             <a:noAutofit/>
           </a:bodyPr>
           <a:lstStyle/>
           <a:p>
-            <a:pPr indent="-342900" lvl="0" marL="457200" rtl="0" algn="l">
+            <a:pPr marL="457200" lvl="0" indent="-342900" algn="l" rtl="0">
               <a:spcBef>
                 <a:spcPts val="0"/>
               </a:spcBef>
@@ -7637,7 +7829,7 @@
             </a:endParaRPr>
           </a:p>
           <a:p>
-            <a:pPr indent="-317500" lvl="1" marL="914400" rtl="0" algn="l">
+            <a:pPr marL="914400" lvl="1" indent="-317500" algn="l" rtl="0">
               <a:spcBef>
                 <a:spcPts val="0"/>
               </a:spcBef>
@@ -7665,7 +7857,7 @@
             </a:endParaRPr>
           </a:p>
           <a:p>
-            <a:pPr indent="-317500" lvl="1" marL="914400" rtl="0" algn="l">
+            <a:pPr marL="914400" lvl="1" indent="-317500" algn="l" rtl="0">
               <a:spcBef>
                 <a:spcPts val="0"/>
               </a:spcBef>
@@ -7693,7 +7885,7 @@
             </a:endParaRPr>
           </a:p>
           <a:p>
-            <a:pPr indent="-342900" lvl="0" marL="457200" rtl="0" algn="l">
+            <a:pPr marL="457200" lvl="0" indent="-342900" algn="l" rtl="0">
               <a:spcBef>
                 <a:spcPts val="0"/>
               </a:spcBef>
@@ -7721,7 +7913,7 @@
             </a:endParaRPr>
           </a:p>
           <a:p>
-            <a:pPr indent="-317500" lvl="1" marL="914400" rtl="0" algn="l">
+            <a:pPr marL="914400" lvl="1" indent="-317500" algn="l" rtl="0">
               <a:spcBef>
                 <a:spcPts val="0"/>
               </a:spcBef>
@@ -7749,7 +7941,7 @@
             </a:endParaRPr>
           </a:p>
           <a:p>
-            <a:pPr indent="-317500" lvl="1" marL="914400" rtl="0" algn="l">
+            <a:pPr marL="914400" lvl="1" indent="-317500" algn="l" rtl="0">
               <a:spcBef>
                 <a:spcPts val="0"/>
               </a:spcBef>
@@ -7777,7 +7969,7 @@
             </a:endParaRPr>
           </a:p>
           <a:p>
-            <a:pPr indent="-342900" lvl="0" marL="457200" rtl="0" algn="l">
+            <a:pPr marL="457200" lvl="0" indent="-342900" algn="l" rtl="0">
               <a:spcBef>
                 <a:spcPts val="0"/>
               </a:spcBef>
@@ -7805,7 +7997,7 @@
             </a:endParaRPr>
           </a:p>
           <a:p>
-            <a:pPr indent="-317500" lvl="1" marL="914400" rtl="0" algn="l">
+            <a:pPr marL="914400" lvl="1" indent="-317500" algn="l" rtl="0">
               <a:spcBef>
                 <a:spcPts val="0"/>
               </a:spcBef>
@@ -7871,18 +8063,19 @@
 </file>
 
 <file path=ppt/slides/slide3.xml><?xml version="1.0" encoding="utf-8"?>
-<p:sld xmlns:a="http://schemas.openxmlformats.org/drawingml/2006/main" xmlns:r="http://schemas.openxmlformats.org/officeDocument/2006/relationships" xmlns:mc="http://schemas.openxmlformats.org/markup-compatibility/2006" xmlns:mv="urn:schemas-microsoft-com:mac:vml" xmlns:p="http://schemas.openxmlformats.org/presentationml/2006/main" xmlns:c="http://schemas.openxmlformats.org/drawingml/2006/chart" xmlns:dgm="http://schemas.openxmlformats.org/drawingml/2006/diagram" xmlns:o="urn:schemas-microsoft-com:office:office" xmlns:v="urn:schemas-microsoft-com:vml" xmlns:pvml="urn:schemas-microsoft-com:office:powerpoint" xmlns:com="http://schemas.openxmlformats.org/drawingml/2006/compatibility" xmlns:p14="http://schemas.microsoft.com/office/powerpoint/2010/main" xmlns:p15="http://schemas.microsoft.com/office/powerpoint/2012/main">
+<p:sld xmlns:a="http://schemas.openxmlformats.org/drawingml/2006/main" xmlns:r="http://schemas.openxmlformats.org/officeDocument/2006/relationships" xmlns:p="http://schemas.openxmlformats.org/presentationml/2006/main">
   <p:cSld>
     <p:bg>
       <p:bgPr>
         <a:solidFill>
           <a:srgbClr val="000000"/>
         </a:solidFill>
+        <a:effectLst/>
       </p:bgPr>
     </p:bg>
     <p:spTree>
       <p:nvGrpSpPr>
-        <p:cNvPr id="66" name="Shape 66"/>
+        <p:cNvPr id="1" name="Shape 66"/>
         <p:cNvGrpSpPr/>
         <p:nvPr/>
       </p:nvGrpSpPr>
@@ -7897,7 +8090,9 @@
       <p:sp>
         <p:nvSpPr>
           <p:cNvPr id="67" name="Google Shape;67;p15"/>
-          <p:cNvSpPr txBox="1"/>
+          <p:cNvSpPr txBox="1">
+            <a:spLocks noGrp="1"/>
+          </p:cNvSpPr>
           <p:nvPr>
             <p:ph type="title"/>
           </p:nvPr>
@@ -7912,12 +8107,12 @@
           </a:prstGeom>
         </p:spPr>
         <p:txBody>
-          <a:bodyPr anchorCtr="0" anchor="t" bIns="91425" lIns="91425" spcFirstLastPara="1" rIns="91425" wrap="square" tIns="91425">
+          <a:bodyPr spcFirstLastPara="1" wrap="square" lIns="91425" tIns="91425" rIns="91425" bIns="91425" anchor="t" anchorCtr="0">
             <a:noAutofit/>
           </a:bodyPr>
           <a:lstStyle/>
           <a:p>
-            <a:pPr indent="0" lvl="0" marL="0" rtl="0" algn="l">
+            <a:pPr marL="0" lvl="0" indent="0" algn="l" rtl="0">
               <a:spcBef>
                 <a:spcPts val="0"/>
               </a:spcBef>
@@ -7937,9 +8132,11 @@
       <p:sp>
         <p:nvSpPr>
           <p:cNvPr id="68" name="Google Shape;68;p15"/>
-          <p:cNvSpPr txBox="1"/>
+          <p:cNvSpPr txBox="1">
+            <a:spLocks noGrp="1"/>
+          </p:cNvSpPr>
           <p:nvPr>
-            <p:ph idx="1" type="body"/>
+            <p:ph type="body" idx="1"/>
           </p:nvPr>
         </p:nvSpPr>
         <p:spPr>
@@ -7952,12 +8149,12 @@
           </a:prstGeom>
         </p:spPr>
         <p:txBody>
-          <a:bodyPr anchorCtr="0" anchor="t" bIns="91425" lIns="91425" spcFirstLastPara="1" rIns="91425" wrap="square" tIns="91425">
+          <a:bodyPr spcFirstLastPara="1" wrap="square" lIns="91425" tIns="91425" rIns="91425" bIns="91425" anchor="t" anchorCtr="0">
             <a:noAutofit/>
           </a:bodyPr>
           <a:lstStyle/>
           <a:p>
-            <a:pPr indent="-342900" lvl="0" marL="457200" rtl="0" algn="l">
+            <a:pPr marL="457200" lvl="0" indent="-342900" algn="l" rtl="0">
               <a:spcBef>
                 <a:spcPts val="0"/>
               </a:spcBef>
@@ -7985,7 +8182,7 @@
             </a:endParaRPr>
           </a:p>
           <a:p>
-            <a:pPr indent="-342900" lvl="0" marL="457200" rtl="0" algn="l">
+            <a:pPr marL="457200" lvl="0" indent="-342900" algn="l" rtl="0">
               <a:spcBef>
                 <a:spcPts val="0"/>
               </a:spcBef>
@@ -8013,7 +8210,7 @@
             </a:endParaRPr>
           </a:p>
           <a:p>
-            <a:pPr indent="-342900" lvl="0" marL="457200" rtl="0" algn="l">
+            <a:pPr marL="457200" lvl="0" indent="-342900" algn="l" rtl="0">
               <a:spcBef>
                 <a:spcPts val="0"/>
               </a:spcBef>
@@ -8163,18 +8360,19 @@
 </file>
 
 <file path=ppt/slides/slide4.xml><?xml version="1.0" encoding="utf-8"?>
-<p:sld xmlns:a="http://schemas.openxmlformats.org/drawingml/2006/main" xmlns:r="http://schemas.openxmlformats.org/officeDocument/2006/relationships" xmlns:mc="http://schemas.openxmlformats.org/markup-compatibility/2006" xmlns:mv="urn:schemas-microsoft-com:mac:vml" xmlns:p="http://schemas.openxmlformats.org/presentationml/2006/main" xmlns:c="http://schemas.openxmlformats.org/drawingml/2006/chart" xmlns:dgm="http://schemas.openxmlformats.org/drawingml/2006/diagram" xmlns:o="urn:schemas-microsoft-com:office:office" xmlns:v="urn:schemas-microsoft-com:vml" xmlns:pvml="urn:schemas-microsoft-com:office:powerpoint" xmlns:com="http://schemas.openxmlformats.org/drawingml/2006/compatibility" xmlns:p14="http://schemas.microsoft.com/office/powerpoint/2010/main" xmlns:p15="http://schemas.microsoft.com/office/powerpoint/2012/main">
+<p:sld xmlns:a="http://schemas.openxmlformats.org/drawingml/2006/main" xmlns:r="http://schemas.openxmlformats.org/officeDocument/2006/relationships" xmlns:p="http://schemas.openxmlformats.org/presentationml/2006/main">
   <p:cSld>
     <p:bg>
       <p:bgPr>
         <a:solidFill>
           <a:srgbClr val="000000"/>
         </a:solidFill>
+        <a:effectLst/>
       </p:bgPr>
     </p:bg>
     <p:spTree>
       <p:nvGrpSpPr>
-        <p:cNvPr id="76" name="Shape 76"/>
+        <p:cNvPr id="1" name="Shape 76"/>
         <p:cNvGrpSpPr/>
         <p:nvPr/>
       </p:nvGrpSpPr>
@@ -8189,7 +8387,9 @@
       <p:sp>
         <p:nvSpPr>
           <p:cNvPr id="77" name="Google Shape;77;p16"/>
-          <p:cNvSpPr txBox="1"/>
+          <p:cNvSpPr txBox="1">
+            <a:spLocks noGrp="1"/>
+          </p:cNvSpPr>
           <p:nvPr>
             <p:ph type="title"/>
           </p:nvPr>
@@ -8204,12 +8404,12 @@
           </a:prstGeom>
         </p:spPr>
         <p:txBody>
-          <a:bodyPr anchorCtr="0" anchor="t" bIns="91425" lIns="91425" spcFirstLastPara="1" rIns="91425" wrap="square" tIns="91425">
+          <a:bodyPr spcFirstLastPara="1" wrap="square" lIns="91425" tIns="91425" rIns="91425" bIns="91425" anchor="t" anchorCtr="0">
             <a:noAutofit/>
           </a:bodyPr>
           <a:lstStyle/>
           <a:p>
-            <a:pPr indent="0" lvl="0" marL="0" rtl="0" algn="l">
+            <a:pPr marL="0" lvl="0" indent="0" algn="l" rtl="0">
               <a:spcBef>
                 <a:spcPts val="0"/>
               </a:spcBef>
@@ -8229,9 +8429,11 @@
       <p:sp>
         <p:nvSpPr>
           <p:cNvPr id="78" name="Google Shape;78;p16"/>
-          <p:cNvSpPr txBox="1"/>
+          <p:cNvSpPr txBox="1">
+            <a:spLocks noGrp="1"/>
+          </p:cNvSpPr>
           <p:nvPr>
-            <p:ph idx="1" type="body"/>
+            <p:ph type="body" idx="1"/>
           </p:nvPr>
         </p:nvSpPr>
         <p:spPr>
@@ -8244,12 +8446,12 @@
           </a:prstGeom>
         </p:spPr>
         <p:txBody>
-          <a:bodyPr anchorCtr="0" anchor="t" bIns="91425" lIns="91425" spcFirstLastPara="1" rIns="91425" wrap="square" tIns="91425">
+          <a:bodyPr spcFirstLastPara="1" wrap="square" lIns="91425" tIns="91425" rIns="91425" bIns="91425" anchor="t" anchorCtr="0">
             <a:noAutofit/>
           </a:bodyPr>
           <a:lstStyle/>
           <a:p>
-            <a:pPr indent="-342900" lvl="0" marL="457200" rtl="0" algn="l">
+            <a:pPr marL="457200" lvl="0" indent="-342900" algn="l" rtl="0">
               <a:spcBef>
                 <a:spcPts val="0"/>
               </a:spcBef>
@@ -8285,7 +8487,7 @@
             </a:endParaRPr>
           </a:p>
           <a:p>
-            <a:pPr indent="-342900" lvl="0" marL="457200" rtl="0" algn="l">
+            <a:pPr marL="457200" lvl="0" indent="-342900" algn="l" rtl="0">
               <a:spcBef>
                 <a:spcPts val="0"/>
               </a:spcBef>
@@ -8304,23 +8506,7 @@
                   <a:schemeClr val="dk1"/>
                 </a:solidFill>
               </a:rPr>
-              <a:t>Score </a:t>
-            </a:r>
-            <a:r>
-              <a:rPr lang="en">
-                <a:solidFill>
-                  <a:schemeClr val="dk1"/>
-                </a:solidFill>
-              </a:rPr>
-              <a:t>extensions by </a:t>
-            </a:r>
-            <a:r>
-              <a:rPr lang="en">
-                <a:solidFill>
-                  <a:schemeClr val="dk1"/>
-                </a:solidFill>
-              </a:rPr>
-              <a:t>weighting frequency of blocked trackers with prominence of website (inverse of Alexa Top 50 rank)</a:t>
+              <a:t>Score extensions by weighting frequency of blocked trackers with prominence of website (inverse of Alexa Top 50 rank)</a:t>
             </a:r>
             <a:endParaRPr>
               <a:solidFill>
@@ -8329,7 +8515,7 @@
             </a:endParaRPr>
           </a:p>
           <a:p>
-            <a:pPr indent="-342900" lvl="0" marL="457200" rtl="0" algn="l">
+            <a:pPr marL="457200" lvl="0" indent="-342900" algn="l" rtl="0">
               <a:spcBef>
                 <a:spcPts val="0"/>
               </a:spcBef>
@@ -8413,28 +8599,28 @@
             </a:xfrm>
             <a:prstGeom prst="leftBrace">
               <a:avLst>
-                <a:gd fmla="val 50000" name="adj1"/>
-                <a:gd fmla="val 50000" name="adj2"/>
+                <a:gd name="adj1" fmla="val 50000"/>
+                <a:gd name="adj2" fmla="val 50000"/>
               </a:avLst>
             </a:prstGeom>
             <a:noFill/>
-            <a:ln cap="flat" cmpd="sng" w="9525">
+            <a:ln w="9525" cap="flat" cmpd="sng">
               <a:solidFill>
                 <a:schemeClr val="dk1"/>
               </a:solidFill>
               <a:prstDash val="solid"/>
               <a:round/>
-              <a:headEnd len="sm" w="sm" type="none"/>
-              <a:tailEnd len="sm" w="sm" type="none"/>
+              <a:headEnd type="none" w="sm" len="sm"/>
+              <a:tailEnd type="none" w="sm" len="sm"/>
             </a:ln>
           </p:spPr>
           <p:txBody>
-            <a:bodyPr anchorCtr="0" anchor="ctr" bIns="91425" lIns="91425" spcFirstLastPara="1" rIns="91425" wrap="square" tIns="91425">
+            <a:bodyPr spcFirstLastPara="1" wrap="square" lIns="91425" tIns="91425" rIns="91425" bIns="91425" anchor="ctr" anchorCtr="0">
               <a:noAutofit/>
             </a:bodyPr>
             <a:lstStyle/>
             <a:p>
-              <a:pPr indent="0" lvl="0" marL="0" rtl="0" algn="l">
+              <a:pPr marL="0" lvl="0" indent="0" algn="l" rtl="0">
                 <a:spcBef>
                   <a:spcPts val="0"/>
                 </a:spcBef>
@@ -8443,9 +8629,6 @@
                 </a:spcAft>
                 <a:buNone/>
               </a:pPr>
-              <a:r>
-                <a:t/>
-              </a:r>
               <a:endParaRPr/>
             </a:p>
           </p:txBody>
@@ -8463,28 +8646,28 @@
             </a:xfrm>
             <a:prstGeom prst="leftBrace">
               <a:avLst>
-                <a:gd fmla="val 50000" name="adj1"/>
-                <a:gd fmla="val 50000" name="adj2"/>
+                <a:gd name="adj1" fmla="val 50000"/>
+                <a:gd name="adj2" fmla="val 50000"/>
               </a:avLst>
             </a:prstGeom>
             <a:noFill/>
-            <a:ln cap="flat" cmpd="sng" w="9525">
+            <a:ln w="9525" cap="flat" cmpd="sng">
               <a:solidFill>
                 <a:schemeClr val="dk1"/>
               </a:solidFill>
               <a:prstDash val="solid"/>
               <a:round/>
-              <a:headEnd len="sm" w="sm" type="none"/>
-              <a:tailEnd len="sm" w="sm" type="none"/>
+              <a:headEnd type="none" w="sm" len="sm"/>
+              <a:tailEnd type="none" w="sm" len="sm"/>
             </a:ln>
           </p:spPr>
           <p:txBody>
-            <a:bodyPr anchorCtr="0" anchor="ctr" bIns="91425" lIns="91425" spcFirstLastPara="1" rIns="91425" wrap="square" tIns="91425">
+            <a:bodyPr spcFirstLastPara="1" wrap="square" lIns="91425" tIns="91425" rIns="91425" bIns="91425" anchor="ctr" anchorCtr="0">
               <a:noAutofit/>
             </a:bodyPr>
             <a:lstStyle/>
             <a:p>
-              <a:pPr indent="0" lvl="0" marL="0" rtl="0" algn="l">
+              <a:pPr marL="0" lvl="0" indent="0" algn="l" rtl="0">
                 <a:spcBef>
                   <a:spcPts val="0"/>
                 </a:spcBef>
@@ -8493,9 +8676,6 @@
                 </a:spcAft>
                 <a:buNone/>
               </a:pPr>
-              <a:r>
-                <a:t/>
-              </a:r>
               <a:endParaRPr/>
             </a:p>
           </p:txBody>
@@ -8520,12 +8700,12 @@
             </a:ln>
           </p:spPr>
           <p:txBody>
-            <a:bodyPr anchorCtr="0" anchor="t" bIns="91425" lIns="91425" spcFirstLastPara="1" rIns="91425" wrap="square" tIns="91425">
+            <a:bodyPr spcFirstLastPara="1" wrap="square" lIns="91425" tIns="91425" rIns="91425" bIns="91425" anchor="t" anchorCtr="0">
               <a:noAutofit/>
             </a:bodyPr>
             <a:lstStyle/>
             <a:p>
-              <a:pPr indent="0" lvl="0" marL="0" rtl="0" algn="ctr">
+              <a:pPr marL="0" lvl="0" indent="0" algn="ctr" rtl="0">
                 <a:spcBef>
                   <a:spcPts val="0"/>
                 </a:spcBef>
@@ -8570,12 +8750,12 @@
             </a:ln>
           </p:spPr>
           <p:txBody>
-            <a:bodyPr anchorCtr="0" anchor="t" bIns="91425" lIns="91425" spcFirstLastPara="1" rIns="91425" wrap="square" tIns="91425">
+            <a:bodyPr spcFirstLastPara="1" wrap="square" lIns="91425" tIns="91425" rIns="91425" bIns="91425" anchor="t" anchorCtr="0">
               <a:noAutofit/>
             </a:bodyPr>
             <a:lstStyle/>
             <a:p>
-              <a:pPr indent="0" lvl="0" marL="0" rtl="0" algn="ctr">
+              <a:pPr marL="0" lvl="0" indent="0" algn="ctr" rtl="0">
                 <a:spcBef>
                   <a:spcPts val="0"/>
                 </a:spcBef>
@@ -8620,12 +8800,12 @@
             </a:ln>
           </p:spPr>
           <p:txBody>
-            <a:bodyPr anchorCtr="0" anchor="t" bIns="91425" lIns="91425" spcFirstLastPara="1" rIns="91425" wrap="square" tIns="91425">
+            <a:bodyPr spcFirstLastPara="1" wrap="square" lIns="91425" tIns="91425" rIns="91425" bIns="91425" anchor="t" anchorCtr="0">
               <a:noAutofit/>
             </a:bodyPr>
             <a:lstStyle/>
             <a:p>
-              <a:pPr indent="0" lvl="0" marL="0" rtl="0" algn="ctr">
+              <a:pPr marL="0" lvl="0" indent="0" algn="ctr" rtl="0">
                 <a:spcBef>
                   <a:spcPts val="0"/>
                 </a:spcBef>
@@ -8660,18 +8840,19 @@
 </file>
 
 <file path=ppt/slides/slide5.xml><?xml version="1.0" encoding="utf-8"?>
-<p:sld xmlns:a="http://schemas.openxmlformats.org/drawingml/2006/main" xmlns:r="http://schemas.openxmlformats.org/officeDocument/2006/relationships" xmlns:mc="http://schemas.openxmlformats.org/markup-compatibility/2006" xmlns:mv="urn:schemas-microsoft-com:mac:vml" xmlns:p="http://schemas.openxmlformats.org/presentationml/2006/main" xmlns:c="http://schemas.openxmlformats.org/drawingml/2006/chart" xmlns:dgm="http://schemas.openxmlformats.org/drawingml/2006/diagram" xmlns:o="urn:schemas-microsoft-com:office:office" xmlns:v="urn:schemas-microsoft-com:vml" xmlns:pvml="urn:schemas-microsoft-com:office:powerpoint" xmlns:com="http://schemas.openxmlformats.org/drawingml/2006/compatibility" xmlns:p14="http://schemas.microsoft.com/office/powerpoint/2010/main" xmlns:p15="http://schemas.microsoft.com/office/powerpoint/2012/main">
+<p:sld xmlns:a="http://schemas.openxmlformats.org/drawingml/2006/main" xmlns:r="http://schemas.openxmlformats.org/officeDocument/2006/relationships" xmlns:p="http://schemas.openxmlformats.org/presentationml/2006/main">
   <p:cSld>
     <p:bg>
       <p:bgPr>
         <a:solidFill>
           <a:srgbClr val="000000"/>
         </a:solidFill>
+        <a:effectLst/>
       </p:bgPr>
     </p:bg>
     <p:spTree>
       <p:nvGrpSpPr>
-        <p:cNvPr id="89" name="Shape 89"/>
+        <p:cNvPr id="1" name="Shape 89"/>
         <p:cNvGrpSpPr/>
         <p:nvPr/>
       </p:nvGrpSpPr>
@@ -8686,7 +8867,9 @@
       <p:sp>
         <p:nvSpPr>
           <p:cNvPr id="90" name="Google Shape;90;p17"/>
-          <p:cNvSpPr txBox="1"/>
+          <p:cNvSpPr txBox="1">
+            <a:spLocks noGrp="1"/>
+          </p:cNvSpPr>
           <p:nvPr>
             <p:ph type="title"/>
           </p:nvPr>
@@ -8701,12 +8884,12 @@
           </a:prstGeom>
         </p:spPr>
         <p:txBody>
-          <a:bodyPr anchorCtr="0" anchor="t" bIns="91425" lIns="91425" spcFirstLastPara="1" rIns="91425" wrap="square" tIns="91425">
+          <a:bodyPr spcFirstLastPara="1" wrap="square" lIns="91425" tIns="91425" rIns="91425" bIns="91425" anchor="t" anchorCtr="0">
             <a:noAutofit/>
           </a:bodyPr>
           <a:lstStyle/>
           <a:p>
-            <a:pPr indent="0" lvl="0" marL="0" rtl="0" algn="l">
+            <a:pPr marL="0" lvl="0" indent="0" algn="l" rtl="0">
               <a:spcBef>
                 <a:spcPts val="0"/>
               </a:spcBef>
@@ -8726,9 +8909,11 @@
       <p:sp>
         <p:nvSpPr>
           <p:cNvPr id="91" name="Google Shape;91;p17"/>
-          <p:cNvSpPr txBox="1"/>
+          <p:cNvSpPr txBox="1">
+            <a:spLocks noGrp="1"/>
+          </p:cNvSpPr>
           <p:nvPr>
-            <p:ph idx="1" type="body"/>
+            <p:ph type="body" idx="1"/>
           </p:nvPr>
         </p:nvSpPr>
         <p:spPr>
@@ -8741,12 +8926,12 @@
           </a:prstGeom>
         </p:spPr>
         <p:txBody>
-          <a:bodyPr anchorCtr="0" anchor="t" bIns="91425" lIns="91425" spcFirstLastPara="1" rIns="91425" wrap="square" tIns="91425">
+          <a:bodyPr spcFirstLastPara="1" wrap="square" lIns="91425" tIns="91425" rIns="91425" bIns="91425" anchor="t" anchorCtr="0">
             <a:noAutofit/>
           </a:bodyPr>
           <a:lstStyle/>
           <a:p>
-            <a:pPr indent="-342900" lvl="0" marL="457200" rtl="0" algn="l">
+            <a:pPr marL="457200" lvl="0" indent="-342900" algn="l" rtl="0">
               <a:spcBef>
                 <a:spcPts val="0"/>
               </a:spcBef>
@@ -8774,7 +8959,7 @@
             </a:endParaRPr>
           </a:p>
           <a:p>
-            <a:pPr indent="-342900" lvl="0" marL="457200" rtl="0" algn="l">
+            <a:pPr marL="457200" lvl="0" indent="-342900" algn="l" rtl="0">
               <a:spcBef>
                 <a:spcPts val="0"/>
               </a:spcBef>
@@ -8802,7 +8987,7 @@
             </a:endParaRPr>
           </a:p>
           <a:p>
-            <a:pPr indent="-317500" lvl="1" marL="914400" rtl="0" algn="l">
+            <a:pPr marL="914400" lvl="1" indent="-317500" algn="l" rtl="0">
               <a:spcBef>
                 <a:spcPts val="0"/>
               </a:spcBef>
@@ -8830,7 +9015,7 @@
             </a:endParaRPr>
           </a:p>
           <a:p>
-            <a:pPr indent="-342900" lvl="0" marL="457200" rtl="0" algn="l">
+            <a:pPr marL="457200" lvl="0" indent="-342900" algn="l" rtl="0">
               <a:spcBef>
                 <a:spcPts val="0"/>
               </a:spcBef>
@@ -8858,7 +9043,7 @@
             </a:endParaRPr>
           </a:p>
           <a:p>
-            <a:pPr indent="-317500" lvl="1" marL="914400" rtl="0" algn="l">
+            <a:pPr marL="914400" lvl="1" indent="-317500" algn="l" rtl="0">
               <a:spcBef>
                 <a:spcPts val="0"/>
               </a:spcBef>
@@ -8886,7 +9071,7 @@
             </a:endParaRPr>
           </a:p>
           <a:p>
-            <a:pPr indent="-342900" lvl="0" marL="457200" rtl="0" algn="l">
+            <a:pPr marL="457200" lvl="0" indent="-342900" algn="l" rtl="0">
               <a:spcBef>
                 <a:spcPts val="0"/>
               </a:spcBef>
@@ -8914,7 +9099,7 @@
             </a:endParaRPr>
           </a:p>
           <a:p>
-            <a:pPr indent="-317500" lvl="1" marL="914400" rtl="0" algn="l">
+            <a:pPr marL="914400" lvl="1" indent="-317500" algn="l" rtl="0">
               <a:spcBef>
                 <a:spcPts val="0"/>
               </a:spcBef>
@@ -8961,8 +9146,20 @@
                 <a:tableStyleId>{2456BD1F-0B5A-4F78-BD46-7514B1192569}</a:tableStyleId>
               </a:tblPr>
               <a:tblGrid>
-                <a:gridCol w="2871175"/>
-                <a:gridCol w="734400"/>
+                <a:gridCol w="2871175">
+                  <a:extLst>
+                    <a:ext uri="{9D8B030D-6E8A-4147-A177-3AD203B41FA5}">
+                      <a16:colId xmlns:a16="http://schemas.microsoft.com/office/drawing/2014/main" val="20000"/>
+                    </a:ext>
+                  </a:extLst>
+                </a:gridCol>
+                <a:gridCol w="734400">
+                  <a:extLst>
+                    <a:ext uri="{9D8B030D-6E8A-4147-A177-3AD203B41FA5}">
+                      <a16:colId xmlns:a16="http://schemas.microsoft.com/office/drawing/2014/main" val="20001"/>
+                    </a:ext>
+                  </a:extLst>
+                </a:gridCol>
               </a:tblGrid>
               <a:tr h="369825">
                 <a:tc>
@@ -8970,7 +9167,7 @@
                     <a:bodyPr/>
                     <a:lstStyle/>
                     <a:p>
-                      <a:pPr indent="0" lvl="0" marL="0" rtl="0" algn="l">
+                      <a:pPr marL="0" lvl="0" indent="0" algn="l" rtl="0">
                         <a:spcBef>
                           <a:spcPts val="0"/>
                         </a:spcBef>
@@ -8980,7 +9177,7 @@
                         <a:buNone/>
                       </a:pPr>
                       <a:r>
-                        <a:rPr b="1" lang="en">
+                        <a:rPr lang="en" b="1">
                           <a:solidFill>
                             <a:schemeClr val="dk1"/>
                           </a:solidFill>
@@ -8994,42 +9191,42 @@
                       </a:endParaRPr>
                     </a:p>
                   </a:txBody>
-                  <a:tcPr marT="91425" marB="91425" marR="91425" marL="91425">
-                    <a:lnL cap="flat" cmpd="sng" w="9525">
+                  <a:tcPr marL="91425" marR="91425" marT="91425" marB="91425">
+                    <a:lnL w="9525" cap="flat" cmpd="sng">
                       <a:solidFill>
                         <a:srgbClr val="FFFFFF"/>
                       </a:solidFill>
                       <a:prstDash val="solid"/>
                       <a:round/>
-                      <a:headEnd len="sm" w="sm" type="none"/>
-                      <a:tailEnd len="sm" w="sm" type="none"/>
+                      <a:headEnd type="none" w="sm" len="sm"/>
+                      <a:tailEnd type="none" w="sm" len="sm"/>
                     </a:lnL>
-                    <a:lnR cap="flat" cmpd="sng" w="9525">
+                    <a:lnR w="9525" cap="flat" cmpd="sng">
                       <a:solidFill>
                         <a:srgbClr val="FFFFFF"/>
                       </a:solidFill>
                       <a:prstDash val="solid"/>
                       <a:round/>
-                      <a:headEnd len="sm" w="sm" type="none"/>
-                      <a:tailEnd len="sm" w="sm" type="none"/>
+                      <a:headEnd type="none" w="sm" len="sm"/>
+                      <a:tailEnd type="none" w="sm" len="sm"/>
                     </a:lnR>
-                    <a:lnT cap="flat" cmpd="sng" w="9525">
+                    <a:lnT w="9525" cap="flat" cmpd="sng">
                       <a:solidFill>
                         <a:srgbClr val="FFFFFF"/>
                       </a:solidFill>
                       <a:prstDash val="solid"/>
                       <a:round/>
-                      <a:headEnd len="sm" w="sm" type="none"/>
-                      <a:tailEnd len="sm" w="sm" type="none"/>
+                      <a:headEnd type="none" w="sm" len="sm"/>
+                      <a:tailEnd type="none" w="sm" len="sm"/>
                     </a:lnT>
-                    <a:lnB cap="flat" cmpd="sng" w="9525">
+                    <a:lnB w="9525" cap="flat" cmpd="sng">
                       <a:solidFill>
                         <a:srgbClr val="FFFFFF"/>
                       </a:solidFill>
                       <a:prstDash val="solid"/>
                       <a:round/>
-                      <a:headEnd len="sm" w="sm" type="none"/>
-                      <a:tailEnd len="sm" w="sm" type="none"/>
+                      <a:headEnd type="none" w="sm" len="sm"/>
+                      <a:tailEnd type="none" w="sm" len="sm"/>
                     </a:lnB>
                   </a:tcPr>
                 </a:tc>
@@ -9038,7 +9235,7 @@
                     <a:bodyPr/>
                     <a:lstStyle/>
                     <a:p>
-                      <a:pPr indent="0" lvl="0" marL="0" rtl="0" algn="l">
+                      <a:pPr marL="0" lvl="0" indent="0" algn="l" rtl="0">
                         <a:spcBef>
                           <a:spcPts val="0"/>
                         </a:spcBef>
@@ -9048,7 +9245,7 @@
                         <a:buNone/>
                       </a:pPr>
                       <a:r>
-                        <a:rPr b="1" lang="en">
+                        <a:rPr lang="en" b="1">
                           <a:solidFill>
                             <a:schemeClr val="dk1"/>
                           </a:solidFill>
@@ -9062,45 +9259,50 @@
                       </a:endParaRPr>
                     </a:p>
                   </a:txBody>
-                  <a:tcPr marT="91425" marB="91425" marR="91425" marL="91425">
-                    <a:lnL cap="flat" cmpd="sng" w="9525">
+                  <a:tcPr marL="91425" marR="91425" marT="91425" marB="91425">
+                    <a:lnL w="9525" cap="flat" cmpd="sng">
                       <a:solidFill>
                         <a:srgbClr val="FFFFFF"/>
                       </a:solidFill>
                       <a:prstDash val="solid"/>
                       <a:round/>
-                      <a:headEnd len="sm" w="sm" type="none"/>
-                      <a:tailEnd len="sm" w="sm" type="none"/>
+                      <a:headEnd type="none" w="sm" len="sm"/>
+                      <a:tailEnd type="none" w="sm" len="sm"/>
                     </a:lnL>
-                    <a:lnR cap="flat" cmpd="sng" w="9525">
+                    <a:lnR w="9525" cap="flat" cmpd="sng">
                       <a:solidFill>
                         <a:srgbClr val="FFFFFF"/>
                       </a:solidFill>
                       <a:prstDash val="solid"/>
                       <a:round/>
-                      <a:headEnd len="sm" w="sm" type="none"/>
-                      <a:tailEnd len="sm" w="sm" type="none"/>
+                      <a:headEnd type="none" w="sm" len="sm"/>
+                      <a:tailEnd type="none" w="sm" len="sm"/>
                     </a:lnR>
-                    <a:lnT cap="flat" cmpd="sng" w="9525">
+                    <a:lnT w="9525" cap="flat" cmpd="sng">
                       <a:solidFill>
                         <a:srgbClr val="FFFFFF"/>
                       </a:solidFill>
                       <a:prstDash val="solid"/>
                       <a:round/>
-                      <a:headEnd len="sm" w="sm" type="none"/>
-                      <a:tailEnd len="sm" w="sm" type="none"/>
+                      <a:headEnd type="none" w="sm" len="sm"/>
+                      <a:tailEnd type="none" w="sm" len="sm"/>
                     </a:lnT>
-                    <a:lnB cap="flat" cmpd="sng" w="9525">
+                    <a:lnB w="9525" cap="flat" cmpd="sng">
                       <a:solidFill>
                         <a:srgbClr val="FFFFFF"/>
                       </a:solidFill>
                       <a:prstDash val="solid"/>
                       <a:round/>
-                      <a:headEnd len="sm" w="sm" type="none"/>
-                      <a:tailEnd len="sm" w="sm" type="none"/>
+                      <a:headEnd type="none" w="sm" len="sm"/>
+                      <a:tailEnd type="none" w="sm" len="sm"/>
                     </a:lnB>
                   </a:tcPr>
                 </a:tc>
+                <a:extLst>
+                  <a:ext uri="{0D108BD9-81ED-4DB2-BD59-A6C34878D82A}">
+                    <a16:rowId xmlns:a16="http://schemas.microsoft.com/office/drawing/2014/main" val="10000"/>
+                  </a:ext>
+                </a:extLst>
               </a:tr>
               <a:tr h="369825">
                 <a:tc>
@@ -9108,7 +9310,7 @@
                     <a:bodyPr/>
                     <a:lstStyle/>
                     <a:p>
-                      <a:pPr indent="0" lvl="0" marL="0" rtl="0" algn="l">
+                      <a:pPr marL="0" lvl="0" indent="0" algn="l" rtl="0">
                         <a:spcBef>
                           <a:spcPts val="0"/>
                         </a:spcBef>
@@ -9132,42 +9334,42 @@
                       </a:endParaRPr>
                     </a:p>
                   </a:txBody>
-                  <a:tcPr marT="91425" marB="91425" marR="91425" marL="91425">
-                    <a:lnL cap="flat" cmpd="sng" w="9525">
+                  <a:tcPr marL="91425" marR="91425" marT="91425" marB="91425">
+                    <a:lnL w="9525" cap="flat" cmpd="sng">
                       <a:solidFill>
                         <a:srgbClr val="FFFFFF"/>
                       </a:solidFill>
                       <a:prstDash val="solid"/>
                       <a:round/>
-                      <a:headEnd len="sm" w="sm" type="none"/>
-                      <a:tailEnd len="sm" w="sm" type="none"/>
+                      <a:headEnd type="none" w="sm" len="sm"/>
+                      <a:tailEnd type="none" w="sm" len="sm"/>
                     </a:lnL>
-                    <a:lnR cap="flat" cmpd="sng" w="9525">
+                    <a:lnR w="9525" cap="flat" cmpd="sng">
                       <a:solidFill>
                         <a:srgbClr val="FFFFFF"/>
                       </a:solidFill>
                       <a:prstDash val="solid"/>
                       <a:round/>
-                      <a:headEnd len="sm" w="sm" type="none"/>
-                      <a:tailEnd len="sm" w="sm" type="none"/>
+                      <a:headEnd type="none" w="sm" len="sm"/>
+                      <a:tailEnd type="none" w="sm" len="sm"/>
                     </a:lnR>
-                    <a:lnT cap="flat" cmpd="sng" w="9525">
+                    <a:lnT w="9525" cap="flat" cmpd="sng">
                       <a:solidFill>
                         <a:srgbClr val="FFFFFF"/>
                       </a:solidFill>
                       <a:prstDash val="solid"/>
                       <a:round/>
-                      <a:headEnd len="sm" w="sm" type="none"/>
-                      <a:tailEnd len="sm" w="sm" type="none"/>
+                      <a:headEnd type="none" w="sm" len="sm"/>
+                      <a:tailEnd type="none" w="sm" len="sm"/>
                     </a:lnT>
-                    <a:lnB cap="flat" cmpd="sng" w="9525">
+                    <a:lnB w="9525" cap="flat" cmpd="sng">
                       <a:solidFill>
                         <a:srgbClr val="FFFFFF"/>
                       </a:solidFill>
                       <a:prstDash val="solid"/>
                       <a:round/>
-                      <a:headEnd len="sm" w="sm" type="none"/>
-                      <a:tailEnd len="sm" w="sm" type="none"/>
+                      <a:headEnd type="none" w="sm" len="sm"/>
+                      <a:tailEnd type="none" w="sm" len="sm"/>
                     </a:lnB>
                   </a:tcPr>
                 </a:tc>
@@ -9176,7 +9378,7 @@
                     <a:bodyPr/>
                     <a:lstStyle/>
                     <a:p>
-                      <a:pPr indent="0" lvl="0" marL="0" rtl="0" algn="r">
+                      <a:pPr marL="0" lvl="0" indent="0" algn="r" rtl="0">
                         <a:spcBef>
                           <a:spcPts val="0"/>
                         </a:spcBef>
@@ -9200,45 +9402,50 @@
                       </a:endParaRPr>
                     </a:p>
                   </a:txBody>
-                  <a:tcPr marT="91425" marB="91425" marR="91425" marL="91425">
-                    <a:lnL cap="flat" cmpd="sng" w="9525">
+                  <a:tcPr marL="91425" marR="91425" marT="91425" marB="91425">
+                    <a:lnL w="9525" cap="flat" cmpd="sng">
                       <a:solidFill>
                         <a:srgbClr val="FFFFFF"/>
                       </a:solidFill>
                       <a:prstDash val="solid"/>
                       <a:round/>
-                      <a:headEnd len="sm" w="sm" type="none"/>
-                      <a:tailEnd len="sm" w="sm" type="none"/>
+                      <a:headEnd type="none" w="sm" len="sm"/>
+                      <a:tailEnd type="none" w="sm" len="sm"/>
                     </a:lnL>
-                    <a:lnR cap="flat" cmpd="sng" w="9525">
+                    <a:lnR w="9525" cap="flat" cmpd="sng">
                       <a:solidFill>
                         <a:srgbClr val="FFFFFF"/>
                       </a:solidFill>
                       <a:prstDash val="solid"/>
                       <a:round/>
-                      <a:headEnd len="sm" w="sm" type="none"/>
-                      <a:tailEnd len="sm" w="sm" type="none"/>
+                      <a:headEnd type="none" w="sm" len="sm"/>
+                      <a:tailEnd type="none" w="sm" len="sm"/>
                     </a:lnR>
-                    <a:lnT cap="flat" cmpd="sng" w="9525">
+                    <a:lnT w="9525" cap="flat" cmpd="sng">
                       <a:solidFill>
                         <a:srgbClr val="FFFFFF"/>
                       </a:solidFill>
                       <a:prstDash val="solid"/>
                       <a:round/>
-                      <a:headEnd len="sm" w="sm" type="none"/>
-                      <a:tailEnd len="sm" w="sm" type="none"/>
+                      <a:headEnd type="none" w="sm" len="sm"/>
+                      <a:tailEnd type="none" w="sm" len="sm"/>
                     </a:lnT>
-                    <a:lnB cap="flat" cmpd="sng" w="9525">
+                    <a:lnB w="9525" cap="flat" cmpd="sng">
                       <a:solidFill>
                         <a:srgbClr val="FFFFFF"/>
                       </a:solidFill>
                       <a:prstDash val="solid"/>
                       <a:round/>
-                      <a:headEnd len="sm" w="sm" type="none"/>
-                      <a:tailEnd len="sm" w="sm" type="none"/>
+                      <a:headEnd type="none" w="sm" len="sm"/>
+                      <a:tailEnd type="none" w="sm" len="sm"/>
                     </a:lnB>
                   </a:tcPr>
                 </a:tc>
+                <a:extLst>
+                  <a:ext uri="{0D108BD9-81ED-4DB2-BD59-A6C34878D82A}">
+                    <a16:rowId xmlns:a16="http://schemas.microsoft.com/office/drawing/2014/main" val="10001"/>
+                  </a:ext>
+                </a:extLst>
               </a:tr>
               <a:tr h="369825">
                 <a:tc>
@@ -9246,7 +9453,7 @@
                     <a:bodyPr/>
                     <a:lstStyle/>
                     <a:p>
-                      <a:pPr indent="0" lvl="0" marL="0" rtl="0" algn="l">
+                      <a:pPr marL="0" lvl="0" indent="0" algn="l" rtl="0">
                         <a:spcBef>
                           <a:spcPts val="0"/>
                         </a:spcBef>
@@ -9270,42 +9477,42 @@
                       </a:endParaRPr>
                     </a:p>
                   </a:txBody>
-                  <a:tcPr marT="91425" marB="91425" marR="91425" marL="91425">
-                    <a:lnL cap="flat" cmpd="sng" w="9525">
+                  <a:tcPr marL="91425" marR="91425" marT="91425" marB="91425">
+                    <a:lnL w="9525" cap="flat" cmpd="sng">
                       <a:solidFill>
                         <a:srgbClr val="FFFFFF"/>
                       </a:solidFill>
                       <a:prstDash val="solid"/>
                       <a:round/>
-                      <a:headEnd len="sm" w="sm" type="none"/>
-                      <a:tailEnd len="sm" w="sm" type="none"/>
+                      <a:headEnd type="none" w="sm" len="sm"/>
+                      <a:tailEnd type="none" w="sm" len="sm"/>
                     </a:lnL>
-                    <a:lnR cap="flat" cmpd="sng" w="9525">
+                    <a:lnR w="9525" cap="flat" cmpd="sng">
                       <a:solidFill>
                         <a:srgbClr val="FFFFFF"/>
                       </a:solidFill>
                       <a:prstDash val="solid"/>
                       <a:round/>
-                      <a:headEnd len="sm" w="sm" type="none"/>
-                      <a:tailEnd len="sm" w="sm" type="none"/>
+                      <a:headEnd type="none" w="sm" len="sm"/>
+                      <a:tailEnd type="none" w="sm" len="sm"/>
                     </a:lnR>
-                    <a:lnT cap="flat" cmpd="sng" w="9525">
+                    <a:lnT w="9525" cap="flat" cmpd="sng">
                       <a:solidFill>
                         <a:srgbClr val="FFFFFF"/>
                       </a:solidFill>
                       <a:prstDash val="solid"/>
                       <a:round/>
-                      <a:headEnd len="sm" w="sm" type="none"/>
-                      <a:tailEnd len="sm" w="sm" type="none"/>
+                      <a:headEnd type="none" w="sm" len="sm"/>
+                      <a:tailEnd type="none" w="sm" len="sm"/>
                     </a:lnT>
-                    <a:lnB cap="flat" cmpd="sng" w="9525">
+                    <a:lnB w="9525" cap="flat" cmpd="sng">
                       <a:solidFill>
                         <a:srgbClr val="FFFFFF"/>
                       </a:solidFill>
                       <a:prstDash val="solid"/>
                       <a:round/>
-                      <a:headEnd len="sm" w="sm" type="none"/>
-                      <a:tailEnd len="sm" w="sm" type="none"/>
+                      <a:headEnd type="none" w="sm" len="sm"/>
+                      <a:tailEnd type="none" w="sm" len="sm"/>
                     </a:lnB>
                   </a:tcPr>
                 </a:tc>
@@ -9314,7 +9521,7 @@
                     <a:bodyPr/>
                     <a:lstStyle/>
                     <a:p>
-                      <a:pPr indent="0" lvl="0" marL="0" rtl="0" algn="r">
+                      <a:pPr marL="0" lvl="0" indent="0" algn="r" rtl="0">
                         <a:spcBef>
                           <a:spcPts val="0"/>
                         </a:spcBef>
@@ -9338,45 +9545,50 @@
                       </a:endParaRPr>
                     </a:p>
                   </a:txBody>
-                  <a:tcPr marT="91425" marB="91425" marR="91425" marL="91425">
-                    <a:lnL cap="flat" cmpd="sng" w="9525">
+                  <a:tcPr marL="91425" marR="91425" marT="91425" marB="91425">
+                    <a:lnL w="9525" cap="flat" cmpd="sng">
                       <a:solidFill>
                         <a:srgbClr val="FFFFFF"/>
                       </a:solidFill>
                       <a:prstDash val="solid"/>
                       <a:round/>
-                      <a:headEnd len="sm" w="sm" type="none"/>
-                      <a:tailEnd len="sm" w="sm" type="none"/>
+                      <a:headEnd type="none" w="sm" len="sm"/>
+                      <a:tailEnd type="none" w="sm" len="sm"/>
                     </a:lnL>
-                    <a:lnR cap="flat" cmpd="sng" w="9525">
+                    <a:lnR w="9525" cap="flat" cmpd="sng">
                       <a:solidFill>
                         <a:srgbClr val="FFFFFF"/>
                       </a:solidFill>
                       <a:prstDash val="solid"/>
                       <a:round/>
-                      <a:headEnd len="sm" w="sm" type="none"/>
-                      <a:tailEnd len="sm" w="sm" type="none"/>
+                      <a:headEnd type="none" w="sm" len="sm"/>
+                      <a:tailEnd type="none" w="sm" len="sm"/>
                     </a:lnR>
-                    <a:lnT cap="flat" cmpd="sng" w="9525">
+                    <a:lnT w="9525" cap="flat" cmpd="sng">
                       <a:solidFill>
                         <a:srgbClr val="FFFFFF"/>
                       </a:solidFill>
                       <a:prstDash val="solid"/>
                       <a:round/>
-                      <a:headEnd len="sm" w="sm" type="none"/>
-                      <a:tailEnd len="sm" w="sm" type="none"/>
+                      <a:headEnd type="none" w="sm" len="sm"/>
+                      <a:tailEnd type="none" w="sm" len="sm"/>
                     </a:lnT>
-                    <a:lnB cap="flat" cmpd="sng" w="9525">
+                    <a:lnB w="9525" cap="flat" cmpd="sng">
                       <a:solidFill>
                         <a:srgbClr val="FFFFFF"/>
                       </a:solidFill>
                       <a:prstDash val="solid"/>
                       <a:round/>
-                      <a:headEnd len="sm" w="sm" type="none"/>
-                      <a:tailEnd len="sm" w="sm" type="none"/>
+                      <a:headEnd type="none" w="sm" len="sm"/>
+                      <a:tailEnd type="none" w="sm" len="sm"/>
                     </a:lnB>
                   </a:tcPr>
                 </a:tc>
+                <a:extLst>
+                  <a:ext uri="{0D108BD9-81ED-4DB2-BD59-A6C34878D82A}">
+                    <a16:rowId xmlns:a16="http://schemas.microsoft.com/office/drawing/2014/main" val="10002"/>
+                  </a:ext>
+                </a:extLst>
               </a:tr>
               <a:tr h="369825">
                 <a:tc>
@@ -9384,7 +9596,7 @@
                     <a:bodyPr/>
                     <a:lstStyle/>
                     <a:p>
-                      <a:pPr indent="0" lvl="0" marL="0" rtl="0" algn="l">
+                      <a:pPr marL="0" lvl="0" indent="0" algn="l" rtl="0">
                         <a:spcBef>
                           <a:spcPts val="0"/>
                         </a:spcBef>
@@ -9408,42 +9620,42 @@
                       </a:endParaRPr>
                     </a:p>
                   </a:txBody>
-                  <a:tcPr marT="91425" marB="91425" marR="91425" marL="91425">
-                    <a:lnL cap="flat" cmpd="sng" w="9525">
+                  <a:tcPr marL="91425" marR="91425" marT="91425" marB="91425">
+                    <a:lnL w="9525" cap="flat" cmpd="sng">
                       <a:solidFill>
                         <a:srgbClr val="FFFFFF"/>
                       </a:solidFill>
                       <a:prstDash val="solid"/>
                       <a:round/>
-                      <a:headEnd len="sm" w="sm" type="none"/>
-                      <a:tailEnd len="sm" w="sm" type="none"/>
+                      <a:headEnd type="none" w="sm" len="sm"/>
+                      <a:tailEnd type="none" w="sm" len="sm"/>
                     </a:lnL>
-                    <a:lnR cap="flat" cmpd="sng" w="9525">
+                    <a:lnR w="9525" cap="flat" cmpd="sng">
                       <a:solidFill>
                         <a:srgbClr val="FFFFFF"/>
                       </a:solidFill>
                       <a:prstDash val="solid"/>
                       <a:round/>
-                      <a:headEnd len="sm" w="sm" type="none"/>
-                      <a:tailEnd len="sm" w="sm" type="none"/>
+                      <a:headEnd type="none" w="sm" len="sm"/>
+                      <a:tailEnd type="none" w="sm" len="sm"/>
                     </a:lnR>
-                    <a:lnT cap="flat" cmpd="sng" w="9525">
+                    <a:lnT w="9525" cap="flat" cmpd="sng">
                       <a:solidFill>
                         <a:srgbClr val="FFFFFF"/>
                       </a:solidFill>
                       <a:prstDash val="solid"/>
                       <a:round/>
-                      <a:headEnd len="sm" w="sm" type="none"/>
-                      <a:tailEnd len="sm" w="sm" type="none"/>
+                      <a:headEnd type="none" w="sm" len="sm"/>
+                      <a:tailEnd type="none" w="sm" len="sm"/>
                     </a:lnT>
-                    <a:lnB cap="flat" cmpd="sng" w="9525">
+                    <a:lnB w="9525" cap="flat" cmpd="sng">
                       <a:solidFill>
                         <a:srgbClr val="FFFFFF"/>
                       </a:solidFill>
                       <a:prstDash val="solid"/>
                       <a:round/>
-                      <a:headEnd len="sm" w="sm" type="none"/>
-                      <a:tailEnd len="sm" w="sm" type="none"/>
+                      <a:headEnd type="none" w="sm" len="sm"/>
+                      <a:tailEnd type="none" w="sm" len="sm"/>
                     </a:lnB>
                   </a:tcPr>
                 </a:tc>
@@ -9452,7 +9664,7 @@
                     <a:bodyPr/>
                     <a:lstStyle/>
                     <a:p>
-                      <a:pPr indent="0" lvl="0" marL="0" rtl="0" algn="r">
+                      <a:pPr marL="0" lvl="0" indent="0" algn="r" rtl="0">
                         <a:spcBef>
                           <a:spcPts val="0"/>
                         </a:spcBef>
@@ -9476,45 +9688,50 @@
                       </a:endParaRPr>
                     </a:p>
                   </a:txBody>
-                  <a:tcPr marT="91425" marB="91425" marR="91425" marL="91425">
-                    <a:lnL cap="flat" cmpd="sng" w="9525">
+                  <a:tcPr marL="91425" marR="91425" marT="91425" marB="91425">
+                    <a:lnL w="9525" cap="flat" cmpd="sng">
                       <a:solidFill>
                         <a:srgbClr val="FFFFFF"/>
                       </a:solidFill>
                       <a:prstDash val="solid"/>
                       <a:round/>
-                      <a:headEnd len="sm" w="sm" type="none"/>
-                      <a:tailEnd len="sm" w="sm" type="none"/>
+                      <a:headEnd type="none" w="sm" len="sm"/>
+                      <a:tailEnd type="none" w="sm" len="sm"/>
                     </a:lnL>
-                    <a:lnR cap="flat" cmpd="sng" w="9525">
+                    <a:lnR w="9525" cap="flat" cmpd="sng">
                       <a:solidFill>
                         <a:srgbClr val="FFFFFF"/>
                       </a:solidFill>
                       <a:prstDash val="solid"/>
                       <a:round/>
-                      <a:headEnd len="sm" w="sm" type="none"/>
-                      <a:tailEnd len="sm" w="sm" type="none"/>
+                      <a:headEnd type="none" w="sm" len="sm"/>
+                      <a:tailEnd type="none" w="sm" len="sm"/>
                     </a:lnR>
-                    <a:lnT cap="flat" cmpd="sng" w="9525">
+                    <a:lnT w="9525" cap="flat" cmpd="sng">
                       <a:solidFill>
                         <a:srgbClr val="FFFFFF"/>
                       </a:solidFill>
                       <a:prstDash val="solid"/>
                       <a:round/>
-                      <a:headEnd len="sm" w="sm" type="none"/>
-                      <a:tailEnd len="sm" w="sm" type="none"/>
+                      <a:headEnd type="none" w="sm" len="sm"/>
+                      <a:tailEnd type="none" w="sm" len="sm"/>
                     </a:lnT>
-                    <a:lnB cap="flat" cmpd="sng" w="9525">
+                    <a:lnB w="9525" cap="flat" cmpd="sng">
                       <a:solidFill>
                         <a:srgbClr val="FFFFFF"/>
                       </a:solidFill>
                       <a:prstDash val="solid"/>
                       <a:round/>
-                      <a:headEnd len="sm" w="sm" type="none"/>
-                      <a:tailEnd len="sm" w="sm" type="none"/>
+                      <a:headEnd type="none" w="sm" len="sm"/>
+                      <a:tailEnd type="none" w="sm" len="sm"/>
                     </a:lnB>
                   </a:tcPr>
                 </a:tc>
+                <a:extLst>
+                  <a:ext uri="{0D108BD9-81ED-4DB2-BD59-A6C34878D82A}">
+                    <a16:rowId xmlns:a16="http://schemas.microsoft.com/office/drawing/2014/main" val="10003"/>
+                  </a:ext>
+                </a:extLst>
               </a:tr>
               <a:tr h="369825">
                 <a:tc>
@@ -9522,7 +9739,7 @@
                     <a:bodyPr/>
                     <a:lstStyle/>
                     <a:p>
-                      <a:pPr indent="0" lvl="0" marL="0" rtl="0" algn="l">
+                      <a:pPr marL="0" lvl="0" indent="0" algn="l" rtl="0">
                         <a:spcBef>
                           <a:spcPts val="0"/>
                         </a:spcBef>
@@ -9546,42 +9763,42 @@
                       </a:endParaRPr>
                     </a:p>
                   </a:txBody>
-                  <a:tcPr marT="91425" marB="91425" marR="91425" marL="91425">
-                    <a:lnL cap="flat" cmpd="sng" w="9525">
+                  <a:tcPr marL="91425" marR="91425" marT="91425" marB="91425">
+                    <a:lnL w="9525" cap="flat" cmpd="sng">
                       <a:solidFill>
                         <a:srgbClr val="FFFFFF"/>
                       </a:solidFill>
                       <a:prstDash val="solid"/>
                       <a:round/>
-                      <a:headEnd len="sm" w="sm" type="none"/>
-                      <a:tailEnd len="sm" w="sm" type="none"/>
+                      <a:headEnd type="none" w="sm" len="sm"/>
+                      <a:tailEnd type="none" w="sm" len="sm"/>
                     </a:lnL>
-                    <a:lnR cap="flat" cmpd="sng" w="9525">
+                    <a:lnR w="9525" cap="flat" cmpd="sng">
                       <a:solidFill>
                         <a:srgbClr val="FFFFFF"/>
                       </a:solidFill>
                       <a:prstDash val="solid"/>
                       <a:round/>
-                      <a:headEnd len="sm" w="sm" type="none"/>
-                      <a:tailEnd len="sm" w="sm" type="none"/>
+                      <a:headEnd type="none" w="sm" len="sm"/>
+                      <a:tailEnd type="none" w="sm" len="sm"/>
                     </a:lnR>
-                    <a:lnT cap="flat" cmpd="sng" w="9525">
+                    <a:lnT w="9525" cap="flat" cmpd="sng">
                       <a:solidFill>
                         <a:srgbClr val="FFFFFF"/>
                       </a:solidFill>
                       <a:prstDash val="solid"/>
                       <a:round/>
-                      <a:headEnd len="sm" w="sm" type="none"/>
-                      <a:tailEnd len="sm" w="sm" type="none"/>
+                      <a:headEnd type="none" w="sm" len="sm"/>
+                      <a:tailEnd type="none" w="sm" len="sm"/>
                     </a:lnT>
-                    <a:lnB cap="flat" cmpd="sng" w="9525">
+                    <a:lnB w="9525" cap="flat" cmpd="sng">
                       <a:solidFill>
                         <a:srgbClr val="FFFFFF"/>
                       </a:solidFill>
                       <a:prstDash val="solid"/>
                       <a:round/>
-                      <a:headEnd len="sm" w="sm" type="none"/>
-                      <a:tailEnd len="sm" w="sm" type="none"/>
+                      <a:headEnd type="none" w="sm" len="sm"/>
+                      <a:tailEnd type="none" w="sm" len="sm"/>
                     </a:lnB>
                   </a:tcPr>
                 </a:tc>
@@ -9590,7 +9807,7 @@
                     <a:bodyPr/>
                     <a:lstStyle/>
                     <a:p>
-                      <a:pPr indent="0" lvl="0" marL="0" rtl="0" algn="r">
+                      <a:pPr marL="0" lvl="0" indent="0" algn="r" rtl="0">
                         <a:spcBef>
                           <a:spcPts val="0"/>
                         </a:spcBef>
@@ -9614,45 +9831,50 @@
                       </a:endParaRPr>
                     </a:p>
                   </a:txBody>
-                  <a:tcPr marT="91425" marB="91425" marR="91425" marL="91425">
-                    <a:lnL cap="flat" cmpd="sng" w="9525">
+                  <a:tcPr marL="91425" marR="91425" marT="91425" marB="91425">
+                    <a:lnL w="9525" cap="flat" cmpd="sng">
                       <a:solidFill>
                         <a:srgbClr val="FFFFFF"/>
                       </a:solidFill>
                       <a:prstDash val="solid"/>
                       <a:round/>
-                      <a:headEnd len="sm" w="sm" type="none"/>
-                      <a:tailEnd len="sm" w="sm" type="none"/>
+                      <a:headEnd type="none" w="sm" len="sm"/>
+                      <a:tailEnd type="none" w="sm" len="sm"/>
                     </a:lnL>
-                    <a:lnR cap="flat" cmpd="sng" w="9525">
+                    <a:lnR w="9525" cap="flat" cmpd="sng">
                       <a:solidFill>
                         <a:srgbClr val="FFFFFF"/>
                       </a:solidFill>
                       <a:prstDash val="solid"/>
                       <a:round/>
-                      <a:headEnd len="sm" w="sm" type="none"/>
-                      <a:tailEnd len="sm" w="sm" type="none"/>
+                      <a:headEnd type="none" w="sm" len="sm"/>
+                      <a:tailEnd type="none" w="sm" len="sm"/>
                     </a:lnR>
-                    <a:lnT cap="flat" cmpd="sng" w="9525">
+                    <a:lnT w="9525" cap="flat" cmpd="sng">
                       <a:solidFill>
                         <a:srgbClr val="FFFFFF"/>
                       </a:solidFill>
                       <a:prstDash val="solid"/>
                       <a:round/>
-                      <a:headEnd len="sm" w="sm" type="none"/>
-                      <a:tailEnd len="sm" w="sm" type="none"/>
+                      <a:headEnd type="none" w="sm" len="sm"/>
+                      <a:tailEnd type="none" w="sm" len="sm"/>
                     </a:lnT>
-                    <a:lnB cap="flat" cmpd="sng" w="9525">
+                    <a:lnB w="9525" cap="flat" cmpd="sng">
                       <a:solidFill>
                         <a:srgbClr val="FFFFFF"/>
                       </a:solidFill>
                       <a:prstDash val="solid"/>
                       <a:round/>
-                      <a:headEnd len="sm" w="sm" type="none"/>
-                      <a:tailEnd len="sm" w="sm" type="none"/>
+                      <a:headEnd type="none" w="sm" len="sm"/>
+                      <a:tailEnd type="none" w="sm" len="sm"/>
                     </a:lnB>
                   </a:tcPr>
                 </a:tc>
+                <a:extLst>
+                  <a:ext uri="{0D108BD9-81ED-4DB2-BD59-A6C34878D82A}">
+                    <a16:rowId xmlns:a16="http://schemas.microsoft.com/office/drawing/2014/main" val="10004"/>
+                  </a:ext>
+                </a:extLst>
               </a:tr>
             </a:tbl>
           </a:graphicData>
@@ -9667,18 +9889,19 @@
 </file>
 
 <file path=ppt/slides/slide6.xml><?xml version="1.0" encoding="utf-8"?>
-<p:sld xmlns:a="http://schemas.openxmlformats.org/drawingml/2006/main" xmlns:r="http://schemas.openxmlformats.org/officeDocument/2006/relationships" xmlns:mc="http://schemas.openxmlformats.org/markup-compatibility/2006" xmlns:mv="urn:schemas-microsoft-com:mac:vml" xmlns:p="http://schemas.openxmlformats.org/presentationml/2006/main" xmlns:c="http://schemas.openxmlformats.org/drawingml/2006/chart" xmlns:dgm="http://schemas.openxmlformats.org/drawingml/2006/diagram" xmlns:o="urn:schemas-microsoft-com:office:office" xmlns:v="urn:schemas-microsoft-com:vml" xmlns:pvml="urn:schemas-microsoft-com:office:powerpoint" xmlns:com="http://schemas.openxmlformats.org/drawingml/2006/compatibility" xmlns:p14="http://schemas.microsoft.com/office/powerpoint/2010/main" xmlns:p15="http://schemas.microsoft.com/office/powerpoint/2012/main">
+<p:sld xmlns:a="http://schemas.openxmlformats.org/drawingml/2006/main" xmlns:r="http://schemas.openxmlformats.org/officeDocument/2006/relationships" xmlns:p="http://schemas.openxmlformats.org/presentationml/2006/main">
   <p:cSld>
     <p:bg>
       <p:bgPr>
         <a:solidFill>
           <a:srgbClr val="000000"/>
         </a:solidFill>
+        <a:effectLst/>
       </p:bgPr>
     </p:bg>
     <p:spTree>
       <p:nvGrpSpPr>
-        <p:cNvPr id="96" name="Shape 96"/>
+        <p:cNvPr id="1" name="Shape 96"/>
         <p:cNvGrpSpPr/>
         <p:nvPr/>
       </p:nvGrpSpPr>
@@ -9693,7 +9916,9 @@
       <p:sp>
         <p:nvSpPr>
           <p:cNvPr id="97" name="Google Shape;97;p18"/>
-          <p:cNvSpPr txBox="1"/>
+          <p:cNvSpPr txBox="1">
+            <a:spLocks noGrp="1"/>
+          </p:cNvSpPr>
           <p:nvPr>
             <p:ph type="title"/>
           </p:nvPr>
@@ -9708,12 +9933,12 @@
           </a:prstGeom>
         </p:spPr>
         <p:txBody>
-          <a:bodyPr anchorCtr="0" anchor="t" bIns="91425" lIns="91425" spcFirstLastPara="1" rIns="91425" wrap="square" tIns="91425">
+          <a:bodyPr spcFirstLastPara="1" wrap="square" lIns="91425" tIns="91425" rIns="91425" bIns="91425" anchor="t" anchorCtr="0">
             <a:noAutofit/>
           </a:bodyPr>
           <a:lstStyle/>
           <a:p>
-            <a:pPr indent="0" lvl="0" marL="0" rtl="0" algn="l">
+            <a:pPr marL="0" lvl="0" indent="0" algn="l" rtl="0">
               <a:spcBef>
                 <a:spcPts val="0"/>
               </a:spcBef>
@@ -9767,18 +9992,19 @@
 </file>
 
 <file path=ppt/slides/slide7.xml><?xml version="1.0" encoding="utf-8"?>
-<p:sld xmlns:a="http://schemas.openxmlformats.org/drawingml/2006/main" xmlns:r="http://schemas.openxmlformats.org/officeDocument/2006/relationships" xmlns:mc="http://schemas.openxmlformats.org/markup-compatibility/2006" xmlns:mv="urn:schemas-microsoft-com:mac:vml" xmlns:p="http://schemas.openxmlformats.org/presentationml/2006/main" xmlns:c="http://schemas.openxmlformats.org/drawingml/2006/chart" xmlns:dgm="http://schemas.openxmlformats.org/drawingml/2006/diagram" xmlns:o="urn:schemas-microsoft-com:office:office" xmlns:v="urn:schemas-microsoft-com:vml" xmlns:pvml="urn:schemas-microsoft-com:office:powerpoint" xmlns:com="http://schemas.openxmlformats.org/drawingml/2006/compatibility" xmlns:p14="http://schemas.microsoft.com/office/powerpoint/2010/main" xmlns:p15="http://schemas.microsoft.com/office/powerpoint/2012/main">
+<p:sld xmlns:a="http://schemas.openxmlformats.org/drawingml/2006/main" xmlns:r="http://schemas.openxmlformats.org/officeDocument/2006/relationships" xmlns:p="http://schemas.openxmlformats.org/presentationml/2006/main">
   <p:cSld>
     <p:bg>
       <p:bgPr>
         <a:solidFill>
           <a:srgbClr val="000000"/>
         </a:solidFill>
+        <a:effectLst/>
       </p:bgPr>
     </p:bg>
     <p:spTree>
       <p:nvGrpSpPr>
-        <p:cNvPr id="102" name="Shape 102"/>
+        <p:cNvPr id="1" name="Shape 102"/>
         <p:cNvGrpSpPr/>
         <p:nvPr/>
       </p:nvGrpSpPr>
@@ -9793,7 +10019,9 @@
       <p:sp>
         <p:nvSpPr>
           <p:cNvPr id="103" name="Google Shape;103;p19"/>
-          <p:cNvSpPr txBox="1"/>
+          <p:cNvSpPr txBox="1">
+            <a:spLocks noGrp="1"/>
+          </p:cNvSpPr>
           <p:nvPr>
             <p:ph type="title"/>
           </p:nvPr>
@@ -9808,12 +10036,12 @@
           </a:prstGeom>
         </p:spPr>
         <p:txBody>
-          <a:bodyPr anchorCtr="0" anchor="t" bIns="91425" lIns="91425" spcFirstLastPara="1" rIns="91425" wrap="square" tIns="91425">
+          <a:bodyPr spcFirstLastPara="1" wrap="square" lIns="91425" tIns="91425" rIns="91425" bIns="91425" anchor="t" anchorCtr="0">
             <a:noAutofit/>
           </a:bodyPr>
           <a:lstStyle/>
           <a:p>
-            <a:pPr indent="0" lvl="0" marL="0" rtl="0" algn="l">
+            <a:pPr marL="0" lvl="0" indent="0" algn="l" rtl="0">
               <a:spcBef>
                 <a:spcPts val="0"/>
               </a:spcBef>
@@ -9833,9 +10061,11 @@
       <p:sp>
         <p:nvSpPr>
           <p:cNvPr id="104" name="Google Shape;104;p19"/>
-          <p:cNvSpPr txBox="1"/>
+          <p:cNvSpPr txBox="1">
+            <a:spLocks noGrp="1"/>
+          </p:cNvSpPr>
           <p:nvPr>
-            <p:ph idx="1" type="body"/>
+            <p:ph type="body" idx="1"/>
           </p:nvPr>
         </p:nvSpPr>
         <p:spPr>
@@ -9848,12 +10078,12 @@
           </a:prstGeom>
         </p:spPr>
         <p:txBody>
-          <a:bodyPr anchorCtr="0" anchor="t" bIns="91425" lIns="91425" spcFirstLastPara="1" rIns="91425" wrap="square" tIns="91425">
+          <a:bodyPr spcFirstLastPara="1" wrap="square" lIns="91425" tIns="91425" rIns="91425" bIns="91425" anchor="t" anchorCtr="0">
             <a:noAutofit/>
           </a:bodyPr>
           <a:lstStyle/>
           <a:p>
-            <a:pPr indent="-342900" lvl="0" marL="457200" rtl="0" algn="l">
+            <a:pPr marL="457200" lvl="0" indent="-342900" algn="l" rtl="0">
               <a:spcBef>
                 <a:spcPts val="0"/>
               </a:spcBef>
@@ -9881,7 +10111,7 @@
             </a:endParaRPr>
           </a:p>
           <a:p>
-            <a:pPr indent="-342900" lvl="0" marL="457200" rtl="0" algn="l">
+            <a:pPr marL="457200" lvl="0" indent="-342900" algn="l" rtl="0">
               <a:spcBef>
                 <a:spcPts val="0"/>
               </a:spcBef>
@@ -9909,7 +10139,7 @@
             </a:endParaRPr>
           </a:p>
           <a:p>
-            <a:pPr indent="-342900" lvl="0" marL="457200" rtl="0" algn="l">
+            <a:pPr marL="457200" lvl="0" indent="-342900" algn="l" rtl="0">
               <a:spcBef>
                 <a:spcPts val="0"/>
               </a:spcBef>
@@ -10003,18 +10233,19 @@
 </file>
 
 <file path=ppt/slides/slide8.xml><?xml version="1.0" encoding="utf-8"?>
-<p:sld xmlns:a="http://schemas.openxmlformats.org/drawingml/2006/main" xmlns:r="http://schemas.openxmlformats.org/officeDocument/2006/relationships" xmlns:mc="http://schemas.openxmlformats.org/markup-compatibility/2006" xmlns:mv="urn:schemas-microsoft-com:mac:vml" xmlns:p="http://schemas.openxmlformats.org/presentationml/2006/main" xmlns:c="http://schemas.openxmlformats.org/drawingml/2006/chart" xmlns:dgm="http://schemas.openxmlformats.org/drawingml/2006/diagram" xmlns:o="urn:schemas-microsoft-com:office:office" xmlns:v="urn:schemas-microsoft-com:vml" xmlns:pvml="urn:schemas-microsoft-com:office:powerpoint" xmlns:com="http://schemas.openxmlformats.org/drawingml/2006/compatibility" xmlns:p14="http://schemas.microsoft.com/office/powerpoint/2010/main" xmlns:p15="http://schemas.microsoft.com/office/powerpoint/2012/main">
+<p:sld xmlns:a="http://schemas.openxmlformats.org/drawingml/2006/main" xmlns:r="http://schemas.openxmlformats.org/officeDocument/2006/relationships" xmlns:p="http://schemas.openxmlformats.org/presentationml/2006/main">
   <p:cSld>
     <p:bg>
       <p:bgPr>
         <a:solidFill>
           <a:srgbClr val="000000"/>
         </a:solidFill>
+        <a:effectLst/>
       </p:bgPr>
     </p:bg>
     <p:spTree>
       <p:nvGrpSpPr>
-        <p:cNvPr id="110" name="Shape 110"/>
+        <p:cNvPr id="1" name="Shape 110"/>
         <p:cNvGrpSpPr/>
         <p:nvPr/>
       </p:nvGrpSpPr>
@@ -10029,7 +10260,9 @@
       <p:sp>
         <p:nvSpPr>
           <p:cNvPr id="111" name="Google Shape;111;p20"/>
-          <p:cNvSpPr txBox="1"/>
+          <p:cNvSpPr txBox="1">
+            <a:spLocks noGrp="1"/>
+          </p:cNvSpPr>
           <p:nvPr>
             <p:ph type="title"/>
           </p:nvPr>
@@ -10044,12 +10277,12 @@
           </a:prstGeom>
         </p:spPr>
         <p:txBody>
-          <a:bodyPr anchorCtr="0" anchor="t" bIns="91425" lIns="91425" spcFirstLastPara="1" rIns="91425" wrap="square" tIns="91425">
+          <a:bodyPr spcFirstLastPara="1" wrap="square" lIns="91425" tIns="91425" rIns="91425" bIns="91425" anchor="t" anchorCtr="0">
             <a:noAutofit/>
           </a:bodyPr>
           <a:lstStyle/>
           <a:p>
-            <a:pPr indent="0" lvl="0" marL="0" rtl="0" algn="l">
+            <a:pPr marL="0" lvl="0" indent="0" algn="l" rtl="0">
               <a:spcBef>
                 <a:spcPts val="0"/>
               </a:spcBef>
@@ -10069,9 +10302,11 @@
       <p:sp>
         <p:nvSpPr>
           <p:cNvPr id="112" name="Google Shape;112;p20"/>
-          <p:cNvSpPr txBox="1"/>
+          <p:cNvSpPr txBox="1">
+            <a:spLocks noGrp="1"/>
+          </p:cNvSpPr>
           <p:nvPr>
-            <p:ph idx="1" type="body"/>
+            <p:ph type="body" idx="1"/>
           </p:nvPr>
         </p:nvSpPr>
         <p:spPr>
@@ -10084,12 +10319,12 @@
           </a:prstGeom>
         </p:spPr>
         <p:txBody>
-          <a:bodyPr anchorCtr="0" anchor="t" bIns="91425" lIns="91425" spcFirstLastPara="1" rIns="91425" wrap="square" tIns="91425">
+          <a:bodyPr spcFirstLastPara="1" wrap="square" lIns="91425" tIns="91425" rIns="91425" bIns="91425" anchor="t" anchorCtr="0">
             <a:noAutofit/>
           </a:bodyPr>
           <a:lstStyle/>
           <a:p>
-            <a:pPr indent="-342900" lvl="0" marL="457200" rtl="0" algn="l">
+            <a:pPr marL="457200" lvl="0" indent="-342900" algn="l" rtl="0">
               <a:spcBef>
                 <a:spcPts val="0"/>
               </a:spcBef>
@@ -10117,7 +10352,7 @@
             </a:endParaRPr>
           </a:p>
           <a:p>
-            <a:pPr indent="-317500" lvl="1" marL="914400" rtl="0" algn="l">
+            <a:pPr marL="914400" lvl="1" indent="-317500" algn="l" rtl="0">
               <a:spcBef>
                 <a:spcPts val="0"/>
               </a:spcBef>
@@ -10145,7 +10380,7 @@
             </a:endParaRPr>
           </a:p>
           <a:p>
-            <a:pPr indent="-342900" lvl="0" marL="457200" rtl="0" algn="l">
+            <a:pPr marL="457200" lvl="0" indent="-342900" algn="l" rtl="0">
               <a:spcBef>
                 <a:spcPts val="0"/>
               </a:spcBef>
@@ -10173,7 +10408,7 @@
             </a:endParaRPr>
           </a:p>
           <a:p>
-            <a:pPr indent="-317500" lvl="1" marL="914400" rtl="0" algn="l">
+            <a:pPr marL="914400" lvl="1" indent="-317500" algn="l" rtl="0">
               <a:spcBef>
                 <a:spcPts val="0"/>
               </a:spcBef>
@@ -10267,18 +10502,19 @@
 </file>
 
 <file path=ppt/slides/slide9.xml><?xml version="1.0" encoding="utf-8"?>
-<p:sld xmlns:a="http://schemas.openxmlformats.org/drawingml/2006/main" xmlns:r="http://schemas.openxmlformats.org/officeDocument/2006/relationships" xmlns:mc="http://schemas.openxmlformats.org/markup-compatibility/2006" xmlns:mv="urn:schemas-microsoft-com:mac:vml" xmlns:p="http://schemas.openxmlformats.org/presentationml/2006/main" xmlns:c="http://schemas.openxmlformats.org/drawingml/2006/chart" xmlns:dgm="http://schemas.openxmlformats.org/drawingml/2006/diagram" xmlns:o="urn:schemas-microsoft-com:office:office" xmlns:v="urn:schemas-microsoft-com:vml" xmlns:pvml="urn:schemas-microsoft-com:office:powerpoint" xmlns:com="http://schemas.openxmlformats.org/drawingml/2006/compatibility" xmlns:p14="http://schemas.microsoft.com/office/powerpoint/2010/main" xmlns:p15="http://schemas.microsoft.com/office/powerpoint/2012/main">
+<p:sld xmlns:a="http://schemas.openxmlformats.org/drawingml/2006/main" xmlns:r="http://schemas.openxmlformats.org/officeDocument/2006/relationships" xmlns:p="http://schemas.openxmlformats.org/presentationml/2006/main">
   <p:cSld>
     <p:bg>
       <p:bgPr>
         <a:solidFill>
           <a:srgbClr val="000000"/>
         </a:solidFill>
+        <a:effectLst/>
       </p:bgPr>
     </p:bg>
     <p:spTree>
       <p:nvGrpSpPr>
-        <p:cNvPr id="118" name="Shape 118"/>
+        <p:cNvPr id="1" name="Shape 118"/>
         <p:cNvGrpSpPr/>
         <p:nvPr/>
       </p:nvGrpSpPr>
@@ -10293,7 +10529,9 @@
       <p:sp>
         <p:nvSpPr>
           <p:cNvPr id="119" name="Google Shape;119;p21"/>
-          <p:cNvSpPr txBox="1"/>
+          <p:cNvSpPr txBox="1">
+            <a:spLocks noGrp="1"/>
+          </p:cNvSpPr>
           <p:nvPr>
             <p:ph type="title"/>
           </p:nvPr>
@@ -10308,12 +10546,12 @@
           </a:prstGeom>
         </p:spPr>
         <p:txBody>
-          <a:bodyPr anchorCtr="0" anchor="t" bIns="91425" lIns="91425" spcFirstLastPara="1" rIns="91425" wrap="square" tIns="91425">
+          <a:bodyPr spcFirstLastPara="1" wrap="square" lIns="91425" tIns="91425" rIns="91425" bIns="91425" anchor="t" anchorCtr="0">
             <a:noAutofit/>
           </a:bodyPr>
           <a:lstStyle/>
           <a:p>
-            <a:pPr indent="0" lvl="0" marL="0" rtl="0" algn="l">
+            <a:pPr marL="0" lvl="0" indent="0" algn="l" rtl="0">
               <a:spcBef>
                 <a:spcPts val="0"/>
               </a:spcBef>
@@ -10333,9 +10571,11 @@
       <p:sp>
         <p:nvSpPr>
           <p:cNvPr id="120" name="Google Shape;120;p21"/>
-          <p:cNvSpPr txBox="1"/>
+          <p:cNvSpPr txBox="1">
+            <a:spLocks noGrp="1"/>
+          </p:cNvSpPr>
           <p:nvPr>
-            <p:ph idx="1" type="body"/>
+            <p:ph type="body" idx="1"/>
           </p:nvPr>
         </p:nvSpPr>
         <p:spPr>
@@ -10348,12 +10588,12 @@
           </a:prstGeom>
         </p:spPr>
         <p:txBody>
-          <a:bodyPr anchorCtr="0" anchor="t" bIns="91425" lIns="91425" spcFirstLastPara="1" rIns="91425" wrap="square" tIns="91425">
+          <a:bodyPr spcFirstLastPara="1" wrap="square" lIns="91425" tIns="91425" rIns="91425" bIns="91425" anchor="t" anchorCtr="0">
             <a:noAutofit/>
           </a:bodyPr>
           <a:lstStyle/>
           <a:p>
-            <a:pPr indent="-342900" lvl="0" marL="457200" rtl="0" algn="l">
+            <a:pPr marL="457200" lvl="0" indent="-342900" algn="l" rtl="0">
               <a:spcBef>
                 <a:spcPts val="0"/>
               </a:spcBef>
@@ -10381,7 +10621,7 @@
             </a:endParaRPr>
           </a:p>
           <a:p>
-            <a:pPr indent="-317500" lvl="1" marL="914400" rtl="0" algn="l">
+            <a:pPr marL="914400" lvl="1" indent="-317500" algn="l" rtl="0">
               <a:spcBef>
                 <a:spcPts val="0"/>
               </a:spcBef>
@@ -10409,7 +10649,7 @@
             </a:endParaRPr>
           </a:p>
           <a:p>
-            <a:pPr indent="-342900" lvl="0" marL="457200" rtl="0" algn="l">
+            <a:pPr marL="457200" lvl="0" indent="-342900" algn="l" rtl="0">
               <a:spcBef>
                 <a:spcPts val="0"/>
               </a:spcBef>
@@ -10437,7 +10677,7 @@
             </a:endParaRPr>
           </a:p>
           <a:p>
-            <a:pPr indent="-317500" lvl="1" marL="914400" rtl="0" algn="l">
+            <a:pPr marL="914400" lvl="1" indent="-317500" algn="l" rtl="0">
               <a:spcBef>
                 <a:spcPts val="0"/>
               </a:spcBef>
@@ -10465,7 +10705,7 @@
             </a:endParaRPr>
           </a:p>
           <a:p>
-            <a:pPr indent="-342900" lvl="0" marL="457200" rtl="0" algn="l">
+            <a:pPr marL="457200" lvl="0" indent="-342900" algn="l" rtl="0">
               <a:spcBef>
                 <a:spcPts val="0"/>
               </a:spcBef>
@@ -10503,7 +10743,7 @@
 </file>
 
 <file path=ppt/theme/theme1.xml><?xml version="1.0" encoding="utf-8"?>
-<a:theme xmlns:a="http://schemas.openxmlformats.org/drawingml/2006/main" xmlns:r="http://schemas.openxmlformats.org/officeDocument/2006/relationships" name="Simple Dark">
+<a:theme xmlns:a="http://schemas.openxmlformats.org/drawingml/2006/main" name="Simple Dark">
   <a:themeElements>
     <a:clrScheme name="Simple Dark">
       <a:dk1>
@@ -10778,11 +11018,13 @@
       </a:bgFillStyleLst>
     </a:fmtScheme>
   </a:themeElements>
+  <a:objectDefaults/>
+  <a:extraClrSchemeLst/>
 </a:theme>
 </file>
 
 <file path=ppt/theme/theme2.xml><?xml version="1.0" encoding="utf-8"?>
-<a:theme xmlns:a="http://schemas.openxmlformats.org/drawingml/2006/main" xmlns:r="http://schemas.openxmlformats.org/officeDocument/2006/relationships">
+<a:theme xmlns:a="http://schemas.openxmlformats.org/drawingml/2006/main">
   <a:themeElements>
     <a:clrScheme name="Default">
       <a:dk1>
@@ -11057,5 +11299,7 @@
       </a:bgFillStyleLst>
     </a:fmtScheme>
   </a:themeElements>
+  <a:objectDefaults/>
+  <a:extraClrSchemeLst/>
 </a:theme>
 </file>
--- a/Final Presentation.pptx
+++ b/Final Presentation.pptx
@@ -949,7 +949,7 @@
         </p:nvSpPr>
         <p:spPr>
           <a:xfrm>
-            <a:off x="381300" y="685800"/>
+            <a:off x="381000" y="685800"/>
             <a:ext cx="6096000" cy="3429000"/>
           </a:xfrm>
           <a:custGeom>
@@ -1157,7 +1157,7 @@
         </p:nvSpPr>
         <p:spPr>
           <a:xfrm>
-            <a:off x="381300" y="685800"/>
+            <a:off x="381000" y="685800"/>
             <a:ext cx="6096000" cy="3429000"/>
           </a:xfrm>
           <a:custGeom>
@@ -1309,7 +1309,7 @@
         </p:nvSpPr>
         <p:spPr>
           <a:xfrm>
-            <a:off x="381300" y="685800"/>
+            <a:off x="381000" y="685800"/>
             <a:ext cx="6096000" cy="3429000"/>
           </a:xfrm>
           <a:custGeom>
@@ -1413,7 +1413,7 @@
         </p:nvSpPr>
         <p:spPr>
           <a:xfrm>
-            <a:off x="381300" y="685800"/>
+            <a:off x="381000" y="685800"/>
             <a:ext cx="6096000" cy="3429000"/>
           </a:xfrm>
           <a:custGeom>
@@ -7409,14 +7409,14 @@
               <a:buChar char="●"/>
             </a:pPr>
             <a:r>
-              <a:rPr lang="en">
+              <a:rPr lang="en" dirty="0">
                 <a:solidFill>
                   <a:schemeClr val="dk1"/>
                 </a:solidFill>
               </a:rPr>
               <a:t>Further development of tracker metrics could help analyze extensions</a:t>
             </a:r>
-            <a:endParaRPr>
+            <a:endParaRPr dirty="0">
               <a:solidFill>
                 <a:schemeClr val="dk1"/>
               </a:solidFill>
@@ -7437,14 +7437,14 @@
               <a:buChar char="●"/>
             </a:pPr>
             <a:r>
-              <a:rPr lang="en">
+              <a:rPr lang="en" dirty="0">
                 <a:solidFill>
                   <a:schemeClr val="dk1"/>
                 </a:solidFill>
               </a:rPr>
               <a:t>More types of cooperation with tracking companies could be interesting</a:t>
             </a:r>
-            <a:endParaRPr>
+            <a:endParaRPr dirty="0">
               <a:solidFill>
                 <a:schemeClr val="dk1"/>
               </a:solidFill>
@@ -7465,14 +7465,30 @@
               <a:buChar char="●"/>
             </a:pPr>
             <a:r>
-              <a:rPr lang="en">
+              <a:rPr lang="en" dirty="0">
                 <a:solidFill>
                   <a:schemeClr val="dk1"/>
                 </a:solidFill>
               </a:rPr>
               <a:t>Expand investigated websites beyond Alexa Top 50 (i.e. top 1 million)</a:t>
             </a:r>
-            <a:endParaRPr>
+          </a:p>
+          <a:p>
+            <a:pPr lvl="0">
+              <a:buClr>
+                <a:schemeClr val="dk1"/>
+              </a:buClr>
+            </a:pPr>
+            <a:r>
+              <a:rPr lang="en-US" dirty="0">
+                <a:solidFill>
+                  <a:srgbClr val="FFFFFF"/>
+                </a:solidFill>
+                <a:latin typeface="Arial" panose="020B0604020202020204" pitchFamily="34" charset="0"/>
+              </a:rPr>
+              <a:t>Use connectivity as a new metric or analyze connectivity between types of websites (i.e., News, Shopping)</a:t>
+            </a:r>
+            <a:endParaRPr dirty="0">
               <a:solidFill>
                 <a:schemeClr val="dk1"/>
               </a:solidFill>
@@ -7815,14 +7831,14 @@
               <a:buChar char="●"/>
             </a:pPr>
             <a:r>
-              <a:rPr lang="en">
+              <a:rPr lang="en" dirty="0">
                 <a:solidFill>
                   <a:schemeClr val="dk1"/>
                 </a:solidFill>
               </a:rPr>
               <a:t>How are we all tracked?</a:t>
             </a:r>
-            <a:endParaRPr>
+            <a:endParaRPr dirty="0">
               <a:solidFill>
                 <a:schemeClr val="dk1"/>
               </a:solidFill>
@@ -7843,14 +7859,14 @@
               <a:buChar char="○"/>
             </a:pPr>
             <a:r>
-              <a:rPr lang="en">
+              <a:rPr lang="en" dirty="0">
                 <a:solidFill>
                   <a:schemeClr val="dk1"/>
                 </a:solidFill>
               </a:rPr>
               <a:t>Websites and trackers have evolved</a:t>
             </a:r>
-            <a:endParaRPr>
+            <a:endParaRPr dirty="0">
               <a:solidFill>
                 <a:schemeClr val="dk1"/>
               </a:solidFill>
@@ -7871,14 +7887,14 @@
               <a:buChar char="○"/>
             </a:pPr>
             <a:r>
-              <a:rPr lang="en">
+              <a:rPr lang="en" dirty="0">
                 <a:solidFill>
                   <a:schemeClr val="dk1"/>
                 </a:solidFill>
               </a:rPr>
               <a:t>Cookies and trackers are often active without user consent</a:t>
             </a:r>
-            <a:endParaRPr>
+            <a:endParaRPr dirty="0">
               <a:solidFill>
                 <a:schemeClr val="dk1"/>
               </a:solidFill>
@@ -7899,14 +7915,22 @@
               <a:buChar char="●"/>
             </a:pPr>
             <a:r>
-              <a:rPr lang="en">
+              <a:rPr lang="en-US" dirty="0">
                 <a:solidFill>
                   <a:schemeClr val="dk1"/>
                 </a:solidFill>
               </a:rPr>
-              <a:t>What can cookies/trackers track?</a:t>
+              <a:t>How pervasive are trackers on the internet</a:t>
             </a:r>
-            <a:endParaRPr>
+            <a:r>
+              <a:rPr lang="en" dirty="0">
+                <a:solidFill>
+                  <a:schemeClr val="dk1"/>
+                </a:solidFill>
+              </a:rPr>
+              <a:t>?</a:t>
+            </a:r>
+            <a:endParaRPr dirty="0">
               <a:solidFill>
                 <a:schemeClr val="dk1"/>
               </a:solidFill>
@@ -7927,14 +7951,30 @@
               <a:buChar char="○"/>
             </a:pPr>
             <a:r>
-              <a:rPr lang="en">
+              <a:rPr lang="en" dirty="0">
                 <a:solidFill>
                   <a:schemeClr val="dk1"/>
                 </a:solidFill>
               </a:rPr>
-              <a:t>How much information do they collect?</a:t>
+              <a:t>How </a:t>
             </a:r>
-            <a:endParaRPr>
+            <a:r>
+              <a:rPr lang="en-US" dirty="0">
+                <a:solidFill>
+                  <a:schemeClr val="dk1"/>
+                </a:solidFill>
+              </a:rPr>
+              <a:t>likely are specific trackers to be encountered</a:t>
+            </a:r>
+            <a:r>
+              <a:rPr lang="en" dirty="0">
+                <a:solidFill>
+                  <a:schemeClr val="dk1"/>
+                </a:solidFill>
+              </a:rPr>
+              <a:t>?</a:t>
+            </a:r>
+            <a:endParaRPr dirty="0">
               <a:solidFill>
                 <a:schemeClr val="dk1"/>
               </a:solidFill>
@@ -7955,14 +7995,30 @@
               <a:buChar char="○"/>
             </a:pPr>
             <a:r>
-              <a:rPr lang="en">
+              <a:rPr lang="en" dirty="0">
                 <a:solidFill>
                   <a:schemeClr val="dk1"/>
                 </a:solidFill>
               </a:rPr>
-              <a:t>How widespread are trackers?</a:t>
+              <a:t>How widespread are </a:t>
             </a:r>
-            <a:endParaRPr>
+            <a:r>
+              <a:rPr lang="en-US" dirty="0">
+                <a:solidFill>
+                  <a:schemeClr val="dk1"/>
+                </a:solidFill>
+              </a:rPr>
+              <a:t>individual </a:t>
+            </a:r>
+            <a:r>
+              <a:rPr lang="en" dirty="0">
+                <a:solidFill>
+                  <a:schemeClr val="dk1"/>
+                </a:solidFill>
+              </a:rPr>
+              <a:t>trackers?</a:t>
+            </a:r>
+            <a:endParaRPr dirty="0">
               <a:solidFill>
                 <a:schemeClr val="dk1"/>
               </a:solidFill>
@@ -7983,14 +8039,14 @@
               <a:buChar char="●"/>
             </a:pPr>
             <a:r>
-              <a:rPr lang="en">
+              <a:rPr lang="en" dirty="0">
                 <a:solidFill>
                   <a:schemeClr val="dk1"/>
                 </a:solidFill>
               </a:rPr>
               <a:t>What can we do to stop them?</a:t>
             </a:r>
-            <a:endParaRPr>
+            <a:endParaRPr dirty="0">
               <a:solidFill>
                 <a:schemeClr val="dk1"/>
               </a:solidFill>
@@ -8011,14 +8067,22 @@
               <a:buChar char="○"/>
             </a:pPr>
             <a:r>
-              <a:rPr lang="en">
+              <a:rPr lang="en" dirty="0">
                 <a:solidFill>
                   <a:schemeClr val="dk1"/>
                 </a:solidFill>
               </a:rPr>
-              <a:t>Comparison of apps/browsers</a:t>
+              <a:t>Comparison of </a:t>
             </a:r>
-            <a:endParaRPr>
+            <a:r>
+              <a:rPr lang="en-US" dirty="0">
+                <a:solidFill>
+                  <a:schemeClr val="dk1"/>
+                </a:solidFill>
+              </a:rPr>
+              <a:t>public extensions and browsers</a:t>
+            </a:r>
+            <a:endParaRPr dirty="0">
               <a:solidFill>
                 <a:schemeClr val="dk1"/>
               </a:solidFill>
@@ -8168,14 +8232,14 @@
               <a:buChar char="●"/>
             </a:pPr>
             <a:r>
-              <a:rPr lang="en">
+              <a:rPr lang="en" dirty="0">
                 <a:solidFill>
                   <a:schemeClr val="dk1"/>
                 </a:solidFill>
               </a:rPr>
               <a:t>Compare effectiveness of privacy extensions and browsers against trackers on popular sites on the internet</a:t>
             </a:r>
-            <a:endParaRPr>
+            <a:endParaRPr dirty="0">
               <a:solidFill>
                 <a:schemeClr val="dk1"/>
               </a:solidFill>
@@ -8196,14 +8260,22 @@
               <a:buChar char="●"/>
             </a:pPr>
             <a:r>
-              <a:rPr lang="en">
+              <a:rPr lang="en-US" dirty="0">
                 <a:solidFill>
                   <a:schemeClr val="dk1"/>
                 </a:solidFill>
               </a:rPr>
-              <a:t>Employ and test new metric for comparing blocking software</a:t>
+              <a:t>Design and propose </a:t>
             </a:r>
-            <a:endParaRPr>
+            <a:r>
+              <a:rPr lang="en" dirty="0">
+                <a:solidFill>
+                  <a:schemeClr val="dk1"/>
+                </a:solidFill>
+              </a:rPr>
+              <a:t>new metric for comparing blocking software</a:t>
+            </a:r>
+            <a:endParaRPr dirty="0">
               <a:solidFill>
                 <a:schemeClr val="dk1"/>
               </a:solidFill>
@@ -8224,14 +8296,45 @@
               <a:buChar char="●"/>
             </a:pPr>
             <a:r>
-              <a:rPr lang="en">
+              <a:rPr lang="en" dirty="0">
                 <a:solidFill>
                   <a:schemeClr val="dk1"/>
                 </a:solidFill>
               </a:rPr>
               <a:t>Evaluate best blockers for particular users and browsing behavior</a:t>
             </a:r>
-            <a:endParaRPr>
+          </a:p>
+          <a:p>
+            <a:pPr marL="457200" lvl="0" indent="-342900" algn="l" rtl="0">
+              <a:spcBef>
+                <a:spcPts val="0"/>
+              </a:spcBef>
+              <a:spcAft>
+                <a:spcPts val="0"/>
+              </a:spcAft>
+              <a:buClr>
+                <a:schemeClr val="dk1"/>
+              </a:buClr>
+              <a:buSzPts val="1800"/>
+              <a:buChar char="●"/>
+            </a:pPr>
+            <a:r>
+              <a:rPr lang="en" dirty="0">
+                <a:solidFill>
+                  <a:schemeClr val="dk1"/>
+                </a:solidFill>
+              </a:rPr>
+              <a:t>Understand </a:t>
+            </a:r>
+            <a:r>
+              <a:rPr lang="en-US" dirty="0">
+                <a:solidFill>
+                  <a:schemeClr val="dk1"/>
+                </a:solidFill>
+              </a:rPr>
+              <a:t>prevalence of trackers and their presence across websites</a:t>
+            </a:r>
+            <a:endParaRPr dirty="0">
               <a:solidFill>
                 <a:schemeClr val="dk1"/>
               </a:solidFill>
@@ -8465,22 +8568,14 @@
               <a:buChar char="●"/>
             </a:pPr>
             <a:r>
-              <a:rPr lang="en">
+              <a:rPr lang="en" dirty="0">
                 <a:solidFill>
                   <a:schemeClr val="dk1"/>
                 </a:solidFill>
               </a:rPr>
-              <a:t>Best blockers stop prevalent trackers encountered on prominent websites </a:t>
+              <a:t>Best blockers stop prevalent trackers encountered on prominent websites</a:t>
             </a:r>
-            <a:r>
-              <a:rPr lang="en" sz="1200">
-                <a:solidFill>
-                  <a:schemeClr val="dk1"/>
-                </a:solidFill>
-              </a:rPr>
-              <a:t>CITE</a:t>
-            </a:r>
-            <a:endParaRPr sz="1200">
+            <a:endParaRPr sz="1200" dirty="0">
               <a:solidFill>
                 <a:schemeClr val="dk1"/>
               </a:solidFill>
@@ -8501,14 +8596,14 @@
               <a:buChar char="●"/>
             </a:pPr>
             <a:r>
-              <a:rPr lang="en">
+              <a:rPr lang="en" dirty="0">
                 <a:solidFill>
                   <a:schemeClr val="dk1"/>
                 </a:solidFill>
               </a:rPr>
-              <a:t>Score extensions by weighting frequency of blocked trackers with prominence of website (inverse of Alexa Top 50 rank)</a:t>
+              <a:t>Score extensions by weighting frequency of blocked trackers with prominence of website (inverse of Alexa Top 50 rank) [1]</a:t>
             </a:r>
-            <a:endParaRPr>
+            <a:endParaRPr dirty="0">
               <a:solidFill>
                 <a:schemeClr val="dk1"/>
               </a:solidFill>
@@ -8529,14 +8624,14 @@
               <a:buChar char="●"/>
             </a:pPr>
             <a:r>
-              <a:rPr lang="en">
+              <a:rPr lang="en" dirty="0">
                 <a:solidFill>
                   <a:schemeClr val="dk1"/>
                 </a:solidFill>
               </a:rPr>
               <a:t>Emphasis on blocking pervasive trackers that appear on popular sites</a:t>
             </a:r>
-            <a:endParaRPr>
+            <a:endParaRPr dirty="0">
               <a:solidFill>
                 <a:schemeClr val="dk1"/>
               </a:solidFill>
@@ -8945,14 +9040,14 @@
               <a:buChar char="●"/>
             </a:pPr>
             <a:r>
-              <a:rPr lang="en">
+              <a:rPr lang="en" dirty="0">
                 <a:solidFill>
                   <a:schemeClr val="dk1"/>
                 </a:solidFill>
               </a:rPr>
               <a:t>Ghostery performed very well (confirmed with earlier research) [1]</a:t>
             </a:r>
-            <a:endParaRPr>
+            <a:endParaRPr dirty="0">
               <a:solidFill>
                 <a:schemeClr val="dk1"/>
               </a:solidFill>
@@ -8973,14 +9068,14 @@
               <a:buChar char="●"/>
             </a:pPr>
             <a:r>
-              <a:rPr lang="en">
+              <a:rPr lang="en" dirty="0">
                 <a:solidFill>
                   <a:schemeClr val="dk1"/>
                 </a:solidFill>
               </a:rPr>
               <a:t>PrivacyBadger blocks large volume of (obscure) trackers</a:t>
             </a:r>
-            <a:endParaRPr>
+            <a:endParaRPr dirty="0">
               <a:solidFill>
                 <a:schemeClr val="dk1"/>
               </a:solidFill>
@@ -9001,14 +9096,14 @@
               <a:buChar char="○"/>
             </a:pPr>
             <a:r>
-              <a:rPr lang="en">
+              <a:rPr lang="en" dirty="0">
                 <a:solidFill>
                   <a:schemeClr val="dk1"/>
                 </a:solidFill>
               </a:rPr>
               <a:t>Falls short by failing to block some of more prevalent trackers</a:t>
             </a:r>
-            <a:endParaRPr>
+            <a:endParaRPr dirty="0">
               <a:solidFill>
                 <a:schemeClr val="dk1"/>
               </a:solidFill>
@@ -9029,14 +9124,14 @@
               <a:buChar char="●"/>
             </a:pPr>
             <a:r>
-              <a:rPr lang="en">
+              <a:rPr lang="en" dirty="0">
                 <a:solidFill>
                   <a:schemeClr val="dk1"/>
                 </a:solidFill>
               </a:rPr>
               <a:t>uBlock Origin best according to our new metric</a:t>
             </a:r>
-            <a:endParaRPr>
+            <a:endParaRPr dirty="0">
               <a:solidFill>
                 <a:schemeClr val="dk1"/>
               </a:solidFill>
@@ -9057,14 +9152,14 @@
               <a:buChar char="○"/>
             </a:pPr>
             <a:r>
-              <a:rPr lang="en">
+              <a:rPr lang="en" dirty="0">
                 <a:solidFill>
                   <a:schemeClr val="dk1"/>
                 </a:solidFill>
               </a:rPr>
               <a:t>Blocked same pervasive trackers as Ghostery and more obscure trackers like PrivacyBadger</a:t>
             </a:r>
-            <a:endParaRPr>
+            <a:endParaRPr dirty="0">
               <a:solidFill>
                 <a:schemeClr val="dk1"/>
               </a:solidFill>
@@ -9085,14 +9180,14 @@
               <a:buChar char="●"/>
             </a:pPr>
             <a:r>
-              <a:rPr lang="en">
+              <a:rPr lang="en" dirty="0">
                 <a:solidFill>
                   <a:schemeClr val="dk1"/>
                 </a:solidFill>
               </a:rPr>
               <a:t>Firefox’s built in privacy performed poorly</a:t>
             </a:r>
-            <a:endParaRPr>
+            <a:endParaRPr dirty="0">
               <a:solidFill>
                 <a:schemeClr val="dk1"/>
               </a:solidFill>
@@ -9113,14 +9208,14 @@
               <a:buChar char="○"/>
             </a:pPr>
             <a:r>
-              <a:rPr lang="en">
+              <a:rPr lang="en" dirty="0">
                 <a:solidFill>
                   <a:schemeClr val="dk1"/>
                 </a:solidFill>
               </a:rPr>
               <a:t>Captured small portion of total trackers regardless of prevalence</a:t>
             </a:r>
-            <a:endParaRPr>
+            <a:endParaRPr dirty="0">
               <a:solidFill>
                 <a:schemeClr val="dk1"/>
               </a:solidFill>
@@ -9136,7 +9231,7 @@
         </p:nvGraphicFramePr>
         <p:xfrm>
           <a:off x="5457100" y="3131725"/>
-          <a:ext cx="3000000" cy="3000000"/>
+          <a:ext cx="3605575" cy="1981050"/>
         </p:xfrm>
         <a:graphic>
           <a:graphicData uri="http://schemas.openxmlformats.org/drawingml/2006/table">
